--- a/doc/项目展示.pptx
+++ b/doc/项目展示.pptx
@@ -7,10 +7,10 @@
     <p:sldMasterId id="2147486892" r:id="rId3"/>
   </p:sldMasterIdLst>
   <p:notesMasterIdLst>
-    <p:notesMasterId r:id="rId12"/>
+    <p:notesMasterId r:id="rId19"/>
   </p:notesMasterIdLst>
   <p:handoutMasterIdLst>
-    <p:handoutMasterId r:id="rId13"/>
+    <p:handoutMasterId r:id="rId20"/>
   </p:handoutMasterIdLst>
   <p:sldIdLst>
     <p:sldId id="2227" r:id="rId4"/>
@@ -19,13 +19,20 @@
     <p:sldId id="2247" r:id="rId7"/>
     <p:sldId id="2245" r:id="rId8"/>
     <p:sldId id="2246" r:id="rId9"/>
-    <p:sldId id="2248" r:id="rId10"/>
-    <p:sldId id="2244" r:id="rId11"/>
+    <p:sldId id="2249" r:id="rId10"/>
+    <p:sldId id="2250" r:id="rId11"/>
+    <p:sldId id="2251" r:id="rId12"/>
+    <p:sldId id="2252" r:id="rId13"/>
+    <p:sldId id="2253" r:id="rId14"/>
+    <p:sldId id="2254" r:id="rId15"/>
+    <p:sldId id="2248" r:id="rId16"/>
+    <p:sldId id="2255" r:id="rId17"/>
+    <p:sldId id="2244" r:id="rId18"/>
   </p:sldIdLst>
   <p:sldSz cx="9144000" cy="6858000" type="screen4x3"/>
   <p:notesSz cx="7099300" cy="10234613"/>
   <p:custDataLst>
-    <p:tags r:id="rId14"/>
+    <p:tags r:id="rId21"/>
   </p:custDataLst>
   <p:defaultTextStyle>
     <a:defPPr>
@@ -294,7 +301,7 @@
               <a:pPr>
                 <a:defRPr/>
               </a:pPr>
-              <a:t>2019-06-24</a:t>
+              <a:t>2019/6/25</a:t>
             </a:fld>
             <a:endParaRPr lang="zh-CN" altLang="en-US"/>
           </a:p>
@@ -1008,6 +1015,602 @@
 </p:notes>
 </file>
 
+<file path=ppt/notesSlides/notesSlide10.xml><?xml version="1.0" encoding="utf-8"?>
+<p:notes xmlns:a="http://schemas.openxmlformats.org/drawingml/2006/main" xmlns:r="http://schemas.openxmlformats.org/officeDocument/2006/relationships" xmlns:p="http://schemas.openxmlformats.org/presentationml/2006/main">
+  <p:cSld>
+    <p:spTree>
+      <p:nvGrpSpPr>
+        <p:cNvPr id="1" name=""/>
+        <p:cNvGrpSpPr/>
+        <p:nvPr/>
+      </p:nvGrpSpPr>
+      <p:grpSpPr>
+        <a:xfrm>
+          <a:off x="0" y="0"/>
+          <a:ext cx="0" cy="0"/>
+          <a:chOff x="0" y="0"/>
+          <a:chExt cx="0" cy="0"/>
+        </a:xfrm>
+      </p:grpSpPr>
+      <p:sp>
+        <p:nvSpPr>
+          <p:cNvPr id="2" name="幻灯片图像占位符 1"/>
+          <p:cNvSpPr>
+            <a:spLocks noGrp="1" noRot="1" noChangeAspect="1"/>
+          </p:cNvSpPr>
+          <p:nvPr>
+            <p:ph type="sldImg"/>
+          </p:nvPr>
+        </p:nvSpPr>
+        <p:spPr>
+          <a:xfrm>
+            <a:off x="1371600" y="1143000"/>
+            <a:ext cx="4114800" cy="3086100"/>
+          </a:xfrm>
+        </p:spPr>
+      </p:sp>
+      <p:sp>
+        <p:nvSpPr>
+          <p:cNvPr id="3" name="备注占位符 2"/>
+          <p:cNvSpPr>
+            <a:spLocks noGrp="1"/>
+          </p:cNvSpPr>
+          <p:nvPr>
+            <p:ph type="body" idx="1"/>
+          </p:nvPr>
+        </p:nvSpPr>
+        <p:spPr/>
+        <p:txBody>
+          <a:bodyPr/>
+          <a:lstStyle/>
+          <a:p>
+            <a:endParaRPr lang="zh-CN" altLang="en-US" dirty="0"/>
+          </a:p>
+        </p:txBody>
+      </p:sp>
+      <p:sp>
+        <p:nvSpPr>
+          <p:cNvPr id="4" name="灯片编号占位符 3"/>
+          <p:cNvSpPr>
+            <a:spLocks noGrp="1"/>
+          </p:cNvSpPr>
+          <p:nvPr>
+            <p:ph type="sldNum" sz="quarter" idx="10"/>
+          </p:nvPr>
+        </p:nvSpPr>
+        <p:spPr/>
+        <p:txBody>
+          <a:bodyPr/>
+          <a:lstStyle/>
+          <a:p>
+            <a:pPr marL="0" marR="0" lvl="0" indent="0" algn="r" defTabSz="457200" rtl="0" eaLnBrk="1" fontAlgn="auto" latinLnBrk="0" hangingPunct="1">
+              <a:lnSpc>
+                <a:spcPct val="100000"/>
+              </a:lnSpc>
+              <a:spcBef>
+                <a:spcPts val="0"/>
+              </a:spcBef>
+              <a:spcAft>
+                <a:spcPts val="0"/>
+              </a:spcAft>
+              <a:buClrTx/>
+              <a:buSzTx/>
+              <a:buFontTx/>
+              <a:buNone/>
+              <a:tabLst/>
+              <a:defRPr/>
+            </a:pPr>
+            <a:fld id="{F225904B-22F1-7A41-B1F5-59442A5480D4}" type="slidenum">
+              <a:rPr kumimoji="1" lang="zh-CN" altLang="en-US" sz="1200" b="0" i="0" u="none" strike="noStrike" kern="1200" cap="none" spc="0" normalizeH="0" baseline="0" noProof="0" smtClean="0">
+                <a:ln>
+                  <a:noFill/>
+                </a:ln>
+                <a:solidFill>
+                  <a:prstClr val="black"/>
+                </a:solidFill>
+                <a:effectLst/>
+                <a:uLnTx/>
+                <a:uFillTx/>
+                <a:latin typeface="等线" panose="020F0502020204030204"/>
+                <a:ea typeface="等线" panose="02010600030101010101" pitchFamily="2" charset="-122"/>
+                <a:cs typeface="+mn-cs"/>
+              </a:rPr>
+              <a:pPr marL="0" marR="0" lvl="0" indent="0" algn="r" defTabSz="457200" rtl="0" eaLnBrk="1" fontAlgn="auto" latinLnBrk="0" hangingPunct="1">
+                <a:lnSpc>
+                  <a:spcPct val="100000"/>
+                </a:lnSpc>
+                <a:spcBef>
+                  <a:spcPts val="0"/>
+                </a:spcBef>
+                <a:spcAft>
+                  <a:spcPts val="0"/>
+                </a:spcAft>
+                <a:buClrTx/>
+                <a:buSzTx/>
+                <a:buFontTx/>
+                <a:buNone/>
+                <a:tabLst/>
+                <a:defRPr/>
+              </a:pPr>
+              <a:t>10</a:t>
+            </a:fld>
+            <a:endParaRPr kumimoji="1" lang="zh-CN" altLang="en-US" sz="1200" b="0" i="0" u="none" strike="noStrike" kern="1200" cap="none" spc="0" normalizeH="0" baseline="0" noProof="0">
+              <a:ln>
+                <a:noFill/>
+              </a:ln>
+              <a:solidFill>
+                <a:prstClr val="black"/>
+              </a:solidFill>
+              <a:effectLst/>
+              <a:uLnTx/>
+              <a:uFillTx/>
+              <a:latin typeface="等线" panose="020F0502020204030204"/>
+              <a:ea typeface="等线" panose="02010600030101010101" pitchFamily="2" charset="-122"/>
+              <a:cs typeface="+mn-cs"/>
+            </a:endParaRPr>
+          </a:p>
+        </p:txBody>
+      </p:sp>
+    </p:spTree>
+    <p:extLst>
+      <p:ext uri="{BB962C8B-B14F-4D97-AF65-F5344CB8AC3E}">
+        <p14:creationId xmlns:p14="http://schemas.microsoft.com/office/powerpoint/2010/main" val="3351114302"/>
+      </p:ext>
+    </p:extLst>
+  </p:cSld>
+  <p:clrMapOvr>
+    <a:masterClrMapping/>
+  </p:clrMapOvr>
+</p:notes>
+</file>
+
+<file path=ppt/notesSlides/notesSlide11.xml><?xml version="1.0" encoding="utf-8"?>
+<p:notes xmlns:a="http://schemas.openxmlformats.org/drawingml/2006/main" xmlns:r="http://schemas.openxmlformats.org/officeDocument/2006/relationships" xmlns:p="http://schemas.openxmlformats.org/presentationml/2006/main">
+  <p:cSld>
+    <p:spTree>
+      <p:nvGrpSpPr>
+        <p:cNvPr id="1" name=""/>
+        <p:cNvGrpSpPr/>
+        <p:nvPr/>
+      </p:nvGrpSpPr>
+      <p:grpSpPr>
+        <a:xfrm>
+          <a:off x="0" y="0"/>
+          <a:ext cx="0" cy="0"/>
+          <a:chOff x="0" y="0"/>
+          <a:chExt cx="0" cy="0"/>
+        </a:xfrm>
+      </p:grpSpPr>
+      <p:sp>
+        <p:nvSpPr>
+          <p:cNvPr id="2" name="幻灯片图像占位符 1"/>
+          <p:cNvSpPr>
+            <a:spLocks noGrp="1" noRot="1" noChangeAspect="1"/>
+          </p:cNvSpPr>
+          <p:nvPr>
+            <p:ph type="sldImg"/>
+          </p:nvPr>
+        </p:nvSpPr>
+        <p:spPr>
+          <a:xfrm>
+            <a:off x="1371600" y="1143000"/>
+            <a:ext cx="4114800" cy="3086100"/>
+          </a:xfrm>
+        </p:spPr>
+      </p:sp>
+      <p:sp>
+        <p:nvSpPr>
+          <p:cNvPr id="3" name="备注占位符 2"/>
+          <p:cNvSpPr>
+            <a:spLocks noGrp="1"/>
+          </p:cNvSpPr>
+          <p:nvPr>
+            <p:ph type="body" idx="1"/>
+          </p:nvPr>
+        </p:nvSpPr>
+        <p:spPr/>
+        <p:txBody>
+          <a:bodyPr/>
+          <a:lstStyle/>
+          <a:p>
+            <a:endParaRPr lang="zh-CN" altLang="en-US" dirty="0"/>
+          </a:p>
+        </p:txBody>
+      </p:sp>
+      <p:sp>
+        <p:nvSpPr>
+          <p:cNvPr id="4" name="灯片编号占位符 3"/>
+          <p:cNvSpPr>
+            <a:spLocks noGrp="1"/>
+          </p:cNvSpPr>
+          <p:nvPr>
+            <p:ph type="sldNum" sz="quarter" idx="10"/>
+          </p:nvPr>
+        </p:nvSpPr>
+        <p:spPr/>
+        <p:txBody>
+          <a:bodyPr/>
+          <a:lstStyle/>
+          <a:p>
+            <a:pPr marL="0" marR="0" lvl="0" indent="0" algn="r" defTabSz="457200" rtl="0" eaLnBrk="1" fontAlgn="auto" latinLnBrk="0" hangingPunct="1">
+              <a:lnSpc>
+                <a:spcPct val="100000"/>
+              </a:lnSpc>
+              <a:spcBef>
+                <a:spcPts val="0"/>
+              </a:spcBef>
+              <a:spcAft>
+                <a:spcPts val="0"/>
+              </a:spcAft>
+              <a:buClrTx/>
+              <a:buSzTx/>
+              <a:buFontTx/>
+              <a:buNone/>
+              <a:tabLst/>
+              <a:defRPr/>
+            </a:pPr>
+            <a:fld id="{F225904B-22F1-7A41-B1F5-59442A5480D4}" type="slidenum">
+              <a:rPr kumimoji="1" lang="zh-CN" altLang="en-US" sz="1200" b="0" i="0" u="none" strike="noStrike" kern="1200" cap="none" spc="0" normalizeH="0" baseline="0" noProof="0" smtClean="0">
+                <a:ln>
+                  <a:noFill/>
+                </a:ln>
+                <a:solidFill>
+                  <a:prstClr val="black"/>
+                </a:solidFill>
+                <a:effectLst/>
+                <a:uLnTx/>
+                <a:uFillTx/>
+                <a:latin typeface="等线" panose="020F0502020204030204"/>
+                <a:ea typeface="等线" panose="02010600030101010101" pitchFamily="2" charset="-122"/>
+                <a:cs typeface="+mn-cs"/>
+              </a:rPr>
+              <a:pPr marL="0" marR="0" lvl="0" indent="0" algn="r" defTabSz="457200" rtl="0" eaLnBrk="1" fontAlgn="auto" latinLnBrk="0" hangingPunct="1">
+                <a:lnSpc>
+                  <a:spcPct val="100000"/>
+                </a:lnSpc>
+                <a:spcBef>
+                  <a:spcPts val="0"/>
+                </a:spcBef>
+                <a:spcAft>
+                  <a:spcPts val="0"/>
+                </a:spcAft>
+                <a:buClrTx/>
+                <a:buSzTx/>
+                <a:buFontTx/>
+                <a:buNone/>
+                <a:tabLst/>
+                <a:defRPr/>
+              </a:pPr>
+              <a:t>11</a:t>
+            </a:fld>
+            <a:endParaRPr kumimoji="1" lang="zh-CN" altLang="en-US" sz="1200" b="0" i="0" u="none" strike="noStrike" kern="1200" cap="none" spc="0" normalizeH="0" baseline="0" noProof="0">
+              <a:ln>
+                <a:noFill/>
+              </a:ln>
+              <a:solidFill>
+                <a:prstClr val="black"/>
+              </a:solidFill>
+              <a:effectLst/>
+              <a:uLnTx/>
+              <a:uFillTx/>
+              <a:latin typeface="等线" panose="020F0502020204030204"/>
+              <a:ea typeface="等线" panose="02010600030101010101" pitchFamily="2" charset="-122"/>
+              <a:cs typeface="+mn-cs"/>
+            </a:endParaRPr>
+          </a:p>
+        </p:txBody>
+      </p:sp>
+    </p:spTree>
+    <p:extLst>
+      <p:ext uri="{BB962C8B-B14F-4D97-AF65-F5344CB8AC3E}">
+        <p14:creationId xmlns:p14="http://schemas.microsoft.com/office/powerpoint/2010/main" val="916335662"/>
+      </p:ext>
+    </p:extLst>
+  </p:cSld>
+  <p:clrMapOvr>
+    <a:masterClrMapping/>
+  </p:clrMapOvr>
+</p:notes>
+</file>
+
+<file path=ppt/notesSlides/notesSlide12.xml><?xml version="1.0" encoding="utf-8"?>
+<p:notes xmlns:a="http://schemas.openxmlformats.org/drawingml/2006/main" xmlns:r="http://schemas.openxmlformats.org/officeDocument/2006/relationships" xmlns:p="http://schemas.openxmlformats.org/presentationml/2006/main">
+  <p:cSld>
+    <p:spTree>
+      <p:nvGrpSpPr>
+        <p:cNvPr id="1" name=""/>
+        <p:cNvGrpSpPr/>
+        <p:nvPr/>
+      </p:nvGrpSpPr>
+      <p:grpSpPr>
+        <a:xfrm>
+          <a:off x="0" y="0"/>
+          <a:ext cx="0" cy="0"/>
+          <a:chOff x="0" y="0"/>
+          <a:chExt cx="0" cy="0"/>
+        </a:xfrm>
+      </p:grpSpPr>
+      <p:sp>
+        <p:nvSpPr>
+          <p:cNvPr id="2" name="幻灯片图像占位符 1"/>
+          <p:cNvSpPr>
+            <a:spLocks noGrp="1" noRot="1" noChangeAspect="1"/>
+          </p:cNvSpPr>
+          <p:nvPr>
+            <p:ph type="sldImg"/>
+          </p:nvPr>
+        </p:nvSpPr>
+        <p:spPr>
+          <a:xfrm>
+            <a:off x="1371600" y="1143000"/>
+            <a:ext cx="4114800" cy="3086100"/>
+          </a:xfrm>
+        </p:spPr>
+      </p:sp>
+      <p:sp>
+        <p:nvSpPr>
+          <p:cNvPr id="3" name="备注占位符 2"/>
+          <p:cNvSpPr>
+            <a:spLocks noGrp="1"/>
+          </p:cNvSpPr>
+          <p:nvPr>
+            <p:ph type="body" idx="1"/>
+          </p:nvPr>
+        </p:nvSpPr>
+        <p:spPr/>
+        <p:txBody>
+          <a:bodyPr/>
+          <a:lstStyle/>
+          <a:p>
+            <a:endParaRPr lang="zh-CN" altLang="en-US" dirty="0"/>
+          </a:p>
+        </p:txBody>
+      </p:sp>
+      <p:sp>
+        <p:nvSpPr>
+          <p:cNvPr id="4" name="灯片编号占位符 3"/>
+          <p:cNvSpPr>
+            <a:spLocks noGrp="1"/>
+          </p:cNvSpPr>
+          <p:nvPr>
+            <p:ph type="sldNum" sz="quarter" idx="10"/>
+          </p:nvPr>
+        </p:nvSpPr>
+        <p:spPr/>
+        <p:txBody>
+          <a:bodyPr/>
+          <a:lstStyle/>
+          <a:p>
+            <a:pPr marL="0" marR="0" lvl="0" indent="0" algn="r" defTabSz="457200" rtl="0" eaLnBrk="1" fontAlgn="auto" latinLnBrk="0" hangingPunct="1">
+              <a:lnSpc>
+                <a:spcPct val="100000"/>
+              </a:lnSpc>
+              <a:spcBef>
+                <a:spcPts val="0"/>
+              </a:spcBef>
+              <a:spcAft>
+                <a:spcPts val="0"/>
+              </a:spcAft>
+              <a:buClrTx/>
+              <a:buSzTx/>
+              <a:buFontTx/>
+              <a:buNone/>
+              <a:tabLst/>
+              <a:defRPr/>
+            </a:pPr>
+            <a:fld id="{F225904B-22F1-7A41-B1F5-59442A5480D4}" type="slidenum">
+              <a:rPr kumimoji="1" lang="zh-CN" altLang="en-US" sz="1200" b="0" i="0" u="none" strike="noStrike" kern="1200" cap="none" spc="0" normalizeH="0" baseline="0" noProof="0" smtClean="0">
+                <a:ln>
+                  <a:noFill/>
+                </a:ln>
+                <a:solidFill>
+                  <a:prstClr val="black"/>
+                </a:solidFill>
+                <a:effectLst/>
+                <a:uLnTx/>
+                <a:uFillTx/>
+                <a:latin typeface="等线" panose="020F0502020204030204"/>
+                <a:ea typeface="等线" panose="02010600030101010101" pitchFamily="2" charset="-122"/>
+                <a:cs typeface="+mn-cs"/>
+              </a:rPr>
+              <a:pPr marL="0" marR="0" lvl="0" indent="0" algn="r" defTabSz="457200" rtl="0" eaLnBrk="1" fontAlgn="auto" latinLnBrk="0" hangingPunct="1">
+                <a:lnSpc>
+                  <a:spcPct val="100000"/>
+                </a:lnSpc>
+                <a:spcBef>
+                  <a:spcPts val="0"/>
+                </a:spcBef>
+                <a:spcAft>
+                  <a:spcPts val="0"/>
+                </a:spcAft>
+                <a:buClrTx/>
+                <a:buSzTx/>
+                <a:buFontTx/>
+                <a:buNone/>
+                <a:tabLst/>
+                <a:defRPr/>
+              </a:pPr>
+              <a:t>12</a:t>
+            </a:fld>
+            <a:endParaRPr kumimoji="1" lang="zh-CN" altLang="en-US" sz="1200" b="0" i="0" u="none" strike="noStrike" kern="1200" cap="none" spc="0" normalizeH="0" baseline="0" noProof="0">
+              <a:ln>
+                <a:noFill/>
+              </a:ln>
+              <a:solidFill>
+                <a:prstClr val="black"/>
+              </a:solidFill>
+              <a:effectLst/>
+              <a:uLnTx/>
+              <a:uFillTx/>
+              <a:latin typeface="等线" panose="020F0502020204030204"/>
+              <a:ea typeface="等线" panose="02010600030101010101" pitchFamily="2" charset="-122"/>
+              <a:cs typeface="+mn-cs"/>
+            </a:endParaRPr>
+          </a:p>
+        </p:txBody>
+      </p:sp>
+    </p:spTree>
+    <p:extLst>
+      <p:ext uri="{BB962C8B-B14F-4D97-AF65-F5344CB8AC3E}">
+        <p14:creationId xmlns:p14="http://schemas.microsoft.com/office/powerpoint/2010/main" val="2600958363"/>
+      </p:ext>
+    </p:extLst>
+  </p:cSld>
+  <p:clrMapOvr>
+    <a:masterClrMapping/>
+  </p:clrMapOvr>
+</p:notes>
+</file>
+
+<file path=ppt/notesSlides/notesSlide13.xml><?xml version="1.0" encoding="utf-8"?>
+<p:notes xmlns:a="http://schemas.openxmlformats.org/drawingml/2006/main" xmlns:r="http://schemas.openxmlformats.org/officeDocument/2006/relationships" xmlns:p="http://schemas.openxmlformats.org/presentationml/2006/main">
+  <p:cSld>
+    <p:spTree>
+      <p:nvGrpSpPr>
+        <p:cNvPr id="1" name=""/>
+        <p:cNvGrpSpPr/>
+        <p:nvPr/>
+      </p:nvGrpSpPr>
+      <p:grpSpPr>
+        <a:xfrm>
+          <a:off x="0" y="0"/>
+          <a:ext cx="0" cy="0"/>
+          <a:chOff x="0" y="0"/>
+          <a:chExt cx="0" cy="0"/>
+        </a:xfrm>
+      </p:grpSpPr>
+      <p:sp>
+        <p:nvSpPr>
+          <p:cNvPr id="2" name="幻灯片图像占位符 1"/>
+          <p:cNvSpPr>
+            <a:spLocks noGrp="1" noRot="1" noChangeAspect="1"/>
+          </p:cNvSpPr>
+          <p:nvPr>
+            <p:ph type="sldImg"/>
+          </p:nvPr>
+        </p:nvSpPr>
+        <p:spPr>
+          <a:xfrm>
+            <a:off x="1371600" y="1143000"/>
+            <a:ext cx="4114800" cy="3086100"/>
+          </a:xfrm>
+        </p:spPr>
+      </p:sp>
+      <p:sp>
+        <p:nvSpPr>
+          <p:cNvPr id="3" name="备注占位符 2"/>
+          <p:cNvSpPr>
+            <a:spLocks noGrp="1"/>
+          </p:cNvSpPr>
+          <p:nvPr>
+            <p:ph type="body" idx="1"/>
+          </p:nvPr>
+        </p:nvSpPr>
+        <p:spPr/>
+        <p:txBody>
+          <a:bodyPr/>
+          <a:lstStyle/>
+          <a:p>
+            <a:endParaRPr lang="zh-CN" altLang="en-US" dirty="0"/>
+          </a:p>
+        </p:txBody>
+      </p:sp>
+      <p:sp>
+        <p:nvSpPr>
+          <p:cNvPr id="4" name="灯片编号占位符 3"/>
+          <p:cNvSpPr>
+            <a:spLocks noGrp="1"/>
+          </p:cNvSpPr>
+          <p:nvPr>
+            <p:ph type="sldNum" sz="quarter" idx="10"/>
+          </p:nvPr>
+        </p:nvSpPr>
+        <p:spPr/>
+        <p:txBody>
+          <a:bodyPr/>
+          <a:lstStyle/>
+          <a:p>
+            <a:pPr marL="0" marR="0" lvl="0" indent="0" algn="r" defTabSz="457200" rtl="0" eaLnBrk="1" fontAlgn="auto" latinLnBrk="0" hangingPunct="1">
+              <a:lnSpc>
+                <a:spcPct val="100000"/>
+              </a:lnSpc>
+              <a:spcBef>
+                <a:spcPts val="0"/>
+              </a:spcBef>
+              <a:spcAft>
+                <a:spcPts val="0"/>
+              </a:spcAft>
+              <a:buClrTx/>
+              <a:buSzTx/>
+              <a:buFontTx/>
+              <a:buNone/>
+              <a:tabLst/>
+              <a:defRPr/>
+            </a:pPr>
+            <a:fld id="{F225904B-22F1-7A41-B1F5-59442A5480D4}" type="slidenum">
+              <a:rPr kumimoji="1" lang="zh-CN" altLang="en-US" sz="1200" b="0" i="0" u="none" strike="noStrike" kern="1200" cap="none" spc="0" normalizeH="0" baseline="0" noProof="0" smtClean="0">
+                <a:ln>
+                  <a:noFill/>
+                </a:ln>
+                <a:solidFill>
+                  <a:prstClr val="black"/>
+                </a:solidFill>
+                <a:effectLst/>
+                <a:uLnTx/>
+                <a:uFillTx/>
+                <a:latin typeface="等线" panose="020F0502020204030204"/>
+                <a:ea typeface="等线" panose="02010600030101010101" pitchFamily="2" charset="-122"/>
+                <a:cs typeface="+mn-cs"/>
+              </a:rPr>
+              <a:pPr marL="0" marR="0" lvl="0" indent="0" algn="r" defTabSz="457200" rtl="0" eaLnBrk="1" fontAlgn="auto" latinLnBrk="0" hangingPunct="1">
+                <a:lnSpc>
+                  <a:spcPct val="100000"/>
+                </a:lnSpc>
+                <a:spcBef>
+                  <a:spcPts val="0"/>
+                </a:spcBef>
+                <a:spcAft>
+                  <a:spcPts val="0"/>
+                </a:spcAft>
+                <a:buClrTx/>
+                <a:buSzTx/>
+                <a:buFontTx/>
+                <a:buNone/>
+                <a:tabLst/>
+                <a:defRPr/>
+              </a:pPr>
+              <a:t>13</a:t>
+            </a:fld>
+            <a:endParaRPr kumimoji="1" lang="zh-CN" altLang="en-US" sz="1200" b="0" i="0" u="none" strike="noStrike" kern="1200" cap="none" spc="0" normalizeH="0" baseline="0" noProof="0">
+              <a:ln>
+                <a:noFill/>
+              </a:ln>
+              <a:solidFill>
+                <a:prstClr val="black"/>
+              </a:solidFill>
+              <a:effectLst/>
+              <a:uLnTx/>
+              <a:uFillTx/>
+              <a:latin typeface="等线" panose="020F0502020204030204"/>
+              <a:ea typeface="等线" panose="02010600030101010101" pitchFamily="2" charset="-122"/>
+              <a:cs typeface="+mn-cs"/>
+            </a:endParaRPr>
+          </a:p>
+        </p:txBody>
+      </p:sp>
+    </p:spTree>
+    <p:extLst>
+      <p:ext uri="{BB962C8B-B14F-4D97-AF65-F5344CB8AC3E}">
+        <p14:creationId xmlns:p14="http://schemas.microsoft.com/office/powerpoint/2010/main" val="1972582421"/>
+      </p:ext>
+    </p:extLst>
+  </p:cSld>
+  <p:clrMapOvr>
+    <a:masterClrMapping/>
+  </p:clrMapOvr>
+</p:notes>
+</file>
+
 <file path=ppt/notesSlides/notesSlide2.xml><?xml version="1.0" encoding="utf-8"?>
 <p:notes xmlns:a="http://schemas.openxmlformats.org/drawingml/2006/main" xmlns:r="http://schemas.openxmlformats.org/officeDocument/2006/relationships" xmlns:p="http://schemas.openxmlformats.org/presentationml/2006/main" showMasterSp="0">
   <p:cSld>
@@ -1847,7 +2450,305 @@
     </p:spTree>
     <p:extLst>
       <p:ext uri="{BB962C8B-B14F-4D97-AF65-F5344CB8AC3E}">
-        <p14:creationId xmlns:p14="http://schemas.microsoft.com/office/powerpoint/2010/main" val="1972582421"/>
+        <p14:creationId xmlns:p14="http://schemas.microsoft.com/office/powerpoint/2010/main" val="1924451418"/>
+      </p:ext>
+    </p:extLst>
+  </p:cSld>
+  <p:clrMapOvr>
+    <a:masterClrMapping/>
+  </p:clrMapOvr>
+</p:notes>
+</file>
+
+<file path=ppt/notesSlides/notesSlide8.xml><?xml version="1.0" encoding="utf-8"?>
+<p:notes xmlns:a="http://schemas.openxmlformats.org/drawingml/2006/main" xmlns:r="http://schemas.openxmlformats.org/officeDocument/2006/relationships" xmlns:p="http://schemas.openxmlformats.org/presentationml/2006/main">
+  <p:cSld>
+    <p:spTree>
+      <p:nvGrpSpPr>
+        <p:cNvPr id="1" name=""/>
+        <p:cNvGrpSpPr/>
+        <p:nvPr/>
+      </p:nvGrpSpPr>
+      <p:grpSpPr>
+        <a:xfrm>
+          <a:off x="0" y="0"/>
+          <a:ext cx="0" cy="0"/>
+          <a:chOff x="0" y="0"/>
+          <a:chExt cx="0" cy="0"/>
+        </a:xfrm>
+      </p:grpSpPr>
+      <p:sp>
+        <p:nvSpPr>
+          <p:cNvPr id="2" name="幻灯片图像占位符 1"/>
+          <p:cNvSpPr>
+            <a:spLocks noGrp="1" noRot="1" noChangeAspect="1"/>
+          </p:cNvSpPr>
+          <p:nvPr>
+            <p:ph type="sldImg"/>
+          </p:nvPr>
+        </p:nvSpPr>
+        <p:spPr>
+          <a:xfrm>
+            <a:off x="1371600" y="1143000"/>
+            <a:ext cx="4114800" cy="3086100"/>
+          </a:xfrm>
+        </p:spPr>
+      </p:sp>
+      <p:sp>
+        <p:nvSpPr>
+          <p:cNvPr id="3" name="备注占位符 2"/>
+          <p:cNvSpPr>
+            <a:spLocks noGrp="1"/>
+          </p:cNvSpPr>
+          <p:nvPr>
+            <p:ph type="body" idx="1"/>
+          </p:nvPr>
+        </p:nvSpPr>
+        <p:spPr/>
+        <p:txBody>
+          <a:bodyPr/>
+          <a:lstStyle/>
+          <a:p>
+            <a:endParaRPr lang="zh-CN" altLang="en-US" dirty="0"/>
+          </a:p>
+        </p:txBody>
+      </p:sp>
+      <p:sp>
+        <p:nvSpPr>
+          <p:cNvPr id="4" name="灯片编号占位符 3"/>
+          <p:cNvSpPr>
+            <a:spLocks noGrp="1"/>
+          </p:cNvSpPr>
+          <p:nvPr>
+            <p:ph type="sldNum" sz="quarter" idx="10"/>
+          </p:nvPr>
+        </p:nvSpPr>
+        <p:spPr/>
+        <p:txBody>
+          <a:bodyPr/>
+          <a:lstStyle/>
+          <a:p>
+            <a:pPr marL="0" marR="0" lvl="0" indent="0" algn="r" defTabSz="457200" rtl="0" eaLnBrk="1" fontAlgn="auto" latinLnBrk="0" hangingPunct="1">
+              <a:lnSpc>
+                <a:spcPct val="100000"/>
+              </a:lnSpc>
+              <a:spcBef>
+                <a:spcPts val="0"/>
+              </a:spcBef>
+              <a:spcAft>
+                <a:spcPts val="0"/>
+              </a:spcAft>
+              <a:buClrTx/>
+              <a:buSzTx/>
+              <a:buFontTx/>
+              <a:buNone/>
+              <a:tabLst/>
+              <a:defRPr/>
+            </a:pPr>
+            <a:fld id="{F225904B-22F1-7A41-B1F5-59442A5480D4}" type="slidenum">
+              <a:rPr kumimoji="1" lang="zh-CN" altLang="en-US" sz="1200" b="0" i="0" u="none" strike="noStrike" kern="1200" cap="none" spc="0" normalizeH="0" baseline="0" noProof="0" smtClean="0">
+                <a:ln>
+                  <a:noFill/>
+                </a:ln>
+                <a:solidFill>
+                  <a:prstClr val="black"/>
+                </a:solidFill>
+                <a:effectLst/>
+                <a:uLnTx/>
+                <a:uFillTx/>
+                <a:latin typeface="等线" panose="020F0502020204030204"/>
+                <a:ea typeface="等线" panose="02010600030101010101" pitchFamily="2" charset="-122"/>
+                <a:cs typeface="+mn-cs"/>
+              </a:rPr>
+              <a:pPr marL="0" marR="0" lvl="0" indent="0" algn="r" defTabSz="457200" rtl="0" eaLnBrk="1" fontAlgn="auto" latinLnBrk="0" hangingPunct="1">
+                <a:lnSpc>
+                  <a:spcPct val="100000"/>
+                </a:lnSpc>
+                <a:spcBef>
+                  <a:spcPts val="0"/>
+                </a:spcBef>
+                <a:spcAft>
+                  <a:spcPts val="0"/>
+                </a:spcAft>
+                <a:buClrTx/>
+                <a:buSzTx/>
+                <a:buFontTx/>
+                <a:buNone/>
+                <a:tabLst/>
+                <a:defRPr/>
+              </a:pPr>
+              <a:t>8</a:t>
+            </a:fld>
+            <a:endParaRPr kumimoji="1" lang="zh-CN" altLang="en-US" sz="1200" b="0" i="0" u="none" strike="noStrike" kern="1200" cap="none" spc="0" normalizeH="0" baseline="0" noProof="0">
+              <a:ln>
+                <a:noFill/>
+              </a:ln>
+              <a:solidFill>
+                <a:prstClr val="black"/>
+              </a:solidFill>
+              <a:effectLst/>
+              <a:uLnTx/>
+              <a:uFillTx/>
+              <a:latin typeface="等线" panose="020F0502020204030204"/>
+              <a:ea typeface="等线" panose="02010600030101010101" pitchFamily="2" charset="-122"/>
+              <a:cs typeface="+mn-cs"/>
+            </a:endParaRPr>
+          </a:p>
+        </p:txBody>
+      </p:sp>
+    </p:spTree>
+    <p:extLst>
+      <p:ext uri="{BB962C8B-B14F-4D97-AF65-F5344CB8AC3E}">
+        <p14:creationId xmlns:p14="http://schemas.microsoft.com/office/powerpoint/2010/main" val="2350696811"/>
+      </p:ext>
+    </p:extLst>
+  </p:cSld>
+  <p:clrMapOvr>
+    <a:masterClrMapping/>
+  </p:clrMapOvr>
+</p:notes>
+</file>
+
+<file path=ppt/notesSlides/notesSlide9.xml><?xml version="1.0" encoding="utf-8"?>
+<p:notes xmlns:a="http://schemas.openxmlformats.org/drawingml/2006/main" xmlns:r="http://schemas.openxmlformats.org/officeDocument/2006/relationships" xmlns:p="http://schemas.openxmlformats.org/presentationml/2006/main">
+  <p:cSld>
+    <p:spTree>
+      <p:nvGrpSpPr>
+        <p:cNvPr id="1" name=""/>
+        <p:cNvGrpSpPr/>
+        <p:nvPr/>
+      </p:nvGrpSpPr>
+      <p:grpSpPr>
+        <a:xfrm>
+          <a:off x="0" y="0"/>
+          <a:ext cx="0" cy="0"/>
+          <a:chOff x="0" y="0"/>
+          <a:chExt cx="0" cy="0"/>
+        </a:xfrm>
+      </p:grpSpPr>
+      <p:sp>
+        <p:nvSpPr>
+          <p:cNvPr id="2" name="幻灯片图像占位符 1"/>
+          <p:cNvSpPr>
+            <a:spLocks noGrp="1" noRot="1" noChangeAspect="1"/>
+          </p:cNvSpPr>
+          <p:nvPr>
+            <p:ph type="sldImg"/>
+          </p:nvPr>
+        </p:nvSpPr>
+        <p:spPr>
+          <a:xfrm>
+            <a:off x="1371600" y="1143000"/>
+            <a:ext cx="4114800" cy="3086100"/>
+          </a:xfrm>
+        </p:spPr>
+      </p:sp>
+      <p:sp>
+        <p:nvSpPr>
+          <p:cNvPr id="3" name="备注占位符 2"/>
+          <p:cNvSpPr>
+            <a:spLocks noGrp="1"/>
+          </p:cNvSpPr>
+          <p:nvPr>
+            <p:ph type="body" idx="1"/>
+          </p:nvPr>
+        </p:nvSpPr>
+        <p:spPr/>
+        <p:txBody>
+          <a:bodyPr/>
+          <a:lstStyle/>
+          <a:p>
+            <a:endParaRPr lang="zh-CN" altLang="en-US" dirty="0"/>
+          </a:p>
+        </p:txBody>
+      </p:sp>
+      <p:sp>
+        <p:nvSpPr>
+          <p:cNvPr id="4" name="灯片编号占位符 3"/>
+          <p:cNvSpPr>
+            <a:spLocks noGrp="1"/>
+          </p:cNvSpPr>
+          <p:nvPr>
+            <p:ph type="sldNum" sz="quarter" idx="10"/>
+          </p:nvPr>
+        </p:nvSpPr>
+        <p:spPr/>
+        <p:txBody>
+          <a:bodyPr/>
+          <a:lstStyle/>
+          <a:p>
+            <a:pPr marL="0" marR="0" lvl="0" indent="0" algn="r" defTabSz="457200" rtl="0" eaLnBrk="1" fontAlgn="auto" latinLnBrk="0" hangingPunct="1">
+              <a:lnSpc>
+                <a:spcPct val="100000"/>
+              </a:lnSpc>
+              <a:spcBef>
+                <a:spcPts val="0"/>
+              </a:spcBef>
+              <a:spcAft>
+                <a:spcPts val="0"/>
+              </a:spcAft>
+              <a:buClrTx/>
+              <a:buSzTx/>
+              <a:buFontTx/>
+              <a:buNone/>
+              <a:tabLst/>
+              <a:defRPr/>
+            </a:pPr>
+            <a:fld id="{F225904B-22F1-7A41-B1F5-59442A5480D4}" type="slidenum">
+              <a:rPr kumimoji="1" lang="zh-CN" altLang="en-US" sz="1200" b="0" i="0" u="none" strike="noStrike" kern="1200" cap="none" spc="0" normalizeH="0" baseline="0" noProof="0" smtClean="0">
+                <a:ln>
+                  <a:noFill/>
+                </a:ln>
+                <a:solidFill>
+                  <a:prstClr val="black"/>
+                </a:solidFill>
+                <a:effectLst/>
+                <a:uLnTx/>
+                <a:uFillTx/>
+                <a:latin typeface="等线" panose="020F0502020204030204"/>
+                <a:ea typeface="等线" panose="02010600030101010101" pitchFamily="2" charset="-122"/>
+                <a:cs typeface="+mn-cs"/>
+              </a:rPr>
+              <a:pPr marL="0" marR="0" lvl="0" indent="0" algn="r" defTabSz="457200" rtl="0" eaLnBrk="1" fontAlgn="auto" latinLnBrk="0" hangingPunct="1">
+                <a:lnSpc>
+                  <a:spcPct val="100000"/>
+                </a:lnSpc>
+                <a:spcBef>
+                  <a:spcPts val="0"/>
+                </a:spcBef>
+                <a:spcAft>
+                  <a:spcPts val="0"/>
+                </a:spcAft>
+                <a:buClrTx/>
+                <a:buSzTx/>
+                <a:buFontTx/>
+                <a:buNone/>
+                <a:tabLst/>
+                <a:defRPr/>
+              </a:pPr>
+              <a:t>9</a:t>
+            </a:fld>
+            <a:endParaRPr kumimoji="1" lang="zh-CN" altLang="en-US" sz="1200" b="0" i="0" u="none" strike="noStrike" kern="1200" cap="none" spc="0" normalizeH="0" baseline="0" noProof="0">
+              <a:ln>
+                <a:noFill/>
+              </a:ln>
+              <a:solidFill>
+                <a:prstClr val="black"/>
+              </a:solidFill>
+              <a:effectLst/>
+              <a:uLnTx/>
+              <a:uFillTx/>
+              <a:latin typeface="等线" panose="020F0502020204030204"/>
+              <a:ea typeface="等线" panose="02010600030101010101" pitchFamily="2" charset="-122"/>
+              <a:cs typeface="+mn-cs"/>
+            </a:endParaRPr>
+          </a:p>
+        </p:txBody>
+      </p:sp>
+    </p:spTree>
+    <p:extLst>
+      <p:ext uri="{BB962C8B-B14F-4D97-AF65-F5344CB8AC3E}">
+        <p14:creationId xmlns:p14="http://schemas.microsoft.com/office/powerpoint/2010/main" val="2555718738"/>
       </p:ext>
     </p:extLst>
   </p:cSld>
@@ -12108,7 +13009,7 @@
           <a:graphicData uri="http://schemas.openxmlformats.org/presentationml/2006/ole">
             <mc:AlternateContent xmlns:mc="http://schemas.openxmlformats.org/markup-compatibility/2006">
               <mc:Choice xmlns:v="urn:schemas-microsoft-com:vml" Requires="v">
-                <p:oleObj spid="_x0000_s1162" r:id="rId17" imgW="4698413" imgH="5625397" progId="">
+                <p:oleObj spid="_x0000_s1330" r:id="rId17" imgW="4698413" imgH="5625397" progId="">
                   <p:embed/>
                 </p:oleObj>
               </mc:Choice>
@@ -12191,7 +13092,7 @@
           <a:graphicData uri="http://schemas.openxmlformats.org/presentationml/2006/ole">
             <mc:AlternateContent xmlns:mc="http://schemas.openxmlformats.org/markup-compatibility/2006">
               <mc:Choice xmlns:v="urn:schemas-microsoft-com:vml" Requires="v">
-                <p:oleObj spid="_x0000_s1163" r:id="rId17" imgW="5219048" imgH="1485190" progId="">
+                <p:oleObj spid="_x0000_s1331" r:id="rId17" imgW="5219048" imgH="1485190" progId="">
                   <p:embed/>
                 </p:oleObj>
               </mc:Choice>
@@ -13301,7 +14202,7 @@
           <a:graphicData uri="http://schemas.openxmlformats.org/presentationml/2006/ole">
             <mc:AlternateContent xmlns:mc="http://schemas.openxmlformats.org/markup-compatibility/2006">
               <mc:Choice xmlns:v="urn:schemas-microsoft-com:vml" Requires="v">
-                <p:oleObj spid="_x0000_s2184" r:id="rId17" imgW="4698413" imgH="5625397" progId="">
+                <p:oleObj spid="_x0000_s2352" r:id="rId17" imgW="4698413" imgH="5625397" progId="">
                   <p:embed/>
                 </p:oleObj>
               </mc:Choice>
@@ -13384,7 +14285,7 @@
           <a:graphicData uri="http://schemas.openxmlformats.org/presentationml/2006/ole">
             <mc:AlternateContent xmlns:mc="http://schemas.openxmlformats.org/markup-compatibility/2006">
               <mc:Choice xmlns:v="urn:schemas-microsoft-com:vml" Requires="v">
-                <p:oleObj spid="_x0000_s2185" r:id="rId17" imgW="5219048" imgH="1485190" progId="">
+                <p:oleObj spid="_x0000_s2353" r:id="rId17" imgW="5219048" imgH="1485190" progId="">
                   <p:embed/>
                 </p:oleObj>
               </mc:Choice>
@@ -14577,7 +15478,7 @@
                 <a:tabLst/>
                 <a:defRPr/>
               </a:pPr>
-              <a:t>2019年6月24日</a:t>
+              <a:t>2019年6月25日</a:t>
             </a:fld>
             <a:endParaRPr kumimoji="0" lang="zh-CN" altLang="en-US" sz="2000" b="0" i="0" u="none" strike="noStrike" kern="1200" cap="none" spc="0" normalizeH="0" baseline="0" noProof="0" dirty="0">
               <a:ln>
@@ -14625,7 +15526,7 @@
 </p:sld>
 </file>
 
-<file path=ppt/slides/slide2.xml><?xml version="1.0" encoding="utf-8"?>
+<file path=ppt/slides/slide10.xml><?xml version="1.0" encoding="utf-8"?>
 <p:sld xmlns:a="http://schemas.openxmlformats.org/drawingml/2006/main" xmlns:r="http://schemas.openxmlformats.org/officeDocument/2006/relationships" xmlns:p="http://schemas.openxmlformats.org/presentationml/2006/main">
   <p:cSld>
     <p:spTree>
@@ -14644,547 +15545,6 @@
       </p:grpSpPr>
       <p:sp>
         <p:nvSpPr>
-          <p:cNvPr id="27650" name="Rectangle 16"/>
-          <p:cNvSpPr>
-            <a:spLocks noChangeArrowheads="1"/>
-          </p:cNvSpPr>
-          <p:nvPr/>
-        </p:nvSpPr>
-        <p:spPr bwMode="auto">
-          <a:xfrm>
-            <a:off x="691521" y="332742"/>
-            <a:ext cx="7632700" cy="914400"/>
-          </a:xfrm>
-          <a:prstGeom prst="rect">
-            <a:avLst/>
-          </a:prstGeom>
-          <a:noFill/>
-          <a:ln>
-            <a:noFill/>
-          </a:ln>
-          <a:extLst>
-            <a:ext uri="{909E8E84-426E-40DD-AFC4-6F175D3DCCD1}">
-              <a14:hiddenFill xmlns:a14="http://schemas.microsoft.com/office/drawing/2010/main">
-                <a:solidFill>
-                  <a:srgbClr val="FFFFFF"/>
-                </a:solidFill>
-              </a14:hiddenFill>
-            </a:ext>
-            <a:ext uri="{91240B29-F687-4F45-9708-019B960494DF}">
-              <a14:hiddenLine xmlns:a14="http://schemas.microsoft.com/office/drawing/2010/main" w="9525">
-                <a:solidFill>
-                  <a:srgbClr val="000000"/>
-                </a:solidFill>
-                <a:miter lim="800000"/>
-                <a:headEnd/>
-                <a:tailEnd/>
-              </a14:hiddenLine>
-            </a:ext>
-          </a:extLst>
-        </p:spPr>
-        <p:txBody>
-          <a:bodyPr vert="horz" wrap="square" lIns="91440" tIns="45720" rIns="91440" bIns="45720" numCol="1" anchor="ctr" anchorCtr="0" compatLnSpc="1">
-            <a:prstTxWarp prst="textNoShape">
-              <a:avLst/>
-            </a:prstTxWarp>
-          </a:bodyPr>
-          <a:lstStyle/>
-          <a:p>
-            <a:pPr algn="ctr"/>
-            <a:r>
-              <a:rPr lang="zh-CN" altLang="en-US" sz="4000" b="1" dirty="0">
-                <a:solidFill>
-                  <a:srgbClr val="002060"/>
-                </a:solidFill>
-                <a:latin typeface="微软雅黑" pitchFamily="34" charset="-122"/>
-                <a:ea typeface="微软雅黑" pitchFamily="34" charset="-122"/>
-                <a:cs typeface="+mj-cs"/>
-                <a:sym typeface="微软雅黑" pitchFamily="34" charset="-122"/>
-              </a:rPr>
-              <a:t>内容提要</a:t>
-            </a:r>
-            <a:endParaRPr lang="zh-CN" altLang="en-US" sz="4000" b="1" dirty="0">
-              <a:solidFill>
-                <a:srgbClr val="002060"/>
-              </a:solidFill>
-              <a:latin typeface="微软雅黑" pitchFamily="34" charset="-122"/>
-              <a:ea typeface="微软雅黑" pitchFamily="34" charset="-122"/>
-              <a:cs typeface="+mj-cs"/>
-            </a:endParaRPr>
-          </a:p>
-        </p:txBody>
-      </p:sp>
-      <p:sp>
-        <p:nvSpPr>
-          <p:cNvPr id="4" name="内容占位符 2"/>
-          <p:cNvSpPr txBox="1">
-            <a:spLocks/>
-          </p:cNvSpPr>
-          <p:nvPr/>
-        </p:nvSpPr>
-        <p:spPr bwMode="auto">
-          <a:xfrm>
-            <a:off x="1907778" y="2060886"/>
-            <a:ext cx="6264554" cy="3684587"/>
-          </a:xfrm>
-          <a:prstGeom prst="rect">
-            <a:avLst/>
-          </a:prstGeom>
-          <a:noFill/>
-          <a:ln>
-            <a:noFill/>
-          </a:ln>
-          <a:extLst>
-            <a:ext uri="{909E8E84-426E-40DD-AFC4-6F175D3DCCD1}">
-              <a14:hiddenFill xmlns:a14="http://schemas.microsoft.com/office/drawing/2010/main">
-                <a:solidFill>
-                  <a:srgbClr val="FFFFFF"/>
-                </a:solidFill>
-              </a14:hiddenFill>
-            </a:ext>
-            <a:ext uri="{91240B29-F687-4F45-9708-019B960494DF}">
-              <a14:hiddenLine xmlns:a14="http://schemas.microsoft.com/office/drawing/2010/main" w="9525">
-                <a:solidFill>
-                  <a:srgbClr val="000000"/>
-                </a:solidFill>
-                <a:miter lim="800000"/>
-                <a:headEnd/>
-                <a:tailEnd/>
-              </a14:hiddenLine>
-            </a:ext>
-          </a:extLst>
-        </p:spPr>
-        <p:txBody>
-          <a:bodyPr/>
-          <a:lstStyle>
-            <a:lvl1pPr marL="342900" indent="-342900" algn="l" rtl="0" eaLnBrk="0" fontAlgn="base" hangingPunct="0">
-              <a:spcBef>
-                <a:spcPct val="20000"/>
-              </a:spcBef>
-              <a:spcAft>
-                <a:spcPct val="0"/>
-              </a:spcAft>
-              <a:buChar char="•"/>
-              <a:defRPr sz="3200">
-                <a:solidFill>
-                  <a:schemeClr val="tx1"/>
-                </a:solidFill>
-                <a:latin typeface="+mn-lt"/>
-                <a:ea typeface="+mn-ea"/>
-                <a:cs typeface="+mn-cs"/>
-              </a:defRPr>
-            </a:lvl1pPr>
-            <a:lvl2pPr marL="742950" indent="-285750" algn="l" rtl="0" eaLnBrk="0" fontAlgn="base" hangingPunct="0">
-              <a:spcBef>
-                <a:spcPct val="20000"/>
-              </a:spcBef>
-              <a:spcAft>
-                <a:spcPct val="0"/>
-              </a:spcAft>
-              <a:buChar char="–"/>
-              <a:defRPr sz="2800">
-                <a:solidFill>
-                  <a:schemeClr val="tx1"/>
-                </a:solidFill>
-                <a:latin typeface="+mn-lt"/>
-                <a:cs typeface="+mn-cs"/>
-              </a:defRPr>
-            </a:lvl2pPr>
-            <a:lvl3pPr marL="1143000" indent="-228600" algn="l" rtl="0" eaLnBrk="0" fontAlgn="base" hangingPunct="0">
-              <a:spcBef>
-                <a:spcPct val="20000"/>
-              </a:spcBef>
-              <a:spcAft>
-                <a:spcPct val="0"/>
-              </a:spcAft>
-              <a:buChar char="•"/>
-              <a:defRPr sz="2400">
-                <a:solidFill>
-                  <a:schemeClr val="tx1"/>
-                </a:solidFill>
-                <a:latin typeface="+mn-lt"/>
-                <a:cs typeface="+mn-cs"/>
-              </a:defRPr>
-            </a:lvl3pPr>
-            <a:lvl4pPr marL="1600200" indent="-228600" algn="l" rtl="0" eaLnBrk="0" fontAlgn="base" hangingPunct="0">
-              <a:spcBef>
-                <a:spcPct val="20000"/>
-              </a:spcBef>
-              <a:spcAft>
-                <a:spcPct val="0"/>
-              </a:spcAft>
-              <a:buChar char="–"/>
-              <a:defRPr sz="2000">
-                <a:solidFill>
-                  <a:schemeClr val="tx1"/>
-                </a:solidFill>
-                <a:latin typeface="+mn-lt"/>
-                <a:cs typeface="+mn-cs"/>
-              </a:defRPr>
-            </a:lvl4pPr>
-            <a:lvl5pPr marL="2057400" indent="-228600" algn="l" rtl="0" eaLnBrk="0" fontAlgn="base" hangingPunct="0">
-              <a:spcBef>
-                <a:spcPct val="20000"/>
-              </a:spcBef>
-              <a:spcAft>
-                <a:spcPct val="0"/>
-              </a:spcAft>
-              <a:buChar char="»"/>
-              <a:defRPr sz="2000">
-                <a:solidFill>
-                  <a:schemeClr val="tx1"/>
-                </a:solidFill>
-                <a:latin typeface="+mn-lt"/>
-                <a:cs typeface="+mn-cs"/>
-              </a:defRPr>
-            </a:lvl5pPr>
-            <a:lvl6pPr marL="2514600" indent="-228600" algn="l" rtl="0" fontAlgn="base">
-              <a:spcBef>
-                <a:spcPct val="20000"/>
-              </a:spcBef>
-              <a:spcAft>
-                <a:spcPct val="0"/>
-              </a:spcAft>
-              <a:buChar char="»"/>
-              <a:defRPr sz="2000">
-                <a:solidFill>
-                  <a:schemeClr val="tx1"/>
-                </a:solidFill>
-                <a:latin typeface="+mn-lt"/>
-                <a:cs typeface="+mn-cs"/>
-              </a:defRPr>
-            </a:lvl6pPr>
-            <a:lvl7pPr marL="2971800" indent="-228600" algn="l" rtl="0" fontAlgn="base">
-              <a:spcBef>
-                <a:spcPct val="20000"/>
-              </a:spcBef>
-              <a:spcAft>
-                <a:spcPct val="0"/>
-              </a:spcAft>
-              <a:buChar char="»"/>
-              <a:defRPr sz="2000">
-                <a:solidFill>
-                  <a:schemeClr val="tx1"/>
-                </a:solidFill>
-                <a:latin typeface="+mn-lt"/>
-                <a:cs typeface="+mn-cs"/>
-              </a:defRPr>
-            </a:lvl7pPr>
-            <a:lvl8pPr marL="3429000" indent="-228600" algn="l" rtl="0" fontAlgn="base">
-              <a:spcBef>
-                <a:spcPct val="20000"/>
-              </a:spcBef>
-              <a:spcAft>
-                <a:spcPct val="0"/>
-              </a:spcAft>
-              <a:buChar char="»"/>
-              <a:defRPr sz="2000">
-                <a:solidFill>
-                  <a:schemeClr val="tx1"/>
-                </a:solidFill>
-                <a:latin typeface="+mn-lt"/>
-                <a:cs typeface="+mn-cs"/>
-              </a:defRPr>
-            </a:lvl8pPr>
-            <a:lvl9pPr marL="3886200" indent="-228600" algn="l" rtl="0" fontAlgn="base">
-              <a:spcBef>
-                <a:spcPct val="20000"/>
-              </a:spcBef>
-              <a:spcAft>
-                <a:spcPct val="0"/>
-              </a:spcAft>
-              <a:buChar char="»"/>
-              <a:defRPr sz="2000">
-                <a:solidFill>
-                  <a:schemeClr val="tx1"/>
-                </a:solidFill>
-                <a:latin typeface="+mn-lt"/>
-                <a:cs typeface="+mn-cs"/>
-              </a:defRPr>
-            </a:lvl9pPr>
-          </a:lstStyle>
-          <a:p>
-            <a:pPr marL="742950" marR="0" lvl="0" indent="-742950" algn="l" defTabSz="914400" rtl="0" eaLnBrk="0" fontAlgn="base" latinLnBrk="0" hangingPunct="0">
-              <a:lnSpc>
-                <a:spcPct val="120000"/>
-              </a:lnSpc>
-              <a:spcBef>
-                <a:spcPct val="20000"/>
-              </a:spcBef>
-              <a:spcAft>
-                <a:spcPct val="0"/>
-              </a:spcAft>
-              <a:buClrTx/>
-              <a:buSzTx/>
-              <a:buFontTx/>
-              <a:buAutoNum type="arabicPeriod"/>
-              <a:tabLst/>
-              <a:defRPr/>
-            </a:pPr>
-            <a:r>
-              <a:rPr kumimoji="0" lang="zh-CN" altLang="en-US" sz="3200" b="0" i="0" u="none" strike="noStrike" kern="0" cap="none" spc="0" normalizeH="0" baseline="0" noProof="0" dirty="0" smtClean="0">
-                <a:ln>
-                  <a:noFill/>
-                </a:ln>
-                <a:solidFill>
-                  <a:srgbClr val="003366"/>
-                </a:solidFill>
-                <a:effectLst/>
-                <a:uLnTx/>
-                <a:uFillTx/>
-                <a:latin typeface="微软雅黑" pitchFamily="34" charset="-122"/>
-                <a:ea typeface="微软雅黑" pitchFamily="34" charset="-122"/>
-                <a:cs typeface="Arial"/>
-              </a:rPr>
-              <a:t>系统架构</a:t>
-            </a:r>
-            <a:endParaRPr kumimoji="0" lang="en-US" altLang="zh-CN" sz="3200" b="0" i="0" u="none" strike="noStrike" kern="0" cap="none" spc="0" normalizeH="0" baseline="0" noProof="0" dirty="0" smtClean="0">
-              <a:ln>
-                <a:noFill/>
-              </a:ln>
-              <a:solidFill>
-                <a:srgbClr val="003366"/>
-              </a:solidFill>
-              <a:effectLst/>
-              <a:uLnTx/>
-              <a:uFillTx/>
-              <a:latin typeface="微软雅黑" pitchFamily="34" charset="-122"/>
-              <a:ea typeface="微软雅黑" pitchFamily="34" charset="-122"/>
-              <a:cs typeface="Arial"/>
-            </a:endParaRPr>
-          </a:p>
-          <a:p>
-            <a:pPr marL="742950" marR="0" lvl="0" indent="-742950" algn="l" defTabSz="914400" rtl="0" eaLnBrk="0" fontAlgn="base" latinLnBrk="0" hangingPunct="0">
-              <a:lnSpc>
-                <a:spcPct val="120000"/>
-              </a:lnSpc>
-              <a:spcBef>
-                <a:spcPct val="20000"/>
-              </a:spcBef>
-              <a:spcAft>
-                <a:spcPct val="0"/>
-              </a:spcAft>
-              <a:buClrTx/>
-              <a:buSzTx/>
-              <a:buFontTx/>
-              <a:buAutoNum type="arabicPeriod"/>
-              <a:tabLst/>
-              <a:defRPr/>
-            </a:pPr>
-            <a:r>
-              <a:rPr kumimoji="0" lang="zh-CN" altLang="en-US" sz="3200" b="0" i="0" u="none" strike="noStrike" kern="0" cap="none" spc="0" normalizeH="0" baseline="0" noProof="0" dirty="0" smtClean="0">
-                <a:ln>
-                  <a:noFill/>
-                </a:ln>
-                <a:solidFill>
-                  <a:srgbClr val="003366"/>
-                </a:solidFill>
-                <a:effectLst/>
-                <a:uLnTx/>
-                <a:uFillTx/>
-                <a:latin typeface="微软雅黑" pitchFamily="34" charset="-122"/>
-                <a:ea typeface="微软雅黑" pitchFamily="34" charset="-122"/>
-                <a:cs typeface="Arial"/>
-              </a:rPr>
-              <a:t>算法流程设计</a:t>
-            </a:r>
-            <a:endParaRPr kumimoji="0" lang="en-US" altLang="zh-CN" sz="3200" b="0" i="0" u="none" strike="noStrike" kern="0" cap="none" spc="0" normalizeH="0" baseline="0" noProof="0" dirty="0" smtClean="0">
-              <a:ln>
-                <a:noFill/>
-              </a:ln>
-              <a:solidFill>
-                <a:srgbClr val="003366"/>
-              </a:solidFill>
-              <a:effectLst/>
-              <a:uLnTx/>
-              <a:uFillTx/>
-              <a:latin typeface="微软雅黑" pitchFamily="34" charset="-122"/>
-              <a:ea typeface="微软雅黑" pitchFamily="34" charset="-122"/>
-              <a:cs typeface="Arial"/>
-            </a:endParaRPr>
-          </a:p>
-          <a:p>
-            <a:pPr marL="742950" marR="0" lvl="0" indent="-742950" algn="l" defTabSz="914400" rtl="0" eaLnBrk="0" fontAlgn="base" latinLnBrk="0" hangingPunct="0">
-              <a:lnSpc>
-                <a:spcPct val="120000"/>
-              </a:lnSpc>
-              <a:spcBef>
-                <a:spcPct val="20000"/>
-              </a:spcBef>
-              <a:spcAft>
-                <a:spcPct val="0"/>
-              </a:spcAft>
-              <a:buClrTx/>
-              <a:buSzTx/>
-              <a:buFontTx/>
-              <a:buAutoNum type="arabicPeriod"/>
-              <a:tabLst/>
-              <a:defRPr/>
-            </a:pPr>
-            <a:r>
-              <a:rPr kumimoji="0" lang="zh-CN" altLang="en-US" sz="3200" b="0" i="0" u="none" strike="noStrike" kern="0" cap="none" spc="0" normalizeH="0" baseline="0" noProof="0" dirty="0" smtClean="0">
-                <a:ln>
-                  <a:noFill/>
-                </a:ln>
-                <a:solidFill>
-                  <a:srgbClr val="003366"/>
-                </a:solidFill>
-                <a:effectLst/>
-                <a:uLnTx/>
-                <a:uFillTx/>
-                <a:latin typeface="微软雅黑" pitchFamily="34" charset="-122"/>
-                <a:ea typeface="微软雅黑" pitchFamily="34" charset="-122"/>
-                <a:cs typeface="Arial"/>
-              </a:rPr>
-              <a:t>系统特色</a:t>
-            </a:r>
-            <a:endParaRPr kumimoji="0" lang="en-US" altLang="zh-CN" sz="3200" b="0" i="0" u="none" strike="noStrike" kern="0" cap="none" spc="0" normalizeH="0" baseline="0" noProof="0" dirty="0" smtClean="0">
-              <a:ln>
-                <a:noFill/>
-              </a:ln>
-              <a:solidFill>
-                <a:srgbClr val="003366"/>
-              </a:solidFill>
-              <a:effectLst/>
-              <a:uLnTx/>
-              <a:uFillTx/>
-              <a:latin typeface="微软雅黑" pitchFamily="34" charset="-122"/>
-              <a:ea typeface="微软雅黑" pitchFamily="34" charset="-122"/>
-              <a:cs typeface="Arial"/>
-            </a:endParaRPr>
-          </a:p>
-          <a:p>
-            <a:pPr marL="742950" marR="0" lvl="0" indent="-742950" algn="l" defTabSz="914400" rtl="0" eaLnBrk="0" fontAlgn="base" latinLnBrk="0" hangingPunct="0">
-              <a:lnSpc>
-                <a:spcPct val="120000"/>
-              </a:lnSpc>
-              <a:spcBef>
-                <a:spcPct val="20000"/>
-              </a:spcBef>
-              <a:spcAft>
-                <a:spcPct val="0"/>
-              </a:spcAft>
-              <a:buClrTx/>
-              <a:buSzTx/>
-              <a:buFontTx/>
-              <a:buAutoNum type="arabicPeriod"/>
-              <a:tabLst/>
-              <a:defRPr/>
-            </a:pPr>
-            <a:r>
-              <a:rPr kumimoji="0" lang="zh-CN" altLang="en-US" sz="3200" b="0" i="0" u="none" strike="noStrike" kern="0" cap="none" spc="0" normalizeH="0" baseline="0" noProof="0" dirty="0" smtClean="0">
-                <a:ln>
-                  <a:noFill/>
-                </a:ln>
-                <a:solidFill>
-                  <a:srgbClr val="003366"/>
-                </a:solidFill>
-                <a:effectLst/>
-                <a:uLnTx/>
-                <a:uFillTx/>
-                <a:latin typeface="微软雅黑" pitchFamily="34" charset="-122"/>
-                <a:ea typeface="微软雅黑" pitchFamily="34" charset="-122"/>
-                <a:cs typeface="Arial"/>
-              </a:rPr>
-              <a:t>系统演示</a:t>
-            </a:r>
-            <a:endParaRPr kumimoji="0" lang="en-US" altLang="zh-CN" sz="3200" b="0" i="0" u="none" strike="noStrike" kern="0" cap="none" spc="0" normalizeH="0" baseline="0" noProof="0" dirty="0">
-              <a:ln>
-                <a:noFill/>
-              </a:ln>
-              <a:solidFill>
-                <a:srgbClr val="003366"/>
-              </a:solidFill>
-              <a:effectLst/>
-              <a:uLnTx/>
-              <a:uFillTx/>
-              <a:latin typeface="微软雅黑" pitchFamily="34" charset="-122"/>
-              <a:ea typeface="微软雅黑" pitchFamily="34" charset="-122"/>
-              <a:cs typeface="Arial"/>
-            </a:endParaRPr>
-          </a:p>
-          <a:p>
-            <a:pPr marL="742950" marR="0" lvl="0" indent="-742950" algn="l" defTabSz="914400" rtl="0" eaLnBrk="0" fontAlgn="base" latinLnBrk="0" hangingPunct="0">
-              <a:lnSpc>
-                <a:spcPct val="120000"/>
-              </a:lnSpc>
-              <a:spcBef>
-                <a:spcPct val="20000"/>
-              </a:spcBef>
-              <a:spcAft>
-                <a:spcPct val="0"/>
-              </a:spcAft>
-              <a:buClrTx/>
-              <a:buSzTx/>
-              <a:buFontTx/>
-              <a:buAutoNum type="arabicPeriod"/>
-              <a:tabLst/>
-              <a:defRPr/>
-            </a:pPr>
-            <a:endParaRPr kumimoji="0" lang="en-US" altLang="zh-CN" sz="3200" b="0" i="0" u="none" strike="noStrike" kern="0" cap="none" spc="0" normalizeH="0" baseline="0" noProof="0" dirty="0" smtClean="0">
-              <a:ln>
-                <a:noFill/>
-              </a:ln>
-              <a:solidFill>
-                <a:srgbClr val="003366"/>
-              </a:solidFill>
-              <a:effectLst/>
-              <a:uLnTx/>
-              <a:uFillTx/>
-              <a:latin typeface="微软雅黑" pitchFamily="34" charset="-122"/>
-              <a:ea typeface="微软雅黑" pitchFamily="34" charset="-122"/>
-              <a:cs typeface="Arial"/>
-            </a:endParaRPr>
-          </a:p>
-        </p:txBody>
-      </p:sp>
-    </p:spTree>
-    <p:extLst>
-      <p:ext uri="{BB962C8B-B14F-4D97-AF65-F5344CB8AC3E}">
-        <p14:creationId xmlns:p14="http://schemas.microsoft.com/office/powerpoint/2010/main" val="2614427184"/>
-      </p:ext>
-    </p:extLst>
-  </p:cSld>
-  <p:clrMapOvr>
-    <a:masterClrMapping/>
-  </p:clrMapOvr>
-  <mc:AlternateContent xmlns:mc="http://schemas.openxmlformats.org/markup-compatibility/2006" xmlns:p14="http://schemas.microsoft.com/office/powerpoint/2010/main">
-    <mc:Choice Requires="p14">
-      <p:transition p14:dur="0"/>
-    </mc:Choice>
-    <mc:Fallback xmlns="">
-      <p:transition/>
-    </mc:Fallback>
-  </mc:AlternateContent>
-  <p:timing>
-    <p:tnLst>
-      <p:par>
-        <p:cTn id="1" dur="indefinite" restart="never" nodeType="tmRoot"/>
-      </p:par>
-    </p:tnLst>
-  </p:timing>
-</p:sld>
-</file>
-
-<file path=ppt/slides/slide3.xml><?xml version="1.0" encoding="utf-8"?>
-<p:sld xmlns:a="http://schemas.openxmlformats.org/drawingml/2006/main" xmlns:r="http://schemas.openxmlformats.org/officeDocument/2006/relationships" xmlns:p="http://schemas.openxmlformats.org/presentationml/2006/main">
-  <p:cSld>
-    <p:spTree>
-      <p:nvGrpSpPr>
-        <p:cNvPr id="1" name=""/>
-        <p:cNvGrpSpPr/>
-        <p:nvPr/>
-      </p:nvGrpSpPr>
-      <p:grpSpPr>
-        <a:xfrm>
-          <a:off x="0" y="0"/>
-          <a:ext cx="0" cy="0"/>
-          <a:chOff x="0" y="0"/>
-          <a:chExt cx="0" cy="0"/>
-        </a:xfrm>
-      </p:grpSpPr>
-      <p:sp>
-        <p:nvSpPr>
           <p:cNvPr id="66" name="Rectangle 16">
             <a:extLst>
               <a:ext uri="{FF2B5EF4-FFF2-40B4-BE49-F238E27FC236}">
@@ -15247,7 +15607,7 @@
                 <a:ea typeface="微软雅黑" pitchFamily="34" charset="-122"/>
                 <a:cs typeface="+mj-cs"/>
               </a:rPr>
-              <a:t>系统架构</a:t>
+              <a:t>系统特色</a:t>
             </a:r>
             <a:endParaRPr lang="zh-CN" altLang="en-US" sz="4000" b="1" dirty="0">
               <a:solidFill>
@@ -15260,10 +15620,262 @@
           </a:p>
         </p:txBody>
       </p:sp>
+      <p:sp>
+        <p:nvSpPr>
+          <p:cNvPr id="19" name="矩形 18"/>
+          <p:cNvSpPr/>
+          <p:nvPr/>
+        </p:nvSpPr>
+        <p:spPr bwMode="auto">
+          <a:xfrm>
+            <a:off x="92378" y="4293096"/>
+            <a:ext cx="2736304" cy="792088"/>
+          </a:xfrm>
+          <a:prstGeom prst="rect">
+            <a:avLst/>
+          </a:prstGeom>
+          <a:noFill/>
+          <a:ln w="38100">
+            <a:solidFill>
+              <a:srgbClr val="FF0000"/>
+            </a:solidFill>
+          </a:ln>
+          <a:extLst/>
+        </p:spPr>
+        <p:style>
+          <a:lnRef idx="2">
+            <a:schemeClr val="dk1"/>
+          </a:lnRef>
+          <a:fillRef idx="1">
+            <a:schemeClr val="lt1"/>
+          </a:fillRef>
+          <a:effectRef idx="0">
+            <a:schemeClr val="dk1"/>
+          </a:effectRef>
+          <a:fontRef idx="minor">
+            <a:schemeClr val="dk1"/>
+          </a:fontRef>
+        </p:style>
+        <p:txBody>
+          <a:bodyPr wrap="square" rtlCol="0" anchor="ctr">
+            <a:spAutoFit/>
+          </a:bodyPr>
+          <a:lstStyle/>
+          <a:p>
+            <a:pPr algn="ctr"/>
+            <a:endParaRPr lang="zh-CN" altLang="en-US" sz="2000" b="1" dirty="0" smtClean="0">
+              <a:ln>
+                <a:solidFill>
+                  <a:srgbClr val="FF0000"/>
+                </a:solidFill>
+              </a:ln>
+              <a:solidFill>
+                <a:srgbClr val="FF0000"/>
+              </a:solidFill>
+              <a:latin typeface="黑体" pitchFamily="49" charset="-122"/>
+              <a:ea typeface="黑体" pitchFamily="49" charset="-122"/>
+            </a:endParaRPr>
+          </a:p>
+        </p:txBody>
+      </p:sp>
+      <p:sp>
+        <p:nvSpPr>
+          <p:cNvPr id="6" name="矩形 5"/>
+          <p:cNvSpPr/>
+          <p:nvPr/>
+        </p:nvSpPr>
+        <p:spPr bwMode="auto">
+          <a:xfrm>
+            <a:off x="3059832" y="1118956"/>
+            <a:ext cx="5760640" cy="5348803"/>
+          </a:xfrm>
+          <a:prstGeom prst="rect">
+            <a:avLst/>
+          </a:prstGeom>
+          <a:noFill/>
+          <a:ln w="28575">
+            <a:solidFill>
+              <a:srgbClr val="7030A0"/>
+            </a:solidFill>
+            <a:prstDash val="sysDash"/>
+            <a:miter lim="800000"/>
+            <a:headEnd/>
+            <a:tailEnd/>
+          </a:ln>
+          <a:extLst>
+            <a:ext uri="{909E8E84-426E-40DD-AFC4-6F175D3DCCD1}">
+              <a14:hiddenFill xmlns:a14="http://schemas.microsoft.com/office/drawing/2010/main">
+                <a:solidFill>
+                  <a:srgbClr val="FFFFFF"/>
+                </a:solidFill>
+              </a14:hiddenFill>
+            </a:ext>
+          </a:extLst>
+        </p:spPr>
+        <p:txBody>
+          <a:bodyPr wrap="square" rtlCol="0" anchor="ctr">
+            <a:spAutoFit/>
+          </a:bodyPr>
+          <a:lstStyle/>
+          <a:p>
+            <a:pPr algn="ctr"/>
+            <a:endParaRPr lang="zh-CN" altLang="en-US" sz="2000" b="1" dirty="0" smtClean="0">
+              <a:latin typeface="黑体" pitchFamily="49" charset="-122"/>
+              <a:ea typeface="黑体" pitchFamily="49" charset="-122"/>
+            </a:endParaRPr>
+          </a:p>
+        </p:txBody>
+      </p:sp>
+      <p:pic>
+        <p:nvPicPr>
+          <p:cNvPr id="3" name="图片 2"/>
+          <p:cNvPicPr>
+            <a:picLocks noChangeAspect="1"/>
+          </p:cNvPicPr>
+          <p:nvPr/>
+        </p:nvPicPr>
+        <p:blipFill>
+          <a:blip r:embed="rId3"/>
+          <a:stretch>
+            <a:fillRect/>
+          </a:stretch>
+        </p:blipFill>
+        <p:spPr>
+          <a:xfrm>
+            <a:off x="177891" y="1052736"/>
+            <a:ext cx="2565278" cy="5631082"/>
+          </a:xfrm>
+          <a:prstGeom prst="rect">
+            <a:avLst/>
+          </a:prstGeom>
+        </p:spPr>
+      </p:pic>
+      <p:sp>
+        <p:nvSpPr>
+          <p:cNvPr id="11" name="矩形 10"/>
+          <p:cNvSpPr/>
+          <p:nvPr/>
+        </p:nvSpPr>
+        <p:spPr>
+          <a:xfrm>
+            <a:off x="3197992" y="1204456"/>
+            <a:ext cx="3945311" cy="461665"/>
+          </a:xfrm>
+          <a:prstGeom prst="rect">
+            <a:avLst/>
+          </a:prstGeom>
+        </p:spPr>
+        <p:txBody>
+          <a:bodyPr wrap="none">
+            <a:spAutoFit/>
+          </a:bodyPr>
+          <a:lstStyle/>
+          <a:p>
+            <a:pPr marL="0" indent="0"/>
+            <a:r>
+              <a:rPr lang="en-US" altLang="zh-CN" b="1" dirty="0" smtClean="0">
+                <a:solidFill>
+                  <a:srgbClr val="002060"/>
+                </a:solidFill>
+              </a:rPr>
+              <a:t>AOP</a:t>
+            </a:r>
+            <a:r>
+              <a:rPr lang="zh-CN" altLang="en-US" b="1" dirty="0" smtClean="0">
+                <a:solidFill>
+                  <a:srgbClr val="002060"/>
+                </a:solidFill>
+              </a:rPr>
+              <a:t>：构建服务端接口切面</a:t>
+            </a:r>
+            <a:endParaRPr lang="en-US" altLang="zh-CN" b="1" dirty="0">
+              <a:solidFill>
+                <a:srgbClr val="002060"/>
+              </a:solidFill>
+            </a:endParaRPr>
+          </a:p>
+        </p:txBody>
+      </p:sp>
+      <p:pic>
+        <p:nvPicPr>
+          <p:cNvPr id="2" name="图片 1"/>
+          <p:cNvPicPr>
+            <a:picLocks noChangeAspect="1"/>
+          </p:cNvPicPr>
+          <p:nvPr/>
+        </p:nvPicPr>
+        <p:blipFill>
+          <a:blip r:embed="rId4">
+            <a:extLst>
+              <a:ext uri="{28A0092B-C50C-407E-A947-70E740481C1C}">
+                <a14:useLocalDpi xmlns:a14="http://schemas.microsoft.com/office/drawing/2010/main" val="0"/>
+              </a:ext>
+            </a:extLst>
+          </a:blip>
+          <a:stretch>
+            <a:fillRect/>
+          </a:stretch>
+        </p:blipFill>
+        <p:spPr>
+          <a:xfrm>
+            <a:off x="3053668" y="1469437"/>
+            <a:ext cx="5766804" cy="4397080"/>
+          </a:xfrm>
+          <a:prstGeom prst="rect">
+            <a:avLst/>
+          </a:prstGeom>
+        </p:spPr>
+      </p:pic>
+      <p:sp>
+        <p:nvSpPr>
+          <p:cNvPr id="12" name="矩形 11"/>
+          <p:cNvSpPr/>
+          <p:nvPr/>
+        </p:nvSpPr>
+        <p:spPr>
+          <a:xfrm>
+            <a:off x="4644008" y="5469521"/>
+            <a:ext cx="3584636" cy="461665"/>
+          </a:xfrm>
+          <a:prstGeom prst="rect">
+            <a:avLst/>
+          </a:prstGeom>
+        </p:spPr>
+        <p:txBody>
+          <a:bodyPr wrap="none">
+            <a:spAutoFit/>
+          </a:bodyPr>
+          <a:lstStyle/>
+          <a:p>
+            <a:pPr marL="0" indent="0"/>
+            <a:r>
+              <a:rPr lang="en-US" altLang="zh-CN" b="1" dirty="0" smtClean="0">
+                <a:solidFill>
+                  <a:srgbClr val="002060"/>
+                </a:solidFill>
+              </a:rPr>
+              <a:t>slf4j</a:t>
+            </a:r>
+            <a:r>
+              <a:rPr lang="zh-CN" altLang="en-US" b="1" dirty="0" smtClean="0">
+                <a:solidFill>
+                  <a:srgbClr val="002060"/>
+                </a:solidFill>
+              </a:rPr>
+              <a:t>：独立的日志记录库</a:t>
+            </a:r>
+            <a:endParaRPr lang="en-US" altLang="zh-CN" b="1" dirty="0">
+              <a:solidFill>
+                <a:srgbClr val="002060"/>
+              </a:solidFill>
+            </a:endParaRPr>
+          </a:p>
+        </p:txBody>
+      </p:sp>
     </p:spTree>
     <p:extLst>
       <p:ext uri="{BB962C8B-B14F-4D97-AF65-F5344CB8AC3E}">
-        <p14:creationId xmlns:p14="http://schemas.microsoft.com/office/powerpoint/2010/main" val="364085449"/>
+        <p14:creationId xmlns:p14="http://schemas.microsoft.com/office/powerpoint/2010/main" val="2956405977"/>
       </p:ext>
     </p:extLst>
   </p:cSld>
@@ -15288,7 +15900,7 @@
 </p:sld>
 </file>
 
-<file path=ppt/slides/slide4.xml><?xml version="1.0" encoding="utf-8"?>
+<file path=ppt/slides/slide11.xml><?xml version="1.0" encoding="utf-8"?>
 <p:sld xmlns:a="http://schemas.openxmlformats.org/drawingml/2006/main" xmlns:r="http://schemas.openxmlformats.org/officeDocument/2006/relationships" xmlns:p="http://schemas.openxmlformats.org/presentationml/2006/main">
   <p:cSld>
     <p:spTree>
@@ -15369,7 +15981,7 @@
                 <a:ea typeface="微软雅黑" pitchFamily="34" charset="-122"/>
                 <a:cs typeface="+mj-cs"/>
               </a:rPr>
-              <a:t>算法流程设计</a:t>
+              <a:t>系统特色</a:t>
             </a:r>
             <a:endParaRPr lang="zh-CN" altLang="en-US" sz="4000" b="1" dirty="0">
               <a:solidFill>
@@ -15384,47 +15996,106 @@
       </p:sp>
       <p:sp>
         <p:nvSpPr>
-          <p:cNvPr id="7" name="文本框 6"/>
-          <p:cNvSpPr txBox="1"/>
+          <p:cNvPr id="19" name="矩形 18"/>
+          <p:cNvSpPr/>
           <p:nvPr/>
         </p:nvSpPr>
-        <p:spPr>
+        <p:spPr bwMode="auto">
           <a:xfrm>
-            <a:off x="323528" y="2708920"/>
-            <a:ext cx="601216" cy="2376264"/>
+            <a:off x="92378" y="5108281"/>
+            <a:ext cx="2736304" cy="792088"/>
           </a:xfrm>
           <a:prstGeom prst="rect">
             <a:avLst/>
           </a:prstGeom>
           <a:noFill/>
-          <a:ln w="28575" algn="ctr">
-            <a:noFill/>
-            <a:prstDash val="dash"/>
+          <a:ln w="38100">
+            <a:solidFill>
+              <a:srgbClr val="FF0000"/>
+            </a:solidFill>
+          </a:ln>
+          <a:extLst/>
+        </p:spPr>
+        <p:style>
+          <a:lnRef idx="2">
+            <a:schemeClr val="dk1"/>
+          </a:lnRef>
+          <a:fillRef idx="1">
+            <a:schemeClr val="lt1"/>
+          </a:fillRef>
+          <a:effectRef idx="0">
+            <a:schemeClr val="dk1"/>
+          </a:effectRef>
+          <a:fontRef idx="minor">
+            <a:schemeClr val="dk1"/>
+          </a:fontRef>
+        </p:style>
+        <p:txBody>
+          <a:bodyPr wrap="square" rtlCol="0" anchor="ctr">
+            <a:spAutoFit/>
+          </a:bodyPr>
+          <a:lstStyle/>
+          <a:p>
+            <a:pPr algn="ctr"/>
+            <a:endParaRPr lang="zh-CN" altLang="en-US" sz="2000" b="1" dirty="0" smtClean="0">
+              <a:ln>
+                <a:solidFill>
+                  <a:srgbClr val="FF0000"/>
+                </a:solidFill>
+              </a:ln>
+              <a:solidFill>
+                <a:srgbClr val="FF0000"/>
+              </a:solidFill>
+              <a:latin typeface="黑体" pitchFamily="49" charset="-122"/>
+              <a:ea typeface="黑体" pitchFamily="49" charset="-122"/>
+            </a:endParaRPr>
+          </a:p>
+        </p:txBody>
+      </p:sp>
+      <p:sp>
+        <p:nvSpPr>
+          <p:cNvPr id="6" name="矩形 5"/>
+          <p:cNvSpPr/>
+          <p:nvPr/>
+        </p:nvSpPr>
+        <p:spPr bwMode="auto">
+          <a:xfrm>
+            <a:off x="3059832" y="1118956"/>
+            <a:ext cx="5760640" cy="5348803"/>
+          </a:xfrm>
+          <a:prstGeom prst="rect">
+            <a:avLst/>
+          </a:prstGeom>
+          <a:noFill/>
+          <a:ln w="28575">
+            <a:solidFill>
+              <a:srgbClr val="7030A0"/>
+            </a:solidFill>
+            <a:prstDash val="sysDash"/>
             <a:miter lim="800000"/>
             <a:headEnd/>
-            <a:tailEnd type="arrow" w="med" len="med"/>
+            <a:tailEnd/>
           </a:ln>
-          <a:effectLst/>
+          <a:extLst>
+            <a:ext uri="{909E8E84-426E-40DD-AFC4-6F175D3DCCD1}">
+              <a14:hiddenFill xmlns:a14="http://schemas.microsoft.com/office/drawing/2010/main">
+                <a:solidFill>
+                  <a:srgbClr val="FFFFFF"/>
+                </a:solidFill>
+              </a14:hiddenFill>
+            </a:ext>
+          </a:extLst>
         </p:spPr>
         <p:txBody>
-          <a:bodyPr vert="eaVert" wrap="none" lIns="0" tIns="0" rIns="0" bIns="0" rtlCol="0" anchor="ctr" anchorCtr="0">
-            <a:noAutofit/>
+          <a:bodyPr wrap="square" rtlCol="0" anchor="ctr">
+            <a:spAutoFit/>
           </a:bodyPr>
           <a:lstStyle/>
           <a:p>
-            <a:pPr marL="0" indent="0"/>
-            <a:r>
-              <a:rPr lang="zh-CN" altLang="en-US" sz="3600" b="1" dirty="0" smtClean="0">
-                <a:solidFill>
-                  <a:srgbClr val="002060"/>
-                </a:solidFill>
-              </a:rPr>
-              <a:t>初始化认证</a:t>
-            </a:r>
-            <a:endParaRPr lang="zh-CN" altLang="en-US" sz="3600" b="1" dirty="0" smtClean="0">
-              <a:solidFill>
-                <a:srgbClr val="002060"/>
-              </a:solidFill>
+            <a:pPr algn="ctr"/>
+            <a:endParaRPr lang="zh-CN" altLang="en-US" sz="2000" b="1" dirty="0" smtClean="0">
+              <a:latin typeface="黑体" pitchFamily="49" charset="-122"/>
+              <a:ea typeface="黑体" pitchFamily="49" charset="-122"/>
             </a:endParaRPr>
           </a:p>
         </p:txBody>
@@ -15445,8 +16116,8 @@
         </p:blipFill>
         <p:spPr>
           <a:xfrm>
-            <a:off x="1043608" y="1035341"/>
-            <a:ext cx="4467061" cy="5723422"/>
+            <a:off x="177891" y="1052736"/>
+            <a:ext cx="2565278" cy="5631082"/>
           </a:xfrm>
           <a:prstGeom prst="rect">
             <a:avLst/>
@@ -15455,14 +16126,156 @@
       </p:pic>
       <p:sp>
         <p:nvSpPr>
-          <p:cNvPr id="4" name="文本框 3"/>
+          <p:cNvPr id="11" name="矩形 10"/>
+          <p:cNvSpPr/>
+          <p:nvPr/>
+        </p:nvSpPr>
+        <p:spPr>
+          <a:xfrm>
+            <a:off x="3197992" y="1204456"/>
+            <a:ext cx="4157933" cy="461665"/>
+          </a:xfrm>
+          <a:prstGeom prst="rect">
+            <a:avLst/>
+          </a:prstGeom>
+        </p:spPr>
+        <p:txBody>
+          <a:bodyPr wrap="none">
+            <a:spAutoFit/>
+          </a:bodyPr>
+          <a:lstStyle/>
+          <a:p>
+            <a:pPr marL="0" indent="0"/>
+            <a:r>
+              <a:rPr lang="en-US" altLang="zh-CN" b="1" dirty="0" smtClean="0">
+                <a:solidFill>
+                  <a:srgbClr val="002060"/>
+                </a:solidFill>
+              </a:rPr>
+              <a:t>JPA</a:t>
+            </a:r>
+            <a:r>
+              <a:rPr lang="zh-CN" altLang="en-US" b="1" dirty="0" smtClean="0">
+                <a:solidFill>
+                  <a:srgbClr val="002060"/>
+                </a:solidFill>
+              </a:rPr>
+              <a:t>：</a:t>
+            </a:r>
+            <a:r>
+              <a:rPr lang="en-US" altLang="zh-CN" b="1" dirty="0" smtClean="0">
+                <a:solidFill>
+                  <a:srgbClr val="002060"/>
+                </a:solidFill>
+              </a:rPr>
+              <a:t>Java Persistence API</a:t>
+            </a:r>
+            <a:endParaRPr lang="en-US" altLang="zh-CN" b="1" dirty="0">
+              <a:solidFill>
+                <a:srgbClr val="002060"/>
+              </a:solidFill>
+            </a:endParaRPr>
+          </a:p>
+        </p:txBody>
+      </p:sp>
+      <p:pic>
+        <p:nvPicPr>
+          <p:cNvPr id="4" name="图片 3"/>
+          <p:cNvPicPr>
+            <a:picLocks noChangeAspect="1"/>
+          </p:cNvPicPr>
+          <p:nvPr/>
+        </p:nvPicPr>
+        <p:blipFill>
+          <a:blip r:embed="rId4">
+            <a:extLst>
+              <a:ext uri="{28A0092B-C50C-407E-A947-70E740481C1C}">
+                <a14:useLocalDpi xmlns:a14="http://schemas.microsoft.com/office/drawing/2010/main" val="0"/>
+              </a:ext>
+            </a:extLst>
+          </a:blip>
+          <a:stretch>
+            <a:fillRect/>
+          </a:stretch>
+        </p:blipFill>
+        <p:spPr>
+          <a:xfrm>
+            <a:off x="3145345" y="1999991"/>
+            <a:ext cx="4410228" cy="4063355"/>
+          </a:xfrm>
+          <a:prstGeom prst="rect">
+            <a:avLst/>
+          </a:prstGeom>
+        </p:spPr>
+      </p:pic>
+      <p:sp>
+        <p:nvSpPr>
+          <p:cNvPr id="10" name="矩形 9"/>
+          <p:cNvSpPr/>
+          <p:nvPr/>
+        </p:nvSpPr>
+        <p:spPr bwMode="auto">
+          <a:xfrm>
+            <a:off x="4573951" y="3299641"/>
+            <a:ext cx="1152128" cy="709948"/>
+          </a:xfrm>
+          <a:prstGeom prst="rect">
+            <a:avLst/>
+          </a:prstGeom>
+          <a:noFill/>
+          <a:ln w="38100">
+            <a:solidFill>
+              <a:srgbClr val="FF0000"/>
+            </a:solidFill>
+          </a:ln>
+          <a:extLst/>
+        </p:spPr>
+        <p:style>
+          <a:lnRef idx="2">
+            <a:schemeClr val="dk1"/>
+          </a:lnRef>
+          <a:fillRef idx="1">
+            <a:schemeClr val="lt1"/>
+          </a:fillRef>
+          <a:effectRef idx="0">
+            <a:schemeClr val="dk1"/>
+          </a:effectRef>
+          <a:fontRef idx="minor">
+            <a:schemeClr val="dk1"/>
+          </a:fontRef>
+        </p:style>
+        <p:txBody>
+          <a:bodyPr wrap="square" rtlCol="0" anchor="ctr">
+            <a:spAutoFit/>
+          </a:bodyPr>
+          <a:lstStyle/>
+          <a:p>
+            <a:pPr algn="ctr"/>
+            <a:endParaRPr lang="zh-CN" altLang="en-US" sz="2000" b="1" dirty="0" smtClean="0">
+              <a:ln>
+                <a:solidFill>
+                  <a:srgbClr val="FF0000"/>
+                </a:solidFill>
+              </a:ln>
+              <a:solidFill>
+                <a:srgbClr val="FF0000"/>
+              </a:solidFill>
+              <a:latin typeface="黑体" pitchFamily="49" charset="-122"/>
+              <a:ea typeface="黑体" pitchFamily="49" charset="-122"/>
+            </a:endParaRPr>
+          </a:p>
+        </p:txBody>
+      </p:sp>
+      <p:sp>
+        <p:nvSpPr>
+          <p:cNvPr id="5" name="文本框 4"/>
           <p:cNvSpPr txBox="1"/>
           <p:nvPr/>
         </p:nvSpPr>
         <p:spPr>
           <a:xfrm>
-            <a:off x="5796136" y="1844824"/>
-            <a:ext cx="3096344" cy="1728192"/>
+            <a:off x="5796136" y="2204864"/>
+            <a:ext cx="2880320" cy="862567"/>
           </a:xfrm>
           <a:prstGeom prst="rect">
             <a:avLst/>
@@ -15471,7 +16284,11 @@
             <a:schemeClr val="bg1"/>
           </a:solidFill>
           <a:ln w="28575" algn="ctr">
-            <a:noFill/>
+            <a:solidFill>
+              <a:schemeClr val="accent6">
+                <a:lumMod val="50000"/>
+              </a:schemeClr>
+            </a:solidFill>
             <a:prstDash val="dash"/>
             <a:miter lim="800000"/>
             <a:headEnd/>
@@ -15487,210 +16304,103 @@
           <a:p>
             <a:pPr marL="0" indent="0"/>
             <a:r>
-              <a:rPr lang="zh-CN" altLang="en-US" sz="2400" b="1" dirty="0" smtClean="0">
-                <a:solidFill>
-                  <a:srgbClr val="002060"/>
+              <a:rPr lang="zh-CN" altLang="en-US" sz="2000" b="1" dirty="0" smtClean="0">
+                <a:solidFill>
+                  <a:schemeClr val="accent5">
+                    <a:lumMod val="10000"/>
+                  </a:schemeClr>
                 </a:solidFill>
               </a:rPr>
-              <a:t>使用登陆令牌保护接口</a:t>
-            </a:r>
-            <a:endParaRPr lang="en-US" altLang="zh-CN" sz="2400" b="1" dirty="0" smtClean="0">
+              <a:t>封装于传统</a:t>
+            </a:r>
+            <a:r>
+              <a:rPr lang="en-US" altLang="zh-CN" sz="2000" b="1" dirty="0" smtClean="0">
+                <a:solidFill>
+                  <a:schemeClr val="accent5">
+                    <a:lumMod val="10000"/>
+                  </a:schemeClr>
+                </a:solidFill>
+              </a:rPr>
+              <a:t>ORM</a:t>
+            </a:r>
+            <a:r>
+              <a:rPr lang="zh-CN" altLang="en-US" sz="2000" b="1" dirty="0" smtClean="0">
+                <a:solidFill>
+                  <a:schemeClr val="accent5">
+                    <a:lumMod val="10000"/>
+                  </a:schemeClr>
+                </a:solidFill>
+              </a:rPr>
+              <a:t>之上</a:t>
+            </a:r>
+            <a:endParaRPr lang="en-US" altLang="zh-CN" sz="2000" b="1" dirty="0" smtClean="0">
               <a:solidFill>
-                <a:srgbClr val="002060"/>
+                <a:schemeClr val="accent5">
+                  <a:lumMod val="10000"/>
+                </a:schemeClr>
               </a:solidFill>
             </a:endParaRPr>
           </a:p>
           <a:p>
-            <a:pPr marL="342900" indent="-342900">
-              <a:buFont typeface="Arial" panose="020B0604020202020204" pitchFamily="34" charset="0"/>
-              <a:buChar char="•"/>
-            </a:pPr>
-            <a:endParaRPr lang="en-US" altLang="zh-CN" sz="2400" b="1" dirty="0" smtClean="0">
+            <a:pPr marL="0" indent="0"/>
+            <a:r>
+              <a:rPr lang="zh-CN" altLang="en-US" sz="2000" b="1" dirty="0" smtClean="0">
+                <a:solidFill>
+                  <a:schemeClr val="accent5">
+                    <a:lumMod val="10000"/>
+                  </a:schemeClr>
+                </a:solidFill>
+              </a:rPr>
+              <a:t>设计接口而不是设计实现</a:t>
+            </a:r>
+            <a:endParaRPr lang="zh-CN" altLang="en-US" sz="2000" b="1" dirty="0" smtClean="0">
               <a:solidFill>
-                <a:srgbClr val="002060"/>
+                <a:schemeClr val="accent5">
+                  <a:lumMod val="10000"/>
+                </a:schemeClr>
               </a:solidFill>
             </a:endParaRPr>
           </a:p>
-          <a:p>
-            <a:pPr marL="342900" indent="-342900">
-              <a:buFont typeface="Arial" panose="020B0604020202020204" pitchFamily="34" charset="0"/>
-              <a:buChar char="•"/>
-            </a:pPr>
-            <a:r>
-              <a:rPr lang="zh-CN" altLang="en-US" sz="2400" dirty="0" smtClean="0">
-                <a:solidFill>
-                  <a:srgbClr val="002060"/>
-                </a:solidFill>
-              </a:rPr>
-              <a:t>登陆时获取</a:t>
-            </a:r>
-            <a:r>
-              <a:rPr lang="en-US" altLang="zh-CN" sz="2400" dirty="0" smtClean="0">
-                <a:solidFill>
-                  <a:srgbClr val="002060"/>
-                </a:solidFill>
-              </a:rPr>
-              <a:t>token</a:t>
-            </a:r>
-          </a:p>
-          <a:p>
-            <a:pPr marL="342900" indent="-342900">
-              <a:buFont typeface="Arial" panose="020B0604020202020204" pitchFamily="34" charset="0"/>
-              <a:buChar char="•"/>
-            </a:pPr>
-            <a:r>
-              <a:rPr lang="zh-CN" altLang="en-US" sz="2400" dirty="0" smtClean="0">
-                <a:solidFill>
-                  <a:srgbClr val="002060"/>
-                </a:solidFill>
-              </a:rPr>
-              <a:t>使用</a:t>
-            </a:r>
-            <a:r>
-              <a:rPr lang="en-US" altLang="zh-CN" sz="2400" dirty="0" smtClean="0">
-                <a:solidFill>
-                  <a:srgbClr val="002060"/>
-                </a:solidFill>
-              </a:rPr>
-              <a:t>token</a:t>
-            </a:r>
-            <a:r>
-              <a:rPr lang="zh-CN" altLang="en-US" sz="2400" dirty="0" smtClean="0">
-                <a:solidFill>
-                  <a:srgbClr val="002060"/>
-                </a:solidFill>
-              </a:rPr>
-              <a:t>调用接口</a:t>
-            </a:r>
-            <a:endParaRPr lang="zh-CN" altLang="en-US" sz="2400" dirty="0" smtClean="0">
-              <a:solidFill>
-                <a:srgbClr val="002060"/>
-              </a:solidFill>
-            </a:endParaRPr>
-          </a:p>
-        </p:txBody>
-      </p:sp>
-      <p:sp>
-        <p:nvSpPr>
-          <p:cNvPr id="8" name="文本框 7"/>
-          <p:cNvSpPr txBox="1"/>
+        </p:txBody>
+      </p:sp>
+      <p:cxnSp>
+        <p:nvCxnSpPr>
+          <p:cNvPr id="8" name="肘形连接符 7"/>
+          <p:cNvCxnSpPr>
+            <a:stCxn id="10" idx="3"/>
+            <a:endCxn id="5" idx="2"/>
+          </p:cNvCxnSpPr>
           <p:nvPr/>
-        </p:nvSpPr>
-        <p:spPr>
-          <a:xfrm>
-            <a:off x="5796136" y="4149080"/>
-            <a:ext cx="3096344" cy="1872208"/>
+        </p:nvCxnSpPr>
+        <p:spPr bwMode="auto">
+          <a:xfrm flipV="1">
+            <a:off x="5726079" y="3067431"/>
+            <a:ext cx="1510217" cy="587184"/>
           </a:xfrm>
-          <a:prstGeom prst="rect">
+          <a:prstGeom prst="bentConnector2">
             <a:avLst/>
           </a:prstGeom>
           <a:solidFill>
-            <a:schemeClr val="bg1"/>
+            <a:schemeClr val="accent1"/>
           </a:solidFill>
-          <a:ln w="28575" algn="ctr">
-            <a:noFill/>
-            <a:prstDash val="dash"/>
-            <a:miter lim="800000"/>
-            <a:headEnd/>
-            <a:tailEnd type="arrow" w="med" len="med"/>
+          <a:ln w="28575" cap="flat" cmpd="sng" algn="ctr">
+            <a:solidFill>
+              <a:schemeClr val="accent6">
+                <a:lumMod val="50000"/>
+              </a:schemeClr>
+            </a:solidFill>
+            <a:prstDash val="sysDash"/>
+            <a:round/>
+            <a:headEnd type="none" w="med" len="med"/>
+            <a:tailEnd type="none" w="med" len="med"/>
           </a:ln>
           <a:effectLst/>
         </p:spPr>
-        <p:txBody>
-          <a:bodyPr wrap="none" lIns="0" tIns="0" rIns="0" bIns="0" rtlCol="0" anchor="ctr" anchorCtr="0">
-            <a:noAutofit/>
-          </a:bodyPr>
-          <a:lstStyle/>
-          <a:p>
-            <a:pPr marL="0" indent="0"/>
-            <a:r>
-              <a:rPr lang="zh-CN" altLang="en-US" sz="2400" b="1" dirty="0" smtClean="0">
-                <a:solidFill>
-                  <a:srgbClr val="002060"/>
-                </a:solidFill>
-              </a:rPr>
-              <a:t>使用轮询获取最新消息</a:t>
-            </a:r>
-            <a:endParaRPr lang="en-US" altLang="zh-CN" sz="2400" b="1" dirty="0" smtClean="0">
-              <a:solidFill>
-                <a:srgbClr val="002060"/>
-              </a:solidFill>
-            </a:endParaRPr>
-          </a:p>
-          <a:p>
-            <a:pPr marL="342900" indent="-342900">
-              <a:buFont typeface="Arial" panose="020B0604020202020204" pitchFamily="34" charset="0"/>
-              <a:buChar char="•"/>
-            </a:pPr>
-            <a:endParaRPr lang="en-US" altLang="zh-CN" sz="2400" b="1" dirty="0" smtClean="0">
-              <a:solidFill>
-                <a:srgbClr val="002060"/>
-              </a:solidFill>
-            </a:endParaRPr>
-          </a:p>
-          <a:p>
-            <a:pPr marL="342900" indent="-342900">
-              <a:buFont typeface="Arial" panose="020B0604020202020204" pitchFamily="34" charset="0"/>
-              <a:buChar char="•"/>
-            </a:pPr>
-            <a:r>
-              <a:rPr lang="zh-CN" altLang="en-US" sz="2400" dirty="0" smtClean="0">
-                <a:solidFill>
-                  <a:srgbClr val="002060"/>
-                </a:solidFill>
-              </a:rPr>
-              <a:t>获取最新消息</a:t>
-            </a:r>
-            <a:endParaRPr lang="en-US" altLang="zh-CN" sz="2400" dirty="0" smtClean="0">
-              <a:solidFill>
-                <a:srgbClr val="002060"/>
-              </a:solidFill>
-            </a:endParaRPr>
-          </a:p>
-          <a:p>
-            <a:pPr marL="342900" indent="-342900">
-              <a:buFont typeface="Arial" panose="020B0604020202020204" pitchFamily="34" charset="0"/>
-              <a:buChar char="•"/>
-            </a:pPr>
-            <a:r>
-              <a:rPr lang="zh-CN" altLang="en-US" sz="2400" dirty="0" smtClean="0">
-                <a:solidFill>
-                  <a:srgbClr val="002060"/>
-                </a:solidFill>
-              </a:rPr>
-              <a:t>获取队友信息</a:t>
-            </a:r>
-            <a:endParaRPr lang="en-US" altLang="zh-CN" sz="2400" dirty="0" smtClean="0">
-              <a:solidFill>
-                <a:srgbClr val="002060"/>
-              </a:solidFill>
-            </a:endParaRPr>
-          </a:p>
-          <a:p>
-            <a:pPr marL="342900" indent="-342900">
-              <a:buFont typeface="Arial" panose="020B0604020202020204" pitchFamily="34" charset="0"/>
-              <a:buChar char="•"/>
-            </a:pPr>
-            <a:r>
-              <a:rPr lang="zh-CN" altLang="en-US" sz="2400" dirty="0" smtClean="0">
-                <a:solidFill>
-                  <a:srgbClr val="002060"/>
-                </a:solidFill>
-              </a:rPr>
-              <a:t>获取环境状态</a:t>
-            </a:r>
-            <a:endParaRPr lang="zh-CN" altLang="en-US" sz="2400" dirty="0" smtClean="0">
-              <a:solidFill>
-                <a:srgbClr val="002060"/>
-              </a:solidFill>
-            </a:endParaRPr>
-          </a:p>
-        </p:txBody>
-      </p:sp>
+      </p:cxnSp>
     </p:spTree>
     <p:extLst>
       <p:ext uri="{BB962C8B-B14F-4D97-AF65-F5344CB8AC3E}">
-        <p14:creationId xmlns:p14="http://schemas.microsoft.com/office/powerpoint/2010/main" val="2721055318"/>
+        <p14:creationId xmlns:p14="http://schemas.microsoft.com/office/powerpoint/2010/main" val="3883037406"/>
       </p:ext>
     </p:extLst>
   </p:cSld>
@@ -15715,7 +16425,7 @@
 </p:sld>
 </file>
 
-<file path=ppt/slides/slide5.xml><?xml version="1.0" encoding="utf-8"?>
+<file path=ppt/slides/slide12.xml><?xml version="1.0" encoding="utf-8"?>
 <p:sld xmlns:a="http://schemas.openxmlformats.org/drawingml/2006/main" xmlns:r="http://schemas.openxmlformats.org/officeDocument/2006/relationships" xmlns:p="http://schemas.openxmlformats.org/presentationml/2006/main">
   <p:cSld>
     <p:spTree>
@@ -15796,7 +16506,7 @@
                 <a:ea typeface="微软雅黑" pitchFamily="34" charset="-122"/>
                 <a:cs typeface="+mj-cs"/>
               </a:rPr>
-              <a:t>算法流程设计</a:t>
+              <a:t>系统特色</a:t>
             </a:r>
             <a:endParaRPr lang="zh-CN" altLang="en-US" sz="4000" b="1" dirty="0">
               <a:solidFill>
@@ -15811,28 +16521,22 @@
       </p:sp>
       <p:pic>
         <p:nvPicPr>
-          <p:cNvPr id="5" name="图片 4"/>
+          <p:cNvPr id="3" name="图片 2"/>
           <p:cNvPicPr>
             <a:picLocks noChangeAspect="1"/>
           </p:cNvPicPr>
           <p:nvPr/>
         </p:nvPicPr>
         <p:blipFill>
-          <a:blip r:embed="rId3">
-            <a:extLst>
-              <a:ext uri="{28A0092B-C50C-407E-A947-70E740481C1C}">
-                <a14:useLocalDpi xmlns:a14="http://schemas.microsoft.com/office/drawing/2010/main" val="0"/>
-              </a:ext>
-            </a:extLst>
-          </a:blip>
+          <a:blip r:embed="rId3"/>
           <a:stretch>
             <a:fillRect/>
           </a:stretch>
         </p:blipFill>
         <p:spPr>
           <a:xfrm>
-            <a:off x="899592" y="923097"/>
-            <a:ext cx="8021169" cy="5934903"/>
+            <a:off x="755650" y="1052736"/>
+            <a:ext cx="2565278" cy="5631082"/>
           </a:xfrm>
           <a:prstGeom prst="rect">
             <a:avLst/>
@@ -15841,14 +16545,623 @@
       </p:pic>
       <p:sp>
         <p:nvSpPr>
-          <p:cNvPr id="7" name="文本框 6"/>
+          <p:cNvPr id="2" name="圆角矩形 1"/>
+          <p:cNvSpPr/>
+          <p:nvPr/>
+        </p:nvSpPr>
+        <p:spPr bwMode="auto">
+          <a:xfrm>
+            <a:off x="3709599" y="1844824"/>
+            <a:ext cx="2664296" cy="720080"/>
+          </a:xfrm>
+          <a:prstGeom prst="roundRect">
+            <a:avLst/>
+          </a:prstGeom>
+          <a:noFill/>
+          <a:ln w="28575">
+            <a:solidFill>
+              <a:srgbClr val="7030A0"/>
+            </a:solidFill>
+            <a:miter lim="800000"/>
+            <a:headEnd/>
+            <a:tailEnd/>
+          </a:ln>
+          <a:extLst>
+            <a:ext uri="{909E8E84-426E-40DD-AFC4-6F175D3DCCD1}">
+              <a14:hiddenFill xmlns:a14="http://schemas.microsoft.com/office/drawing/2010/main">
+                <a:solidFill>
+                  <a:srgbClr val="FFFFFF"/>
+                </a:solidFill>
+              </a14:hiddenFill>
+            </a:ext>
+          </a:extLst>
+        </p:spPr>
+        <p:txBody>
+          <a:bodyPr wrap="square" rtlCol="0" anchor="ctr">
+            <a:spAutoFit/>
+          </a:bodyPr>
+          <a:lstStyle/>
+          <a:p>
+            <a:pPr algn="ctr"/>
+            <a:endParaRPr lang="zh-CN" altLang="en-US" sz="2000" b="1" dirty="0" smtClean="0">
+              <a:latin typeface="黑体" pitchFamily="49" charset="-122"/>
+              <a:ea typeface="黑体" pitchFamily="49" charset="-122"/>
+            </a:endParaRPr>
+          </a:p>
+        </p:txBody>
+      </p:sp>
+      <p:cxnSp>
+        <p:nvCxnSpPr>
+          <p:cNvPr id="9" name="直接连接符 8"/>
+          <p:cNvCxnSpPr>
+            <a:endCxn id="2" idx="1"/>
+          </p:cNvCxnSpPr>
+          <p:nvPr/>
+        </p:nvCxnSpPr>
+        <p:spPr bwMode="auto">
+          <a:xfrm>
+            <a:off x="3320928" y="2204864"/>
+            <a:ext cx="388671" cy="0"/>
+          </a:xfrm>
+          <a:prstGeom prst="line">
+            <a:avLst/>
+          </a:prstGeom>
+          <a:solidFill>
+            <a:schemeClr val="accent1"/>
+          </a:solidFill>
+          <a:ln w="28575" cap="flat" cmpd="sng" algn="ctr">
+            <a:solidFill>
+              <a:srgbClr val="7030A0"/>
+            </a:solidFill>
+            <a:prstDash val="sysDash"/>
+            <a:round/>
+            <a:headEnd type="none" w="med" len="med"/>
+            <a:tailEnd type="none" w="med" len="med"/>
+          </a:ln>
+          <a:effectLst/>
+        </p:spPr>
+      </p:cxnSp>
+      <p:sp>
+        <p:nvSpPr>
+          <p:cNvPr id="15" name="矩形 14"/>
+          <p:cNvSpPr/>
+          <p:nvPr/>
+        </p:nvSpPr>
+        <p:spPr>
+          <a:xfrm>
+            <a:off x="3767459" y="2004809"/>
+            <a:ext cx="2507418" cy="400110"/>
+          </a:xfrm>
+          <a:prstGeom prst="rect">
+            <a:avLst/>
+          </a:prstGeom>
+        </p:spPr>
+        <p:txBody>
+          <a:bodyPr wrap="none">
+            <a:spAutoFit/>
+          </a:bodyPr>
+          <a:lstStyle/>
+          <a:p>
+            <a:pPr marL="0" indent="0"/>
+            <a:r>
+              <a:rPr lang="zh-CN" altLang="en-US" sz="2000" b="1" dirty="0" smtClean="0">
+                <a:solidFill>
+                  <a:srgbClr val="002060"/>
+                </a:solidFill>
+              </a:rPr>
+              <a:t>身份认证与权限控制</a:t>
+            </a:r>
+            <a:endParaRPr lang="en-US" altLang="zh-CN" sz="2000" b="1" dirty="0">
+              <a:solidFill>
+                <a:srgbClr val="002060"/>
+              </a:solidFill>
+            </a:endParaRPr>
+          </a:p>
+        </p:txBody>
+      </p:sp>
+      <p:sp>
+        <p:nvSpPr>
+          <p:cNvPr id="17" name="圆角矩形 16"/>
+          <p:cNvSpPr/>
+          <p:nvPr/>
+        </p:nvSpPr>
+        <p:spPr bwMode="auto">
+          <a:xfrm>
+            <a:off x="3709599" y="2636913"/>
+            <a:ext cx="2664296" cy="720080"/>
+          </a:xfrm>
+          <a:prstGeom prst="roundRect">
+            <a:avLst/>
+          </a:prstGeom>
+          <a:noFill/>
+          <a:ln w="28575">
+            <a:solidFill>
+              <a:srgbClr val="7030A0"/>
+            </a:solidFill>
+            <a:miter lim="800000"/>
+            <a:headEnd/>
+            <a:tailEnd/>
+          </a:ln>
+          <a:extLst>
+            <a:ext uri="{909E8E84-426E-40DD-AFC4-6F175D3DCCD1}">
+              <a14:hiddenFill xmlns:a14="http://schemas.microsoft.com/office/drawing/2010/main">
+                <a:solidFill>
+                  <a:srgbClr val="FFFFFF"/>
+                </a:solidFill>
+              </a14:hiddenFill>
+            </a:ext>
+          </a:extLst>
+        </p:spPr>
+        <p:txBody>
+          <a:bodyPr wrap="square" rtlCol="0" anchor="ctr">
+            <a:spAutoFit/>
+          </a:bodyPr>
+          <a:lstStyle/>
+          <a:p>
+            <a:pPr algn="ctr"/>
+            <a:endParaRPr lang="zh-CN" altLang="en-US" sz="2000" b="1" dirty="0" smtClean="0">
+              <a:latin typeface="黑体" pitchFamily="49" charset="-122"/>
+              <a:ea typeface="黑体" pitchFamily="49" charset="-122"/>
+            </a:endParaRPr>
+          </a:p>
+        </p:txBody>
+      </p:sp>
+      <p:cxnSp>
+        <p:nvCxnSpPr>
+          <p:cNvPr id="18" name="直接连接符 17"/>
+          <p:cNvCxnSpPr>
+            <a:endCxn id="17" idx="1"/>
+          </p:cNvCxnSpPr>
+          <p:nvPr/>
+        </p:nvCxnSpPr>
+        <p:spPr bwMode="auto">
+          <a:xfrm>
+            <a:off x="3320928" y="2996953"/>
+            <a:ext cx="388671" cy="0"/>
+          </a:xfrm>
+          <a:prstGeom prst="line">
+            <a:avLst/>
+          </a:prstGeom>
+          <a:solidFill>
+            <a:schemeClr val="accent1"/>
+          </a:solidFill>
+          <a:ln w="28575" cap="flat" cmpd="sng" algn="ctr">
+            <a:solidFill>
+              <a:srgbClr val="7030A0"/>
+            </a:solidFill>
+            <a:prstDash val="sysDash"/>
+            <a:round/>
+            <a:headEnd type="none" w="med" len="med"/>
+            <a:tailEnd type="none" w="med" len="med"/>
+          </a:ln>
+          <a:effectLst/>
+        </p:spPr>
+      </p:cxnSp>
+      <p:sp>
+        <p:nvSpPr>
+          <p:cNvPr id="20" name="矩形 19"/>
+          <p:cNvSpPr/>
+          <p:nvPr/>
+        </p:nvSpPr>
+        <p:spPr>
+          <a:xfrm>
+            <a:off x="4098270" y="2796898"/>
+            <a:ext cx="1733167" cy="400110"/>
+          </a:xfrm>
+          <a:prstGeom prst="rect">
+            <a:avLst/>
+          </a:prstGeom>
+        </p:spPr>
+        <p:txBody>
+          <a:bodyPr wrap="none">
+            <a:spAutoFit/>
+          </a:bodyPr>
+          <a:lstStyle/>
+          <a:p>
+            <a:pPr marL="0" indent="0"/>
+            <a:r>
+              <a:rPr lang="zh-CN" altLang="en-US" sz="2000" b="1" dirty="0" smtClean="0">
+                <a:solidFill>
+                  <a:srgbClr val="002060"/>
+                </a:solidFill>
+              </a:rPr>
+              <a:t>输入参数校验</a:t>
+            </a:r>
+            <a:endParaRPr lang="en-US" altLang="zh-CN" sz="2000" b="1" dirty="0">
+              <a:solidFill>
+                <a:srgbClr val="002060"/>
+              </a:solidFill>
+            </a:endParaRPr>
+          </a:p>
+        </p:txBody>
+      </p:sp>
+      <p:sp>
+        <p:nvSpPr>
+          <p:cNvPr id="21" name="圆角矩形 20"/>
+          <p:cNvSpPr/>
+          <p:nvPr/>
+        </p:nvSpPr>
+        <p:spPr bwMode="auto">
+          <a:xfrm>
+            <a:off x="3692546" y="3494607"/>
+            <a:ext cx="2664296" cy="720080"/>
+          </a:xfrm>
+          <a:prstGeom prst="roundRect">
+            <a:avLst/>
+          </a:prstGeom>
+          <a:noFill/>
+          <a:ln w="28575">
+            <a:solidFill>
+              <a:srgbClr val="7030A0"/>
+            </a:solidFill>
+            <a:miter lim="800000"/>
+            <a:headEnd/>
+            <a:tailEnd/>
+          </a:ln>
+          <a:extLst>
+            <a:ext uri="{909E8E84-426E-40DD-AFC4-6F175D3DCCD1}">
+              <a14:hiddenFill xmlns:a14="http://schemas.microsoft.com/office/drawing/2010/main">
+                <a:solidFill>
+                  <a:srgbClr val="FFFFFF"/>
+                </a:solidFill>
+              </a14:hiddenFill>
+            </a:ext>
+          </a:extLst>
+        </p:spPr>
+        <p:txBody>
+          <a:bodyPr wrap="square" rtlCol="0" anchor="ctr">
+            <a:spAutoFit/>
+          </a:bodyPr>
+          <a:lstStyle/>
+          <a:p>
+            <a:pPr algn="ctr"/>
+            <a:endParaRPr lang="zh-CN" altLang="en-US" sz="2000" b="1" dirty="0" smtClean="0">
+              <a:latin typeface="黑体" pitchFamily="49" charset="-122"/>
+              <a:ea typeface="黑体" pitchFamily="49" charset="-122"/>
+            </a:endParaRPr>
+          </a:p>
+        </p:txBody>
+      </p:sp>
+      <p:cxnSp>
+        <p:nvCxnSpPr>
+          <p:cNvPr id="22" name="直接连接符 21"/>
+          <p:cNvCxnSpPr>
+            <a:endCxn id="21" idx="1"/>
+          </p:cNvCxnSpPr>
+          <p:nvPr/>
+        </p:nvCxnSpPr>
+        <p:spPr bwMode="auto">
+          <a:xfrm>
+            <a:off x="3303875" y="3854647"/>
+            <a:ext cx="388671" cy="0"/>
+          </a:xfrm>
+          <a:prstGeom prst="line">
+            <a:avLst/>
+          </a:prstGeom>
+          <a:solidFill>
+            <a:schemeClr val="accent1"/>
+          </a:solidFill>
+          <a:ln w="28575" cap="flat" cmpd="sng" algn="ctr">
+            <a:solidFill>
+              <a:srgbClr val="7030A0"/>
+            </a:solidFill>
+            <a:prstDash val="sysDash"/>
+            <a:round/>
+            <a:headEnd type="none" w="med" len="med"/>
+            <a:tailEnd type="none" w="med" len="med"/>
+          </a:ln>
+          <a:effectLst/>
+        </p:spPr>
+      </p:cxnSp>
+      <p:sp>
+        <p:nvSpPr>
+          <p:cNvPr id="23" name="矩形 22"/>
+          <p:cNvSpPr/>
+          <p:nvPr/>
+        </p:nvSpPr>
+        <p:spPr>
+          <a:xfrm>
+            <a:off x="4081217" y="3654592"/>
+            <a:ext cx="1991251" cy="400110"/>
+          </a:xfrm>
+          <a:prstGeom prst="rect">
+            <a:avLst/>
+          </a:prstGeom>
+        </p:spPr>
+        <p:txBody>
+          <a:bodyPr wrap="none">
+            <a:spAutoFit/>
+          </a:bodyPr>
+          <a:lstStyle/>
+          <a:p>
+            <a:pPr marL="0" indent="0"/>
+            <a:r>
+              <a:rPr lang="zh-CN" altLang="en-US" sz="2000" b="1" dirty="0" smtClean="0">
+                <a:solidFill>
+                  <a:srgbClr val="002060"/>
+                </a:solidFill>
+              </a:rPr>
+              <a:t>逻辑校验和判断</a:t>
+            </a:r>
+            <a:endParaRPr lang="en-US" altLang="zh-CN" sz="2000" b="1" dirty="0">
+              <a:solidFill>
+                <a:srgbClr val="002060"/>
+              </a:solidFill>
+            </a:endParaRPr>
+          </a:p>
+        </p:txBody>
+      </p:sp>
+      <p:sp>
+        <p:nvSpPr>
+          <p:cNvPr id="24" name="圆角矩形 23"/>
+          <p:cNvSpPr/>
+          <p:nvPr/>
+        </p:nvSpPr>
+        <p:spPr bwMode="auto">
+          <a:xfrm>
+            <a:off x="3685302" y="4322798"/>
+            <a:ext cx="2664296" cy="720080"/>
+          </a:xfrm>
+          <a:prstGeom prst="roundRect">
+            <a:avLst/>
+          </a:prstGeom>
+          <a:noFill/>
+          <a:ln w="28575">
+            <a:solidFill>
+              <a:srgbClr val="7030A0"/>
+            </a:solidFill>
+            <a:miter lim="800000"/>
+            <a:headEnd/>
+            <a:tailEnd/>
+          </a:ln>
+          <a:extLst>
+            <a:ext uri="{909E8E84-426E-40DD-AFC4-6F175D3DCCD1}">
+              <a14:hiddenFill xmlns:a14="http://schemas.microsoft.com/office/drawing/2010/main">
+                <a:solidFill>
+                  <a:srgbClr val="FFFFFF"/>
+                </a:solidFill>
+              </a14:hiddenFill>
+            </a:ext>
+          </a:extLst>
+        </p:spPr>
+        <p:txBody>
+          <a:bodyPr wrap="square" rtlCol="0" anchor="ctr">
+            <a:spAutoFit/>
+          </a:bodyPr>
+          <a:lstStyle/>
+          <a:p>
+            <a:pPr algn="ctr"/>
+            <a:endParaRPr lang="zh-CN" altLang="en-US" sz="2000" b="1" dirty="0" smtClean="0">
+              <a:latin typeface="黑体" pitchFamily="49" charset="-122"/>
+              <a:ea typeface="黑体" pitchFamily="49" charset="-122"/>
+            </a:endParaRPr>
+          </a:p>
+        </p:txBody>
+      </p:sp>
+      <p:cxnSp>
+        <p:nvCxnSpPr>
+          <p:cNvPr id="25" name="直接连接符 24"/>
+          <p:cNvCxnSpPr>
+            <a:endCxn id="24" idx="1"/>
+          </p:cNvCxnSpPr>
+          <p:nvPr/>
+        </p:nvCxnSpPr>
+        <p:spPr bwMode="auto">
+          <a:xfrm>
+            <a:off x="3296631" y="4682838"/>
+            <a:ext cx="388671" cy="0"/>
+          </a:xfrm>
+          <a:prstGeom prst="line">
+            <a:avLst/>
+          </a:prstGeom>
+          <a:solidFill>
+            <a:schemeClr val="accent1"/>
+          </a:solidFill>
+          <a:ln w="28575" cap="flat" cmpd="sng" algn="ctr">
+            <a:solidFill>
+              <a:srgbClr val="7030A0"/>
+            </a:solidFill>
+            <a:prstDash val="sysDash"/>
+            <a:round/>
+            <a:headEnd type="none" w="med" len="med"/>
+            <a:tailEnd type="none" w="med" len="med"/>
+          </a:ln>
+          <a:effectLst/>
+        </p:spPr>
+      </p:cxnSp>
+      <p:sp>
+        <p:nvSpPr>
+          <p:cNvPr id="26" name="矩形 25"/>
+          <p:cNvSpPr/>
+          <p:nvPr/>
+        </p:nvSpPr>
+        <p:spPr>
+          <a:xfrm>
+            <a:off x="3770985" y="4482782"/>
+            <a:ext cx="2507418" cy="400110"/>
+          </a:xfrm>
+          <a:prstGeom prst="rect">
+            <a:avLst/>
+          </a:prstGeom>
+        </p:spPr>
+        <p:txBody>
+          <a:bodyPr wrap="none">
+            <a:spAutoFit/>
+          </a:bodyPr>
+          <a:lstStyle/>
+          <a:p>
+            <a:pPr marL="0" indent="0"/>
+            <a:r>
+              <a:rPr lang="zh-CN" altLang="en-US" sz="2000" b="1" dirty="0" smtClean="0">
+                <a:solidFill>
+                  <a:srgbClr val="002060"/>
+                </a:solidFill>
+              </a:rPr>
+              <a:t>访问和运行日志记录</a:t>
+            </a:r>
+            <a:endParaRPr lang="en-US" altLang="zh-CN" sz="2000" b="1" dirty="0">
+              <a:solidFill>
+                <a:srgbClr val="002060"/>
+              </a:solidFill>
+            </a:endParaRPr>
+          </a:p>
+        </p:txBody>
+      </p:sp>
+      <p:sp>
+        <p:nvSpPr>
+          <p:cNvPr id="27" name="圆角矩形 26"/>
+          <p:cNvSpPr/>
+          <p:nvPr/>
+        </p:nvSpPr>
+        <p:spPr bwMode="auto">
+          <a:xfrm>
+            <a:off x="3685302" y="5138298"/>
+            <a:ext cx="2664296" cy="720080"/>
+          </a:xfrm>
+          <a:prstGeom prst="roundRect">
+            <a:avLst/>
+          </a:prstGeom>
+          <a:noFill/>
+          <a:ln w="28575">
+            <a:solidFill>
+              <a:srgbClr val="7030A0"/>
+            </a:solidFill>
+            <a:miter lim="800000"/>
+            <a:headEnd/>
+            <a:tailEnd/>
+          </a:ln>
+          <a:extLst>
+            <a:ext uri="{909E8E84-426E-40DD-AFC4-6F175D3DCCD1}">
+              <a14:hiddenFill xmlns:a14="http://schemas.microsoft.com/office/drawing/2010/main">
+                <a:solidFill>
+                  <a:srgbClr val="FFFFFF"/>
+                </a:solidFill>
+              </a14:hiddenFill>
+            </a:ext>
+          </a:extLst>
+        </p:spPr>
+        <p:txBody>
+          <a:bodyPr wrap="square" rtlCol="0" anchor="ctr">
+            <a:spAutoFit/>
+          </a:bodyPr>
+          <a:lstStyle/>
+          <a:p>
+            <a:pPr algn="ctr"/>
+            <a:endParaRPr lang="zh-CN" altLang="en-US" sz="2000" b="1" dirty="0" smtClean="0">
+              <a:latin typeface="黑体" pitchFamily="49" charset="-122"/>
+              <a:ea typeface="黑体" pitchFamily="49" charset="-122"/>
+            </a:endParaRPr>
+          </a:p>
+        </p:txBody>
+      </p:sp>
+      <p:cxnSp>
+        <p:nvCxnSpPr>
+          <p:cNvPr id="28" name="直接连接符 27"/>
+          <p:cNvCxnSpPr>
+            <a:endCxn id="27" idx="1"/>
+          </p:cNvCxnSpPr>
+          <p:nvPr/>
+        </p:nvCxnSpPr>
+        <p:spPr bwMode="auto">
+          <a:xfrm>
+            <a:off x="3296631" y="5498338"/>
+            <a:ext cx="388671" cy="0"/>
+          </a:xfrm>
+          <a:prstGeom prst="line">
+            <a:avLst/>
+          </a:prstGeom>
+          <a:solidFill>
+            <a:schemeClr val="accent1"/>
+          </a:solidFill>
+          <a:ln w="28575" cap="flat" cmpd="sng" algn="ctr">
+            <a:solidFill>
+              <a:srgbClr val="7030A0"/>
+            </a:solidFill>
+            <a:prstDash val="sysDash"/>
+            <a:round/>
+            <a:headEnd type="none" w="med" len="med"/>
+            <a:tailEnd type="none" w="med" len="med"/>
+          </a:ln>
+          <a:effectLst/>
+        </p:spPr>
+      </p:cxnSp>
+      <p:sp>
+        <p:nvSpPr>
+          <p:cNvPr id="29" name="矩形 28"/>
+          <p:cNvSpPr/>
+          <p:nvPr/>
+        </p:nvSpPr>
+        <p:spPr>
+          <a:xfrm>
+            <a:off x="3923120" y="5298283"/>
+            <a:ext cx="2249334" cy="400110"/>
+          </a:xfrm>
+          <a:prstGeom prst="rect">
+            <a:avLst/>
+          </a:prstGeom>
+        </p:spPr>
+        <p:txBody>
+          <a:bodyPr wrap="none">
+            <a:spAutoFit/>
+          </a:bodyPr>
+          <a:lstStyle/>
+          <a:p>
+            <a:pPr marL="0" indent="0"/>
+            <a:r>
+              <a:rPr lang="zh-CN" altLang="en-US" sz="2000" b="1" dirty="0" smtClean="0">
+                <a:solidFill>
+                  <a:srgbClr val="002060"/>
+                </a:solidFill>
+              </a:rPr>
+              <a:t>规范的数据库操作</a:t>
+            </a:r>
+            <a:endParaRPr lang="en-US" altLang="zh-CN" sz="2000" b="1" dirty="0">
+              <a:solidFill>
+                <a:srgbClr val="002060"/>
+              </a:solidFill>
+            </a:endParaRPr>
+          </a:p>
+        </p:txBody>
+      </p:sp>
+      <p:cxnSp>
+        <p:nvCxnSpPr>
+          <p:cNvPr id="16" name="直接箭头连接符 15"/>
+          <p:cNvCxnSpPr/>
+          <p:nvPr/>
+        </p:nvCxnSpPr>
+        <p:spPr bwMode="auto">
+          <a:xfrm>
+            <a:off x="7020272" y="1124744"/>
+            <a:ext cx="0" cy="5472608"/>
+          </a:xfrm>
+          <a:prstGeom prst="straightConnector1">
+            <a:avLst/>
+          </a:prstGeom>
+          <a:solidFill>
+            <a:schemeClr val="accent1"/>
+          </a:solidFill>
+          <a:ln w="76200" cap="flat" cmpd="sng" algn="ctr">
+            <a:solidFill>
+              <a:srgbClr val="7030A0"/>
+            </a:solidFill>
+            <a:prstDash val="solid"/>
+            <a:round/>
+            <a:headEnd type="none" w="med" len="med"/>
+            <a:tailEnd type="triangle"/>
+          </a:ln>
+          <a:effectLst/>
+        </p:spPr>
+      </p:cxnSp>
+      <p:sp>
+        <p:nvSpPr>
+          <p:cNvPr id="33" name="文本框 32"/>
           <p:cNvSpPr txBox="1"/>
           <p:nvPr/>
         </p:nvSpPr>
         <p:spPr>
           <a:xfrm>
-            <a:off x="395536" y="3068960"/>
-            <a:ext cx="601216" cy="1800200"/>
+            <a:off x="7384646" y="2796898"/>
+            <a:ext cx="645289" cy="2000255"/>
           </a:xfrm>
           <a:prstGeom prst="rect">
             <a:avLst/>
@@ -15876,15 +17189,20 @@
                   <a:srgbClr val="002060"/>
                 </a:solidFill>
               </a:rPr>
-              <a:t>身份认证</a:t>
-            </a:r>
+              <a:t>纵深防御</a:t>
+            </a:r>
+            <a:endParaRPr lang="zh-CN" altLang="en-US" sz="3600" b="1" dirty="0" smtClean="0">
+              <a:solidFill>
+                <a:srgbClr val="002060"/>
+              </a:solidFill>
+            </a:endParaRPr>
           </a:p>
         </p:txBody>
       </p:sp>
     </p:spTree>
     <p:extLst>
       <p:ext uri="{BB962C8B-B14F-4D97-AF65-F5344CB8AC3E}">
-        <p14:creationId xmlns:p14="http://schemas.microsoft.com/office/powerpoint/2010/main" val="1740332605"/>
+        <p14:creationId xmlns:p14="http://schemas.microsoft.com/office/powerpoint/2010/main" val="2024716231"/>
       </p:ext>
     </p:extLst>
   </p:cSld>
@@ -15909,201 +17227,7 @@
 </p:sld>
 </file>
 
-<file path=ppt/slides/slide6.xml><?xml version="1.0" encoding="utf-8"?>
-<p:sld xmlns:a="http://schemas.openxmlformats.org/drawingml/2006/main" xmlns:r="http://schemas.openxmlformats.org/officeDocument/2006/relationships" xmlns:p="http://schemas.openxmlformats.org/presentationml/2006/main">
-  <p:cSld>
-    <p:spTree>
-      <p:nvGrpSpPr>
-        <p:cNvPr id="1" name=""/>
-        <p:cNvGrpSpPr/>
-        <p:nvPr/>
-      </p:nvGrpSpPr>
-      <p:grpSpPr>
-        <a:xfrm>
-          <a:off x="0" y="0"/>
-          <a:ext cx="0" cy="0"/>
-          <a:chOff x="0" y="0"/>
-          <a:chExt cx="0" cy="0"/>
-        </a:xfrm>
-      </p:grpSpPr>
-      <p:sp>
-        <p:nvSpPr>
-          <p:cNvPr id="66" name="Rectangle 16">
-            <a:extLst>
-              <a:ext uri="{FF2B5EF4-FFF2-40B4-BE49-F238E27FC236}">
-                <a16:creationId xmlns:a16="http://schemas.microsoft.com/office/drawing/2014/main" id="{4AF15A40-D027-4B1B-9E09-A2FA1923521E}"/>
-              </a:ext>
-            </a:extLst>
-          </p:cNvPr>
-          <p:cNvSpPr>
-            <a:spLocks noChangeArrowheads="1"/>
-          </p:cNvSpPr>
-          <p:nvPr/>
-        </p:nvSpPr>
-        <p:spPr bwMode="auto">
-          <a:xfrm>
-            <a:off x="755650" y="-8397"/>
-            <a:ext cx="7632700" cy="763533"/>
-          </a:xfrm>
-          <a:prstGeom prst="rect">
-            <a:avLst/>
-          </a:prstGeom>
-          <a:noFill/>
-          <a:ln>
-            <a:noFill/>
-          </a:ln>
-          <a:extLst>
-            <a:ext uri="{909E8E84-426E-40DD-AFC4-6F175D3DCCD1}">
-              <a14:hiddenFill xmlns:a14="http://schemas.microsoft.com/office/drawing/2010/main">
-                <a:solidFill>
-                  <a:srgbClr val="FFFFFF"/>
-                </a:solidFill>
-              </a14:hiddenFill>
-            </a:ext>
-            <a:ext uri="{91240B29-F687-4F45-9708-019B960494DF}">
-              <a14:hiddenLine xmlns:a14="http://schemas.microsoft.com/office/drawing/2010/main" w="9525">
-                <a:solidFill>
-                  <a:srgbClr val="000000"/>
-                </a:solidFill>
-                <a:miter lim="800000"/>
-                <a:headEnd/>
-                <a:tailEnd/>
-              </a14:hiddenLine>
-            </a:ext>
-          </a:extLst>
-        </p:spPr>
-        <p:txBody>
-          <a:bodyPr vert="horz" wrap="square" lIns="91440" tIns="45720" rIns="91440" bIns="45720" numCol="1" anchor="ctr" anchorCtr="0" compatLnSpc="1">
-            <a:prstTxWarp prst="textNoShape">
-              <a:avLst/>
-            </a:prstTxWarp>
-          </a:bodyPr>
-          <a:lstStyle/>
-          <a:p>
-            <a:pPr algn="ctr"/>
-            <a:r>
-              <a:rPr lang="zh-CN" altLang="en-US" sz="4000" b="1" dirty="0" smtClean="0">
-                <a:solidFill>
-                  <a:srgbClr val="002060"/>
-                </a:solidFill>
-                <a:latin typeface="微软雅黑" pitchFamily="34" charset="-122"/>
-                <a:ea typeface="微软雅黑" pitchFamily="34" charset="-122"/>
-                <a:cs typeface="+mj-cs"/>
-              </a:rPr>
-              <a:t>算法流程设计</a:t>
-            </a:r>
-            <a:endParaRPr lang="zh-CN" altLang="en-US" sz="4000" b="1" dirty="0">
-              <a:solidFill>
-                <a:srgbClr val="002060"/>
-              </a:solidFill>
-              <a:latin typeface="微软雅黑" pitchFamily="34" charset="-122"/>
-              <a:ea typeface="微软雅黑" pitchFamily="34" charset="-122"/>
-              <a:cs typeface="+mj-cs"/>
-            </a:endParaRPr>
-          </a:p>
-        </p:txBody>
-      </p:sp>
-      <p:pic>
-        <p:nvPicPr>
-          <p:cNvPr id="2" name="图片 1"/>
-          <p:cNvPicPr>
-            <a:picLocks noChangeAspect="1"/>
-          </p:cNvPicPr>
-          <p:nvPr/>
-        </p:nvPicPr>
-        <p:blipFill>
-          <a:blip r:embed="rId3">
-            <a:extLst>
-              <a:ext uri="{28A0092B-C50C-407E-A947-70E740481C1C}">
-                <a14:useLocalDpi xmlns:a14="http://schemas.microsoft.com/office/drawing/2010/main" val="0"/>
-              </a:ext>
-            </a:extLst>
-          </a:blip>
-          <a:stretch>
-            <a:fillRect/>
-          </a:stretch>
-        </p:blipFill>
-        <p:spPr>
-          <a:xfrm>
-            <a:off x="1085555" y="980728"/>
-            <a:ext cx="7302795" cy="5760640"/>
-          </a:xfrm>
-          <a:prstGeom prst="rect">
-            <a:avLst/>
-          </a:prstGeom>
-        </p:spPr>
-      </p:pic>
-      <p:sp>
-        <p:nvSpPr>
-          <p:cNvPr id="6" name="文本框 5"/>
-          <p:cNvSpPr txBox="1"/>
-          <p:nvPr/>
-        </p:nvSpPr>
-        <p:spPr>
-          <a:xfrm>
-            <a:off x="395536" y="3068960"/>
-            <a:ext cx="601216" cy="1800200"/>
-          </a:xfrm>
-          <a:prstGeom prst="rect">
-            <a:avLst/>
-          </a:prstGeom>
-          <a:noFill/>
-          <a:ln w="28575" algn="ctr">
-            <a:noFill/>
-            <a:prstDash val="dash"/>
-            <a:miter lim="800000"/>
-            <a:headEnd/>
-            <a:tailEnd type="arrow" w="med" len="med"/>
-          </a:ln>
-          <a:effectLst/>
-        </p:spPr>
-        <p:txBody>
-          <a:bodyPr vert="eaVert" wrap="none" lIns="0" tIns="0" rIns="0" bIns="0" rtlCol="0" anchor="ctr" anchorCtr="0">
-            <a:noAutofit/>
-          </a:bodyPr>
-          <a:lstStyle/>
-          <a:p>
-            <a:pPr marL="0" indent="0"/>
-            <a:r>
-              <a:rPr lang="zh-CN" altLang="en-US" sz="3600" b="1" dirty="0" smtClean="0">
-                <a:solidFill>
-                  <a:srgbClr val="002060"/>
-                </a:solidFill>
-              </a:rPr>
-              <a:t>选举队长</a:t>
-            </a:r>
-          </a:p>
-        </p:txBody>
-      </p:sp>
-    </p:spTree>
-    <p:extLst>
-      <p:ext uri="{BB962C8B-B14F-4D97-AF65-F5344CB8AC3E}">
-        <p14:creationId xmlns:p14="http://schemas.microsoft.com/office/powerpoint/2010/main" val="4074907467"/>
-      </p:ext>
-    </p:extLst>
-  </p:cSld>
-  <p:clrMapOvr>
-    <a:masterClrMapping/>
-  </p:clrMapOvr>
-  <mc:AlternateContent xmlns:mc="http://schemas.openxmlformats.org/markup-compatibility/2006" xmlns:p14="http://schemas.microsoft.com/office/powerpoint/2010/main">
-    <mc:Choice Requires="p14">
-      <p:transition p14:dur="10"/>
-    </mc:Choice>
-    <mc:Fallback xmlns="">
-      <p:transition/>
-    </mc:Fallback>
-  </mc:AlternateContent>
-  <p:timing>
-    <p:tnLst>
-      <p:par>
-        <p:cTn id="1" dur="indefinite" restart="never" nodeType="tmRoot"/>
-      </p:par>
-    </p:tnLst>
-  </p:timing>
-</p:sld>
-</file>
-
-<file path=ppt/slides/slide7.xml><?xml version="1.0" encoding="utf-8"?>
+<file path=ppt/slides/slide13.xml><?xml version="1.0" encoding="utf-8"?>
 <p:sld xmlns:a="http://schemas.openxmlformats.org/drawingml/2006/main" xmlns:r="http://schemas.openxmlformats.org/officeDocument/2006/relationships" xmlns:p="http://schemas.openxmlformats.org/presentationml/2006/main">
   <p:cSld>
     <p:spTree>
@@ -16868,7 +17992,301 @@
 </p:sld>
 </file>
 
-<file path=ppt/slides/slide8.xml><?xml version="1.0" encoding="utf-8"?>
+<file path=ppt/slides/slide14.xml><?xml version="1.0" encoding="utf-8"?>
+<p:sld xmlns:a="http://schemas.openxmlformats.org/drawingml/2006/main" xmlns:r="http://schemas.openxmlformats.org/officeDocument/2006/relationships" xmlns:p="http://schemas.openxmlformats.org/presentationml/2006/main">
+  <p:cSld>
+    <p:spTree>
+      <p:nvGrpSpPr>
+        <p:cNvPr id="1" name=""/>
+        <p:cNvGrpSpPr/>
+        <p:nvPr/>
+      </p:nvGrpSpPr>
+      <p:grpSpPr>
+        <a:xfrm>
+          <a:off x="0" y="0"/>
+          <a:ext cx="0" cy="0"/>
+          <a:chOff x="0" y="0"/>
+          <a:chExt cx="0" cy="0"/>
+        </a:xfrm>
+      </p:grpSpPr>
+      <p:pic>
+        <p:nvPicPr>
+          <p:cNvPr id="68610" name="Picture 2" descr="礼堂5"/>
+          <p:cNvPicPr>
+            <a:picLocks noChangeAspect="1" noChangeArrowheads="1"/>
+          </p:cNvPicPr>
+          <p:nvPr/>
+        </p:nvPicPr>
+        <p:blipFill>
+          <a:blip r:embed="rId2">
+            <a:extLst>
+              <a:ext uri="{28A0092B-C50C-407E-A947-70E740481C1C}">
+                <a14:useLocalDpi xmlns:a14="http://schemas.microsoft.com/office/drawing/2010/main" val="0"/>
+              </a:ext>
+            </a:extLst>
+          </a:blip>
+          <a:srcRect/>
+          <a:stretch>
+            <a:fillRect/>
+          </a:stretch>
+        </p:blipFill>
+        <p:spPr bwMode="auto">
+          <a:xfrm>
+            <a:off x="3924300" y="5372100"/>
+            <a:ext cx="5219700" cy="1485900"/>
+          </a:xfrm>
+          <a:prstGeom prst="rect">
+            <a:avLst/>
+          </a:prstGeom>
+          <a:noFill/>
+          <a:ln>
+            <a:noFill/>
+          </a:ln>
+          <a:extLst>
+            <a:ext uri="{909E8E84-426E-40DD-AFC4-6F175D3DCCD1}">
+              <a14:hiddenFill xmlns:a14="http://schemas.microsoft.com/office/drawing/2010/main">
+                <a:solidFill>
+                  <a:srgbClr val="FFFFFF"/>
+                </a:solidFill>
+              </a14:hiddenFill>
+            </a:ext>
+            <a:ext uri="{91240B29-F687-4F45-9708-019B960494DF}">
+              <a14:hiddenLine xmlns:a14="http://schemas.microsoft.com/office/drawing/2010/main" w="9525" cmpd="sng">
+                <a:solidFill>
+                  <a:srgbClr val="000000"/>
+                </a:solidFill>
+                <a:bevel/>
+                <a:headEnd/>
+                <a:tailEnd/>
+              </a14:hiddenLine>
+            </a:ext>
+          </a:extLst>
+        </p:spPr>
+      </p:pic>
+      <p:pic>
+        <p:nvPicPr>
+          <p:cNvPr id="68612" name="Picture 9" descr="二校门"/>
+          <p:cNvPicPr>
+            <a:picLocks noChangeAspect="1" noChangeArrowheads="1"/>
+          </p:cNvPicPr>
+          <p:nvPr/>
+        </p:nvPicPr>
+        <p:blipFill>
+          <a:blip r:embed="rId3">
+            <a:extLst>
+              <a:ext uri="{28A0092B-C50C-407E-A947-70E740481C1C}">
+                <a14:useLocalDpi xmlns:a14="http://schemas.microsoft.com/office/drawing/2010/main" val="0"/>
+              </a:ext>
+            </a:extLst>
+          </a:blip>
+          <a:srcRect/>
+          <a:stretch>
+            <a:fillRect/>
+          </a:stretch>
+        </p:blipFill>
+        <p:spPr bwMode="auto">
+          <a:xfrm>
+            <a:off x="0" y="4267200"/>
+            <a:ext cx="2163763" cy="2590800"/>
+          </a:xfrm>
+          <a:prstGeom prst="rect">
+            <a:avLst/>
+          </a:prstGeom>
+          <a:noFill/>
+          <a:ln>
+            <a:noFill/>
+          </a:ln>
+          <a:extLst>
+            <a:ext uri="{909E8E84-426E-40DD-AFC4-6F175D3DCCD1}">
+              <a14:hiddenFill xmlns:a14="http://schemas.microsoft.com/office/drawing/2010/main">
+                <a:solidFill>
+                  <a:srgbClr val="FFFFFF"/>
+                </a:solidFill>
+              </a14:hiddenFill>
+            </a:ext>
+            <a:ext uri="{91240B29-F687-4F45-9708-019B960494DF}">
+              <a14:hiddenLine xmlns:a14="http://schemas.microsoft.com/office/drawing/2010/main" w="9525" cmpd="sng">
+                <a:solidFill>
+                  <a:srgbClr val="000000"/>
+                </a:solidFill>
+                <a:bevel/>
+                <a:headEnd/>
+                <a:tailEnd/>
+              </a14:hiddenLine>
+            </a:ext>
+          </a:extLst>
+        </p:spPr>
+      </p:pic>
+      <p:pic>
+        <p:nvPicPr>
+          <p:cNvPr id="68613" name="Picture 10"/>
+          <p:cNvPicPr>
+            <a:picLocks noChangeAspect="1" noChangeArrowheads="1"/>
+          </p:cNvPicPr>
+          <p:nvPr/>
+        </p:nvPicPr>
+        <p:blipFill>
+          <a:blip r:embed="rId4">
+            <a:extLst>
+              <a:ext uri="{28A0092B-C50C-407E-A947-70E740481C1C}">
+                <a14:useLocalDpi xmlns:a14="http://schemas.microsoft.com/office/drawing/2010/main" val="0"/>
+              </a:ext>
+            </a:extLst>
+          </a:blip>
+          <a:srcRect/>
+          <a:stretch>
+            <a:fillRect/>
+          </a:stretch>
+        </p:blipFill>
+        <p:spPr bwMode="auto">
+          <a:xfrm>
+            <a:off x="0" y="0"/>
+            <a:ext cx="1763713" cy="739775"/>
+          </a:xfrm>
+          <a:prstGeom prst="rect">
+            <a:avLst/>
+          </a:prstGeom>
+          <a:noFill/>
+          <a:ln>
+            <a:noFill/>
+          </a:ln>
+          <a:extLst>
+            <a:ext uri="{909E8E84-426E-40DD-AFC4-6F175D3DCCD1}">
+              <a14:hiddenFill xmlns:a14="http://schemas.microsoft.com/office/drawing/2010/main">
+                <a:solidFill>
+                  <a:srgbClr val="FFFFFF"/>
+                </a:solidFill>
+              </a14:hiddenFill>
+            </a:ext>
+            <a:ext uri="{91240B29-F687-4F45-9708-019B960494DF}">
+              <a14:hiddenLine xmlns:a14="http://schemas.microsoft.com/office/drawing/2010/main" w="9525" cmpd="sng">
+                <a:solidFill>
+                  <a:srgbClr val="000000"/>
+                </a:solidFill>
+                <a:bevel/>
+                <a:headEnd/>
+                <a:tailEnd/>
+              </a14:hiddenLine>
+            </a:ext>
+          </a:extLst>
+        </p:spPr>
+      </p:pic>
+      <p:sp>
+        <p:nvSpPr>
+          <p:cNvPr id="68615" name="Rectangle 5"/>
+          <p:cNvSpPr>
+            <a:spLocks noGrp="1" noChangeArrowheads="1"/>
+          </p:cNvSpPr>
+          <p:nvPr>
+            <p:ph type="subTitle" idx="4294967295"/>
+          </p:nvPr>
+        </p:nvSpPr>
+        <p:spPr bwMode="auto">
+          <a:xfrm>
+            <a:off x="1331640" y="2732088"/>
+            <a:ext cx="6400800" cy="1752600"/>
+          </a:xfrm>
+          <a:prstGeom prst="rect">
+            <a:avLst/>
+          </a:prstGeom>
+          <a:noFill/>
+          <a:ln/>
+          <a:extLst>
+            <a:ext uri="{909E8E84-426E-40DD-AFC4-6F175D3DCCD1}">
+              <a14:hiddenFill xmlns:a14="http://schemas.microsoft.com/office/drawing/2010/main">
+                <a:solidFill>
+                  <a:srgbClr val="FFFFFF"/>
+                </a:solidFill>
+              </a14:hiddenFill>
+            </a:ext>
+            <a:ext uri="{91240B29-F687-4F45-9708-019B960494DF}">
+              <a14:hiddenLine xmlns:a14="http://schemas.microsoft.com/office/drawing/2010/main" w="9525">
+                <a:solidFill>
+                  <a:srgbClr val="000000"/>
+                </a:solidFill>
+                <a:miter lim="800000"/>
+                <a:headEnd/>
+                <a:tailEnd/>
+              </a14:hiddenLine>
+            </a:ext>
+          </a:extLst>
+        </p:spPr>
+        <p:txBody>
+          <a:bodyPr/>
+          <a:lstStyle/>
+          <a:p>
+            <a:pPr marL="0" indent="0" algn="ctr" eaLnBrk="1" hangingPunct="1">
+              <a:buFontTx/>
+              <a:buNone/>
+            </a:pPr>
+            <a:r>
+              <a:rPr lang="zh-CN" altLang="en-US" sz="4400" b="1" dirty="0" smtClean="0">
+                <a:solidFill>
+                  <a:schemeClr val="accent5">
+                    <a:lumMod val="10000"/>
+                  </a:schemeClr>
+                </a:solidFill>
+                <a:latin typeface="黑体" pitchFamily="49" charset="-122"/>
+                <a:ea typeface="黑体" pitchFamily="49" charset="-122"/>
+                <a:sym typeface="黑体" pitchFamily="49" charset="-122"/>
+              </a:rPr>
+              <a:t>系统演示</a:t>
+            </a:r>
+            <a:endParaRPr lang="en-US" altLang="zh-CN" sz="4400" b="1" dirty="0" smtClean="0">
+              <a:solidFill>
+                <a:schemeClr val="accent5">
+                  <a:lumMod val="10000"/>
+                </a:schemeClr>
+              </a:solidFill>
+              <a:latin typeface="黑体" pitchFamily="49" charset="-122"/>
+              <a:ea typeface="黑体" pitchFamily="49" charset="-122"/>
+              <a:sym typeface="黑体" pitchFamily="49" charset="-122"/>
+            </a:endParaRPr>
+          </a:p>
+          <a:p>
+            <a:pPr marL="0" lvl="0" indent="0" algn="ctr" eaLnBrk="1" hangingPunct="1">
+              <a:buNone/>
+            </a:pPr>
+            <a:endParaRPr lang="en-US" altLang="zh-CN" sz="2800" dirty="0" smtClean="0">
+              <a:solidFill>
+                <a:srgbClr val="A50021"/>
+              </a:solidFill>
+              <a:latin typeface="黑体" pitchFamily="49" charset="-122"/>
+              <a:ea typeface="黑体" pitchFamily="49" charset="-122"/>
+              <a:sym typeface="黑体" pitchFamily="49" charset="-122"/>
+            </a:endParaRPr>
+          </a:p>
+        </p:txBody>
+      </p:sp>
+    </p:spTree>
+    <p:extLst>
+      <p:ext uri="{BB962C8B-B14F-4D97-AF65-F5344CB8AC3E}">
+        <p14:creationId xmlns:p14="http://schemas.microsoft.com/office/powerpoint/2010/main" val="1040114992"/>
+      </p:ext>
+    </p:extLst>
+  </p:cSld>
+  <p:clrMapOvr>
+    <a:masterClrMapping/>
+  </p:clrMapOvr>
+  <mc:AlternateContent xmlns:mc="http://schemas.openxmlformats.org/markup-compatibility/2006" xmlns:p14="http://schemas.microsoft.com/office/powerpoint/2010/main">
+    <mc:Choice Requires="p14">
+      <p:transition p14:dur="10"/>
+    </mc:Choice>
+    <mc:Fallback xmlns="">
+      <p:transition/>
+    </mc:Fallback>
+  </mc:AlternateContent>
+  <p:timing>
+    <p:tnLst>
+      <p:par>
+        <p:cTn id="1" dur="indefinite" restart="never" nodeType="tmRoot"/>
+      </p:par>
+    </p:tnLst>
+  </p:timing>
+</p:sld>
+</file>
+
+<file path=ppt/slides/slide15.xml><?xml version="1.0" encoding="utf-8"?>
 <p:sld xmlns:a="http://schemas.openxmlformats.org/drawingml/2006/main" xmlns:r="http://schemas.openxmlformats.org/officeDocument/2006/relationships" xmlns:p="http://schemas.openxmlformats.org/presentationml/2006/main" showMasterSp="0">
   <p:cSld>
     <p:spTree>
@@ -17190,6 +18608,2890 @@
   <p:clrMapOvr>
     <a:masterClrMapping/>
   </p:clrMapOvr>
+  <p:timing>
+    <p:tnLst>
+      <p:par>
+        <p:cTn id="1" dur="indefinite" restart="never" nodeType="tmRoot"/>
+      </p:par>
+    </p:tnLst>
+  </p:timing>
+</p:sld>
+</file>
+
+<file path=ppt/slides/slide2.xml><?xml version="1.0" encoding="utf-8"?>
+<p:sld xmlns:a="http://schemas.openxmlformats.org/drawingml/2006/main" xmlns:r="http://schemas.openxmlformats.org/officeDocument/2006/relationships" xmlns:p="http://schemas.openxmlformats.org/presentationml/2006/main">
+  <p:cSld>
+    <p:spTree>
+      <p:nvGrpSpPr>
+        <p:cNvPr id="1" name=""/>
+        <p:cNvGrpSpPr/>
+        <p:nvPr/>
+      </p:nvGrpSpPr>
+      <p:grpSpPr>
+        <a:xfrm>
+          <a:off x="0" y="0"/>
+          <a:ext cx="0" cy="0"/>
+          <a:chOff x="0" y="0"/>
+          <a:chExt cx="0" cy="0"/>
+        </a:xfrm>
+      </p:grpSpPr>
+      <p:sp>
+        <p:nvSpPr>
+          <p:cNvPr id="27650" name="Rectangle 16"/>
+          <p:cNvSpPr>
+            <a:spLocks noChangeArrowheads="1"/>
+          </p:cNvSpPr>
+          <p:nvPr/>
+        </p:nvSpPr>
+        <p:spPr bwMode="auto">
+          <a:xfrm>
+            <a:off x="691521" y="332742"/>
+            <a:ext cx="7632700" cy="914400"/>
+          </a:xfrm>
+          <a:prstGeom prst="rect">
+            <a:avLst/>
+          </a:prstGeom>
+          <a:noFill/>
+          <a:ln>
+            <a:noFill/>
+          </a:ln>
+          <a:extLst>
+            <a:ext uri="{909E8E84-426E-40DD-AFC4-6F175D3DCCD1}">
+              <a14:hiddenFill xmlns:a14="http://schemas.microsoft.com/office/drawing/2010/main">
+                <a:solidFill>
+                  <a:srgbClr val="FFFFFF"/>
+                </a:solidFill>
+              </a14:hiddenFill>
+            </a:ext>
+            <a:ext uri="{91240B29-F687-4F45-9708-019B960494DF}">
+              <a14:hiddenLine xmlns:a14="http://schemas.microsoft.com/office/drawing/2010/main" w="9525">
+                <a:solidFill>
+                  <a:srgbClr val="000000"/>
+                </a:solidFill>
+                <a:miter lim="800000"/>
+                <a:headEnd/>
+                <a:tailEnd/>
+              </a14:hiddenLine>
+            </a:ext>
+          </a:extLst>
+        </p:spPr>
+        <p:txBody>
+          <a:bodyPr vert="horz" wrap="square" lIns="91440" tIns="45720" rIns="91440" bIns="45720" numCol="1" anchor="ctr" anchorCtr="0" compatLnSpc="1">
+            <a:prstTxWarp prst="textNoShape">
+              <a:avLst/>
+            </a:prstTxWarp>
+          </a:bodyPr>
+          <a:lstStyle/>
+          <a:p>
+            <a:pPr algn="ctr"/>
+            <a:r>
+              <a:rPr lang="zh-CN" altLang="en-US" sz="4000" b="1" dirty="0">
+                <a:solidFill>
+                  <a:srgbClr val="002060"/>
+                </a:solidFill>
+                <a:latin typeface="微软雅黑" pitchFamily="34" charset="-122"/>
+                <a:ea typeface="微软雅黑" pitchFamily="34" charset="-122"/>
+                <a:cs typeface="+mj-cs"/>
+                <a:sym typeface="微软雅黑" pitchFamily="34" charset="-122"/>
+              </a:rPr>
+              <a:t>内容提要</a:t>
+            </a:r>
+            <a:endParaRPr lang="zh-CN" altLang="en-US" sz="4000" b="1" dirty="0">
+              <a:solidFill>
+                <a:srgbClr val="002060"/>
+              </a:solidFill>
+              <a:latin typeface="微软雅黑" pitchFamily="34" charset="-122"/>
+              <a:ea typeface="微软雅黑" pitchFamily="34" charset="-122"/>
+              <a:cs typeface="+mj-cs"/>
+            </a:endParaRPr>
+          </a:p>
+        </p:txBody>
+      </p:sp>
+      <p:sp>
+        <p:nvSpPr>
+          <p:cNvPr id="4" name="内容占位符 2"/>
+          <p:cNvSpPr txBox="1">
+            <a:spLocks/>
+          </p:cNvSpPr>
+          <p:nvPr/>
+        </p:nvSpPr>
+        <p:spPr bwMode="auto">
+          <a:xfrm>
+            <a:off x="1907778" y="2060886"/>
+            <a:ext cx="6264554" cy="3684587"/>
+          </a:xfrm>
+          <a:prstGeom prst="rect">
+            <a:avLst/>
+          </a:prstGeom>
+          <a:noFill/>
+          <a:ln>
+            <a:noFill/>
+          </a:ln>
+          <a:extLst>
+            <a:ext uri="{909E8E84-426E-40DD-AFC4-6F175D3DCCD1}">
+              <a14:hiddenFill xmlns:a14="http://schemas.microsoft.com/office/drawing/2010/main">
+                <a:solidFill>
+                  <a:srgbClr val="FFFFFF"/>
+                </a:solidFill>
+              </a14:hiddenFill>
+            </a:ext>
+            <a:ext uri="{91240B29-F687-4F45-9708-019B960494DF}">
+              <a14:hiddenLine xmlns:a14="http://schemas.microsoft.com/office/drawing/2010/main" w="9525">
+                <a:solidFill>
+                  <a:srgbClr val="000000"/>
+                </a:solidFill>
+                <a:miter lim="800000"/>
+                <a:headEnd/>
+                <a:tailEnd/>
+              </a14:hiddenLine>
+            </a:ext>
+          </a:extLst>
+        </p:spPr>
+        <p:txBody>
+          <a:bodyPr/>
+          <a:lstStyle>
+            <a:lvl1pPr marL="342900" indent="-342900" algn="l" rtl="0" eaLnBrk="0" fontAlgn="base" hangingPunct="0">
+              <a:spcBef>
+                <a:spcPct val="20000"/>
+              </a:spcBef>
+              <a:spcAft>
+                <a:spcPct val="0"/>
+              </a:spcAft>
+              <a:buChar char="•"/>
+              <a:defRPr sz="3200">
+                <a:solidFill>
+                  <a:schemeClr val="tx1"/>
+                </a:solidFill>
+                <a:latin typeface="+mn-lt"/>
+                <a:ea typeface="+mn-ea"/>
+                <a:cs typeface="+mn-cs"/>
+              </a:defRPr>
+            </a:lvl1pPr>
+            <a:lvl2pPr marL="742950" indent="-285750" algn="l" rtl="0" eaLnBrk="0" fontAlgn="base" hangingPunct="0">
+              <a:spcBef>
+                <a:spcPct val="20000"/>
+              </a:spcBef>
+              <a:spcAft>
+                <a:spcPct val="0"/>
+              </a:spcAft>
+              <a:buChar char="–"/>
+              <a:defRPr sz="2800">
+                <a:solidFill>
+                  <a:schemeClr val="tx1"/>
+                </a:solidFill>
+                <a:latin typeface="+mn-lt"/>
+                <a:cs typeface="+mn-cs"/>
+              </a:defRPr>
+            </a:lvl2pPr>
+            <a:lvl3pPr marL="1143000" indent="-228600" algn="l" rtl="0" eaLnBrk="0" fontAlgn="base" hangingPunct="0">
+              <a:spcBef>
+                <a:spcPct val="20000"/>
+              </a:spcBef>
+              <a:spcAft>
+                <a:spcPct val="0"/>
+              </a:spcAft>
+              <a:buChar char="•"/>
+              <a:defRPr sz="2400">
+                <a:solidFill>
+                  <a:schemeClr val="tx1"/>
+                </a:solidFill>
+                <a:latin typeface="+mn-lt"/>
+                <a:cs typeface="+mn-cs"/>
+              </a:defRPr>
+            </a:lvl3pPr>
+            <a:lvl4pPr marL="1600200" indent="-228600" algn="l" rtl="0" eaLnBrk="0" fontAlgn="base" hangingPunct="0">
+              <a:spcBef>
+                <a:spcPct val="20000"/>
+              </a:spcBef>
+              <a:spcAft>
+                <a:spcPct val="0"/>
+              </a:spcAft>
+              <a:buChar char="–"/>
+              <a:defRPr sz="2000">
+                <a:solidFill>
+                  <a:schemeClr val="tx1"/>
+                </a:solidFill>
+                <a:latin typeface="+mn-lt"/>
+                <a:cs typeface="+mn-cs"/>
+              </a:defRPr>
+            </a:lvl4pPr>
+            <a:lvl5pPr marL="2057400" indent="-228600" algn="l" rtl="0" eaLnBrk="0" fontAlgn="base" hangingPunct="0">
+              <a:spcBef>
+                <a:spcPct val="20000"/>
+              </a:spcBef>
+              <a:spcAft>
+                <a:spcPct val="0"/>
+              </a:spcAft>
+              <a:buChar char="»"/>
+              <a:defRPr sz="2000">
+                <a:solidFill>
+                  <a:schemeClr val="tx1"/>
+                </a:solidFill>
+                <a:latin typeface="+mn-lt"/>
+                <a:cs typeface="+mn-cs"/>
+              </a:defRPr>
+            </a:lvl5pPr>
+            <a:lvl6pPr marL="2514600" indent="-228600" algn="l" rtl="0" fontAlgn="base">
+              <a:spcBef>
+                <a:spcPct val="20000"/>
+              </a:spcBef>
+              <a:spcAft>
+                <a:spcPct val="0"/>
+              </a:spcAft>
+              <a:buChar char="»"/>
+              <a:defRPr sz="2000">
+                <a:solidFill>
+                  <a:schemeClr val="tx1"/>
+                </a:solidFill>
+                <a:latin typeface="+mn-lt"/>
+                <a:cs typeface="+mn-cs"/>
+              </a:defRPr>
+            </a:lvl6pPr>
+            <a:lvl7pPr marL="2971800" indent="-228600" algn="l" rtl="0" fontAlgn="base">
+              <a:spcBef>
+                <a:spcPct val="20000"/>
+              </a:spcBef>
+              <a:spcAft>
+                <a:spcPct val="0"/>
+              </a:spcAft>
+              <a:buChar char="»"/>
+              <a:defRPr sz="2000">
+                <a:solidFill>
+                  <a:schemeClr val="tx1"/>
+                </a:solidFill>
+                <a:latin typeface="+mn-lt"/>
+                <a:cs typeface="+mn-cs"/>
+              </a:defRPr>
+            </a:lvl7pPr>
+            <a:lvl8pPr marL="3429000" indent="-228600" algn="l" rtl="0" fontAlgn="base">
+              <a:spcBef>
+                <a:spcPct val="20000"/>
+              </a:spcBef>
+              <a:spcAft>
+                <a:spcPct val="0"/>
+              </a:spcAft>
+              <a:buChar char="»"/>
+              <a:defRPr sz="2000">
+                <a:solidFill>
+                  <a:schemeClr val="tx1"/>
+                </a:solidFill>
+                <a:latin typeface="+mn-lt"/>
+                <a:cs typeface="+mn-cs"/>
+              </a:defRPr>
+            </a:lvl8pPr>
+            <a:lvl9pPr marL="3886200" indent="-228600" algn="l" rtl="0" fontAlgn="base">
+              <a:spcBef>
+                <a:spcPct val="20000"/>
+              </a:spcBef>
+              <a:spcAft>
+                <a:spcPct val="0"/>
+              </a:spcAft>
+              <a:buChar char="»"/>
+              <a:defRPr sz="2000">
+                <a:solidFill>
+                  <a:schemeClr val="tx1"/>
+                </a:solidFill>
+                <a:latin typeface="+mn-lt"/>
+                <a:cs typeface="+mn-cs"/>
+              </a:defRPr>
+            </a:lvl9pPr>
+          </a:lstStyle>
+          <a:p>
+            <a:pPr marL="742950" marR="0" lvl="0" indent="-742950" algn="l" defTabSz="914400" rtl="0" eaLnBrk="0" fontAlgn="base" latinLnBrk="0" hangingPunct="0">
+              <a:lnSpc>
+                <a:spcPct val="120000"/>
+              </a:lnSpc>
+              <a:spcBef>
+                <a:spcPct val="20000"/>
+              </a:spcBef>
+              <a:spcAft>
+                <a:spcPct val="0"/>
+              </a:spcAft>
+              <a:buClrTx/>
+              <a:buSzTx/>
+              <a:buFontTx/>
+              <a:buAutoNum type="arabicPeriod"/>
+              <a:tabLst/>
+              <a:defRPr/>
+            </a:pPr>
+            <a:r>
+              <a:rPr kumimoji="0" lang="zh-CN" altLang="en-US" sz="3200" b="0" i="0" u="none" strike="noStrike" kern="0" cap="none" spc="0" normalizeH="0" baseline="0" noProof="0" dirty="0" smtClean="0">
+                <a:ln>
+                  <a:noFill/>
+                </a:ln>
+                <a:solidFill>
+                  <a:srgbClr val="003366"/>
+                </a:solidFill>
+                <a:effectLst/>
+                <a:uLnTx/>
+                <a:uFillTx/>
+                <a:latin typeface="微软雅黑" pitchFamily="34" charset="-122"/>
+                <a:ea typeface="微软雅黑" pitchFamily="34" charset="-122"/>
+                <a:cs typeface="Arial"/>
+              </a:rPr>
+              <a:t>系统技术架构</a:t>
+            </a:r>
+            <a:endParaRPr kumimoji="0" lang="en-US" altLang="zh-CN" sz="3200" b="0" i="0" u="none" strike="noStrike" kern="0" cap="none" spc="0" normalizeH="0" baseline="0" noProof="0" dirty="0" smtClean="0">
+              <a:ln>
+                <a:noFill/>
+              </a:ln>
+              <a:solidFill>
+                <a:srgbClr val="003366"/>
+              </a:solidFill>
+              <a:effectLst/>
+              <a:uLnTx/>
+              <a:uFillTx/>
+              <a:latin typeface="微软雅黑" pitchFamily="34" charset="-122"/>
+              <a:ea typeface="微软雅黑" pitchFamily="34" charset="-122"/>
+              <a:cs typeface="Arial"/>
+            </a:endParaRPr>
+          </a:p>
+          <a:p>
+            <a:pPr marL="742950" marR="0" lvl="0" indent="-742950" algn="l" defTabSz="914400" rtl="0" eaLnBrk="0" fontAlgn="base" latinLnBrk="0" hangingPunct="0">
+              <a:lnSpc>
+                <a:spcPct val="120000"/>
+              </a:lnSpc>
+              <a:spcBef>
+                <a:spcPct val="20000"/>
+              </a:spcBef>
+              <a:spcAft>
+                <a:spcPct val="0"/>
+              </a:spcAft>
+              <a:buClrTx/>
+              <a:buSzTx/>
+              <a:buFontTx/>
+              <a:buAutoNum type="arabicPeriod"/>
+              <a:tabLst/>
+              <a:defRPr/>
+            </a:pPr>
+            <a:r>
+              <a:rPr kumimoji="0" lang="zh-CN" altLang="en-US" sz="3200" b="0" i="0" u="none" strike="noStrike" kern="0" cap="none" spc="0" normalizeH="0" baseline="0" noProof="0" dirty="0" smtClean="0">
+                <a:ln>
+                  <a:noFill/>
+                </a:ln>
+                <a:solidFill>
+                  <a:srgbClr val="003366"/>
+                </a:solidFill>
+                <a:effectLst/>
+                <a:uLnTx/>
+                <a:uFillTx/>
+                <a:latin typeface="微软雅黑" pitchFamily="34" charset="-122"/>
+                <a:ea typeface="微软雅黑" pitchFamily="34" charset="-122"/>
+                <a:cs typeface="Arial"/>
+              </a:rPr>
+              <a:t>算法流程设计</a:t>
+            </a:r>
+            <a:endParaRPr kumimoji="0" lang="en-US" altLang="zh-CN" sz="3200" b="0" i="0" u="none" strike="noStrike" kern="0" cap="none" spc="0" normalizeH="0" baseline="0" noProof="0" dirty="0" smtClean="0">
+              <a:ln>
+                <a:noFill/>
+              </a:ln>
+              <a:solidFill>
+                <a:srgbClr val="003366"/>
+              </a:solidFill>
+              <a:effectLst/>
+              <a:uLnTx/>
+              <a:uFillTx/>
+              <a:latin typeface="微软雅黑" pitchFamily="34" charset="-122"/>
+              <a:ea typeface="微软雅黑" pitchFamily="34" charset="-122"/>
+              <a:cs typeface="Arial"/>
+            </a:endParaRPr>
+          </a:p>
+          <a:p>
+            <a:pPr marL="742950" marR="0" lvl="0" indent="-742950" algn="l" defTabSz="914400" rtl="0" eaLnBrk="0" fontAlgn="base" latinLnBrk="0" hangingPunct="0">
+              <a:lnSpc>
+                <a:spcPct val="120000"/>
+              </a:lnSpc>
+              <a:spcBef>
+                <a:spcPct val="20000"/>
+              </a:spcBef>
+              <a:spcAft>
+                <a:spcPct val="0"/>
+              </a:spcAft>
+              <a:buClrTx/>
+              <a:buSzTx/>
+              <a:buFontTx/>
+              <a:buAutoNum type="arabicPeriod"/>
+              <a:tabLst/>
+              <a:defRPr/>
+            </a:pPr>
+            <a:r>
+              <a:rPr kumimoji="0" lang="zh-CN" altLang="en-US" sz="3200" b="0" i="0" u="none" strike="noStrike" kern="0" cap="none" spc="0" normalizeH="0" baseline="0" noProof="0" dirty="0" smtClean="0">
+                <a:ln>
+                  <a:noFill/>
+                </a:ln>
+                <a:solidFill>
+                  <a:srgbClr val="003366"/>
+                </a:solidFill>
+                <a:effectLst/>
+                <a:uLnTx/>
+                <a:uFillTx/>
+                <a:latin typeface="微软雅黑" pitchFamily="34" charset="-122"/>
+                <a:ea typeface="微软雅黑" pitchFamily="34" charset="-122"/>
+                <a:cs typeface="Arial"/>
+              </a:rPr>
+              <a:t>系统特色</a:t>
+            </a:r>
+            <a:endParaRPr kumimoji="0" lang="en-US" altLang="zh-CN" sz="3200" b="0" i="0" u="none" strike="noStrike" kern="0" cap="none" spc="0" normalizeH="0" baseline="0" noProof="0" dirty="0" smtClean="0">
+              <a:ln>
+                <a:noFill/>
+              </a:ln>
+              <a:solidFill>
+                <a:srgbClr val="003366"/>
+              </a:solidFill>
+              <a:effectLst/>
+              <a:uLnTx/>
+              <a:uFillTx/>
+              <a:latin typeface="微软雅黑" pitchFamily="34" charset="-122"/>
+              <a:ea typeface="微软雅黑" pitchFamily="34" charset="-122"/>
+              <a:cs typeface="Arial"/>
+            </a:endParaRPr>
+          </a:p>
+          <a:p>
+            <a:pPr marL="742950" marR="0" lvl="0" indent="-742950" algn="l" defTabSz="914400" rtl="0" eaLnBrk="0" fontAlgn="base" latinLnBrk="0" hangingPunct="0">
+              <a:lnSpc>
+                <a:spcPct val="120000"/>
+              </a:lnSpc>
+              <a:spcBef>
+                <a:spcPct val="20000"/>
+              </a:spcBef>
+              <a:spcAft>
+                <a:spcPct val="0"/>
+              </a:spcAft>
+              <a:buClrTx/>
+              <a:buSzTx/>
+              <a:buFontTx/>
+              <a:buAutoNum type="arabicPeriod"/>
+              <a:tabLst/>
+              <a:defRPr/>
+            </a:pPr>
+            <a:r>
+              <a:rPr kumimoji="0" lang="zh-CN" altLang="en-US" sz="3200" b="0" i="0" u="none" strike="noStrike" kern="0" cap="none" spc="0" normalizeH="0" baseline="0" noProof="0" dirty="0" smtClean="0">
+                <a:ln>
+                  <a:noFill/>
+                </a:ln>
+                <a:solidFill>
+                  <a:srgbClr val="003366"/>
+                </a:solidFill>
+                <a:effectLst/>
+                <a:uLnTx/>
+                <a:uFillTx/>
+                <a:latin typeface="微软雅黑" pitchFamily="34" charset="-122"/>
+                <a:ea typeface="微软雅黑" pitchFamily="34" charset="-122"/>
+                <a:cs typeface="Arial"/>
+              </a:rPr>
+              <a:t>系统演示</a:t>
+            </a:r>
+            <a:endParaRPr kumimoji="0" lang="en-US" altLang="zh-CN" sz="3200" b="0" i="0" u="none" strike="noStrike" kern="0" cap="none" spc="0" normalizeH="0" baseline="0" noProof="0" dirty="0">
+              <a:ln>
+                <a:noFill/>
+              </a:ln>
+              <a:solidFill>
+                <a:srgbClr val="003366"/>
+              </a:solidFill>
+              <a:effectLst/>
+              <a:uLnTx/>
+              <a:uFillTx/>
+              <a:latin typeface="微软雅黑" pitchFamily="34" charset="-122"/>
+              <a:ea typeface="微软雅黑" pitchFamily="34" charset="-122"/>
+              <a:cs typeface="Arial"/>
+            </a:endParaRPr>
+          </a:p>
+          <a:p>
+            <a:pPr marL="742950" marR="0" lvl="0" indent="-742950" algn="l" defTabSz="914400" rtl="0" eaLnBrk="0" fontAlgn="base" latinLnBrk="0" hangingPunct="0">
+              <a:lnSpc>
+                <a:spcPct val="120000"/>
+              </a:lnSpc>
+              <a:spcBef>
+                <a:spcPct val="20000"/>
+              </a:spcBef>
+              <a:spcAft>
+                <a:spcPct val="0"/>
+              </a:spcAft>
+              <a:buClrTx/>
+              <a:buSzTx/>
+              <a:buFontTx/>
+              <a:buAutoNum type="arabicPeriod"/>
+              <a:tabLst/>
+              <a:defRPr/>
+            </a:pPr>
+            <a:endParaRPr kumimoji="0" lang="en-US" altLang="zh-CN" sz="3200" b="0" i="0" u="none" strike="noStrike" kern="0" cap="none" spc="0" normalizeH="0" baseline="0" noProof="0" dirty="0" smtClean="0">
+              <a:ln>
+                <a:noFill/>
+              </a:ln>
+              <a:solidFill>
+                <a:srgbClr val="003366"/>
+              </a:solidFill>
+              <a:effectLst/>
+              <a:uLnTx/>
+              <a:uFillTx/>
+              <a:latin typeface="微软雅黑" pitchFamily="34" charset="-122"/>
+              <a:ea typeface="微软雅黑" pitchFamily="34" charset="-122"/>
+              <a:cs typeface="Arial"/>
+            </a:endParaRPr>
+          </a:p>
+        </p:txBody>
+      </p:sp>
+    </p:spTree>
+    <p:extLst>
+      <p:ext uri="{BB962C8B-B14F-4D97-AF65-F5344CB8AC3E}">
+        <p14:creationId xmlns:p14="http://schemas.microsoft.com/office/powerpoint/2010/main" val="2614427184"/>
+      </p:ext>
+    </p:extLst>
+  </p:cSld>
+  <p:clrMapOvr>
+    <a:masterClrMapping/>
+  </p:clrMapOvr>
+  <mc:AlternateContent xmlns:mc="http://schemas.openxmlformats.org/markup-compatibility/2006" xmlns:p14="http://schemas.microsoft.com/office/powerpoint/2010/main">
+    <mc:Choice Requires="p14">
+      <p:transition p14:dur="0"/>
+    </mc:Choice>
+    <mc:Fallback xmlns="">
+      <p:transition/>
+    </mc:Fallback>
+  </mc:AlternateContent>
+  <p:timing>
+    <p:tnLst>
+      <p:par>
+        <p:cTn id="1" dur="indefinite" restart="never" nodeType="tmRoot"/>
+      </p:par>
+    </p:tnLst>
+  </p:timing>
+</p:sld>
+</file>
+
+<file path=ppt/slides/slide3.xml><?xml version="1.0" encoding="utf-8"?>
+<p:sld xmlns:a="http://schemas.openxmlformats.org/drawingml/2006/main" xmlns:r="http://schemas.openxmlformats.org/officeDocument/2006/relationships" xmlns:p="http://schemas.openxmlformats.org/presentationml/2006/main">
+  <p:cSld>
+    <p:spTree>
+      <p:nvGrpSpPr>
+        <p:cNvPr id="1" name=""/>
+        <p:cNvGrpSpPr/>
+        <p:nvPr/>
+      </p:nvGrpSpPr>
+      <p:grpSpPr>
+        <a:xfrm>
+          <a:off x="0" y="0"/>
+          <a:ext cx="0" cy="0"/>
+          <a:chOff x="0" y="0"/>
+          <a:chExt cx="0" cy="0"/>
+        </a:xfrm>
+      </p:grpSpPr>
+      <p:sp>
+        <p:nvSpPr>
+          <p:cNvPr id="66" name="Rectangle 16">
+            <a:extLst>
+              <a:ext uri="{FF2B5EF4-FFF2-40B4-BE49-F238E27FC236}">
+                <a16:creationId xmlns:a16="http://schemas.microsoft.com/office/drawing/2014/main" id="{4AF15A40-D027-4B1B-9E09-A2FA1923521E}"/>
+              </a:ext>
+            </a:extLst>
+          </p:cNvPr>
+          <p:cNvSpPr>
+            <a:spLocks noChangeArrowheads="1"/>
+          </p:cNvSpPr>
+          <p:nvPr/>
+        </p:nvSpPr>
+        <p:spPr bwMode="auto">
+          <a:xfrm>
+            <a:off x="755650" y="-8397"/>
+            <a:ext cx="7632700" cy="763533"/>
+          </a:xfrm>
+          <a:prstGeom prst="rect">
+            <a:avLst/>
+          </a:prstGeom>
+          <a:noFill/>
+          <a:ln>
+            <a:noFill/>
+          </a:ln>
+          <a:extLst>
+            <a:ext uri="{909E8E84-426E-40DD-AFC4-6F175D3DCCD1}">
+              <a14:hiddenFill xmlns:a14="http://schemas.microsoft.com/office/drawing/2010/main">
+                <a:solidFill>
+                  <a:srgbClr val="FFFFFF"/>
+                </a:solidFill>
+              </a14:hiddenFill>
+            </a:ext>
+            <a:ext uri="{91240B29-F687-4F45-9708-019B960494DF}">
+              <a14:hiddenLine xmlns:a14="http://schemas.microsoft.com/office/drawing/2010/main" w="9525">
+                <a:solidFill>
+                  <a:srgbClr val="000000"/>
+                </a:solidFill>
+                <a:miter lim="800000"/>
+                <a:headEnd/>
+                <a:tailEnd/>
+              </a14:hiddenLine>
+            </a:ext>
+          </a:extLst>
+        </p:spPr>
+        <p:txBody>
+          <a:bodyPr vert="horz" wrap="square" lIns="91440" tIns="45720" rIns="91440" bIns="45720" numCol="1" anchor="ctr" anchorCtr="0" compatLnSpc="1">
+            <a:prstTxWarp prst="textNoShape">
+              <a:avLst/>
+            </a:prstTxWarp>
+          </a:bodyPr>
+          <a:lstStyle/>
+          <a:p>
+            <a:pPr algn="ctr"/>
+            <a:r>
+              <a:rPr lang="zh-CN" altLang="en-US" sz="4000" b="1" dirty="0" smtClean="0">
+                <a:solidFill>
+                  <a:srgbClr val="002060"/>
+                </a:solidFill>
+                <a:latin typeface="微软雅黑" pitchFamily="34" charset="-122"/>
+                <a:ea typeface="微软雅黑" pitchFamily="34" charset="-122"/>
+                <a:cs typeface="+mj-cs"/>
+              </a:rPr>
+              <a:t>系统技术架构</a:t>
+            </a:r>
+            <a:endParaRPr lang="zh-CN" altLang="en-US" sz="4000" b="1" dirty="0">
+              <a:solidFill>
+                <a:srgbClr val="002060"/>
+              </a:solidFill>
+              <a:latin typeface="微软雅黑" pitchFamily="34" charset="-122"/>
+              <a:ea typeface="微软雅黑" pitchFamily="34" charset="-122"/>
+              <a:cs typeface="+mj-cs"/>
+            </a:endParaRPr>
+          </a:p>
+        </p:txBody>
+      </p:sp>
+      <p:pic>
+        <p:nvPicPr>
+          <p:cNvPr id="2" name="图片 1"/>
+          <p:cNvPicPr>
+            <a:picLocks noChangeAspect="1"/>
+          </p:cNvPicPr>
+          <p:nvPr/>
+        </p:nvPicPr>
+        <p:blipFill>
+          <a:blip r:embed="rId3">
+            <a:extLst>
+              <a:ext uri="{28A0092B-C50C-407E-A947-70E740481C1C}">
+                <a14:useLocalDpi xmlns:a14="http://schemas.microsoft.com/office/drawing/2010/main" val="0"/>
+              </a:ext>
+            </a:extLst>
+          </a:blip>
+          <a:stretch>
+            <a:fillRect/>
+          </a:stretch>
+        </p:blipFill>
+        <p:spPr>
+          <a:xfrm>
+            <a:off x="821730" y="1124744"/>
+            <a:ext cx="7596336" cy="5592137"/>
+          </a:xfrm>
+          <a:prstGeom prst="rect">
+            <a:avLst/>
+          </a:prstGeom>
+        </p:spPr>
+      </p:pic>
+    </p:spTree>
+    <p:extLst>
+      <p:ext uri="{BB962C8B-B14F-4D97-AF65-F5344CB8AC3E}">
+        <p14:creationId xmlns:p14="http://schemas.microsoft.com/office/powerpoint/2010/main" val="364085449"/>
+      </p:ext>
+    </p:extLst>
+  </p:cSld>
+  <p:clrMapOvr>
+    <a:masterClrMapping/>
+  </p:clrMapOvr>
+  <mc:AlternateContent xmlns:mc="http://schemas.openxmlformats.org/markup-compatibility/2006" xmlns:p14="http://schemas.microsoft.com/office/powerpoint/2010/main">
+    <mc:Choice Requires="p14">
+      <p:transition p14:dur="10"/>
+    </mc:Choice>
+    <mc:Fallback xmlns="">
+      <p:transition/>
+    </mc:Fallback>
+  </mc:AlternateContent>
+  <p:timing>
+    <p:tnLst>
+      <p:par>
+        <p:cTn id="1" dur="indefinite" restart="never" nodeType="tmRoot"/>
+      </p:par>
+    </p:tnLst>
+  </p:timing>
+</p:sld>
+</file>
+
+<file path=ppt/slides/slide4.xml><?xml version="1.0" encoding="utf-8"?>
+<p:sld xmlns:a="http://schemas.openxmlformats.org/drawingml/2006/main" xmlns:r="http://schemas.openxmlformats.org/officeDocument/2006/relationships" xmlns:p="http://schemas.openxmlformats.org/presentationml/2006/main">
+  <p:cSld>
+    <p:spTree>
+      <p:nvGrpSpPr>
+        <p:cNvPr id="1" name=""/>
+        <p:cNvGrpSpPr/>
+        <p:nvPr/>
+      </p:nvGrpSpPr>
+      <p:grpSpPr>
+        <a:xfrm>
+          <a:off x="0" y="0"/>
+          <a:ext cx="0" cy="0"/>
+          <a:chOff x="0" y="0"/>
+          <a:chExt cx="0" cy="0"/>
+        </a:xfrm>
+      </p:grpSpPr>
+      <p:sp>
+        <p:nvSpPr>
+          <p:cNvPr id="66" name="Rectangle 16">
+            <a:extLst>
+              <a:ext uri="{FF2B5EF4-FFF2-40B4-BE49-F238E27FC236}">
+                <a16:creationId xmlns:a16="http://schemas.microsoft.com/office/drawing/2014/main" id="{4AF15A40-D027-4B1B-9E09-A2FA1923521E}"/>
+              </a:ext>
+            </a:extLst>
+          </p:cNvPr>
+          <p:cNvSpPr>
+            <a:spLocks noChangeArrowheads="1"/>
+          </p:cNvSpPr>
+          <p:nvPr/>
+        </p:nvSpPr>
+        <p:spPr bwMode="auto">
+          <a:xfrm>
+            <a:off x="755650" y="-8397"/>
+            <a:ext cx="7632700" cy="763533"/>
+          </a:xfrm>
+          <a:prstGeom prst="rect">
+            <a:avLst/>
+          </a:prstGeom>
+          <a:noFill/>
+          <a:ln>
+            <a:noFill/>
+          </a:ln>
+          <a:extLst>
+            <a:ext uri="{909E8E84-426E-40DD-AFC4-6F175D3DCCD1}">
+              <a14:hiddenFill xmlns:a14="http://schemas.microsoft.com/office/drawing/2010/main">
+                <a:solidFill>
+                  <a:srgbClr val="FFFFFF"/>
+                </a:solidFill>
+              </a14:hiddenFill>
+            </a:ext>
+            <a:ext uri="{91240B29-F687-4F45-9708-019B960494DF}">
+              <a14:hiddenLine xmlns:a14="http://schemas.microsoft.com/office/drawing/2010/main" w="9525">
+                <a:solidFill>
+                  <a:srgbClr val="000000"/>
+                </a:solidFill>
+                <a:miter lim="800000"/>
+                <a:headEnd/>
+                <a:tailEnd/>
+              </a14:hiddenLine>
+            </a:ext>
+          </a:extLst>
+        </p:spPr>
+        <p:txBody>
+          <a:bodyPr vert="horz" wrap="square" lIns="91440" tIns="45720" rIns="91440" bIns="45720" numCol="1" anchor="ctr" anchorCtr="0" compatLnSpc="1">
+            <a:prstTxWarp prst="textNoShape">
+              <a:avLst/>
+            </a:prstTxWarp>
+          </a:bodyPr>
+          <a:lstStyle/>
+          <a:p>
+            <a:pPr algn="ctr"/>
+            <a:r>
+              <a:rPr lang="zh-CN" altLang="en-US" sz="4000" b="1" dirty="0" smtClean="0">
+                <a:solidFill>
+                  <a:srgbClr val="002060"/>
+                </a:solidFill>
+                <a:latin typeface="微软雅黑" pitchFamily="34" charset="-122"/>
+                <a:ea typeface="微软雅黑" pitchFamily="34" charset="-122"/>
+                <a:cs typeface="+mj-cs"/>
+              </a:rPr>
+              <a:t>算法流程设计</a:t>
+            </a:r>
+            <a:endParaRPr lang="zh-CN" altLang="en-US" sz="4000" b="1" dirty="0">
+              <a:solidFill>
+                <a:srgbClr val="002060"/>
+              </a:solidFill>
+              <a:latin typeface="微软雅黑" pitchFamily="34" charset="-122"/>
+              <a:ea typeface="微软雅黑" pitchFamily="34" charset="-122"/>
+              <a:cs typeface="+mj-cs"/>
+            </a:endParaRPr>
+          </a:p>
+        </p:txBody>
+      </p:sp>
+      <p:sp>
+        <p:nvSpPr>
+          <p:cNvPr id="7" name="文本框 6"/>
+          <p:cNvSpPr txBox="1"/>
+          <p:nvPr/>
+        </p:nvSpPr>
+        <p:spPr>
+          <a:xfrm>
+            <a:off x="323528" y="2708920"/>
+            <a:ext cx="601216" cy="2376264"/>
+          </a:xfrm>
+          <a:prstGeom prst="rect">
+            <a:avLst/>
+          </a:prstGeom>
+          <a:noFill/>
+          <a:ln w="28575" algn="ctr">
+            <a:noFill/>
+            <a:prstDash val="dash"/>
+            <a:miter lim="800000"/>
+            <a:headEnd/>
+            <a:tailEnd type="arrow" w="med" len="med"/>
+          </a:ln>
+          <a:effectLst/>
+        </p:spPr>
+        <p:txBody>
+          <a:bodyPr vert="eaVert" wrap="none" lIns="0" tIns="0" rIns="0" bIns="0" rtlCol="0" anchor="ctr" anchorCtr="0">
+            <a:noAutofit/>
+          </a:bodyPr>
+          <a:lstStyle/>
+          <a:p>
+            <a:pPr marL="0" indent="0"/>
+            <a:r>
+              <a:rPr lang="zh-CN" altLang="en-US" sz="3600" b="1" dirty="0" smtClean="0">
+                <a:solidFill>
+                  <a:srgbClr val="002060"/>
+                </a:solidFill>
+              </a:rPr>
+              <a:t>初始化认证</a:t>
+            </a:r>
+          </a:p>
+        </p:txBody>
+      </p:sp>
+      <p:pic>
+        <p:nvPicPr>
+          <p:cNvPr id="3" name="图片 2"/>
+          <p:cNvPicPr>
+            <a:picLocks noChangeAspect="1"/>
+          </p:cNvPicPr>
+          <p:nvPr/>
+        </p:nvPicPr>
+        <p:blipFill>
+          <a:blip r:embed="rId3"/>
+          <a:stretch>
+            <a:fillRect/>
+          </a:stretch>
+        </p:blipFill>
+        <p:spPr>
+          <a:xfrm>
+            <a:off x="1043608" y="1035341"/>
+            <a:ext cx="4467061" cy="5723422"/>
+          </a:xfrm>
+          <a:prstGeom prst="rect">
+            <a:avLst/>
+          </a:prstGeom>
+        </p:spPr>
+      </p:pic>
+      <p:sp>
+        <p:nvSpPr>
+          <p:cNvPr id="4" name="文本框 3"/>
+          <p:cNvSpPr txBox="1"/>
+          <p:nvPr/>
+        </p:nvSpPr>
+        <p:spPr>
+          <a:xfrm>
+            <a:off x="5796136" y="1844824"/>
+            <a:ext cx="3096344" cy="1728192"/>
+          </a:xfrm>
+          <a:prstGeom prst="rect">
+            <a:avLst/>
+          </a:prstGeom>
+          <a:solidFill>
+            <a:schemeClr val="bg1"/>
+          </a:solidFill>
+          <a:ln w="28575" algn="ctr">
+            <a:noFill/>
+            <a:prstDash val="dash"/>
+            <a:miter lim="800000"/>
+            <a:headEnd/>
+            <a:tailEnd type="arrow" w="med" len="med"/>
+          </a:ln>
+          <a:effectLst/>
+        </p:spPr>
+        <p:txBody>
+          <a:bodyPr wrap="none" lIns="0" tIns="0" rIns="0" bIns="0" rtlCol="0" anchor="ctr" anchorCtr="0">
+            <a:noAutofit/>
+          </a:bodyPr>
+          <a:lstStyle/>
+          <a:p>
+            <a:pPr marL="0" indent="0"/>
+            <a:r>
+              <a:rPr lang="zh-CN" altLang="en-US" sz="2400" b="1" dirty="0" smtClean="0">
+                <a:solidFill>
+                  <a:srgbClr val="002060"/>
+                </a:solidFill>
+              </a:rPr>
+              <a:t>使用登陆令牌保护接口</a:t>
+            </a:r>
+            <a:endParaRPr lang="en-US" altLang="zh-CN" sz="2400" b="1" dirty="0" smtClean="0">
+              <a:solidFill>
+                <a:srgbClr val="002060"/>
+              </a:solidFill>
+            </a:endParaRPr>
+          </a:p>
+          <a:p>
+            <a:pPr marL="342900" indent="-342900">
+              <a:buFont typeface="Arial" panose="020B0604020202020204" pitchFamily="34" charset="0"/>
+              <a:buChar char="•"/>
+            </a:pPr>
+            <a:endParaRPr lang="en-US" altLang="zh-CN" sz="2400" b="1" dirty="0" smtClean="0">
+              <a:solidFill>
+                <a:srgbClr val="002060"/>
+              </a:solidFill>
+            </a:endParaRPr>
+          </a:p>
+          <a:p>
+            <a:pPr marL="342900" indent="-342900">
+              <a:buFont typeface="Arial" panose="020B0604020202020204" pitchFamily="34" charset="0"/>
+              <a:buChar char="•"/>
+            </a:pPr>
+            <a:r>
+              <a:rPr lang="zh-CN" altLang="en-US" sz="2400" dirty="0" smtClean="0">
+                <a:solidFill>
+                  <a:srgbClr val="002060"/>
+                </a:solidFill>
+              </a:rPr>
+              <a:t>登陆时获取</a:t>
+            </a:r>
+            <a:r>
+              <a:rPr lang="en-US" altLang="zh-CN" sz="2400" dirty="0" smtClean="0">
+                <a:solidFill>
+                  <a:srgbClr val="002060"/>
+                </a:solidFill>
+              </a:rPr>
+              <a:t>token</a:t>
+            </a:r>
+          </a:p>
+          <a:p>
+            <a:pPr marL="342900" indent="-342900">
+              <a:buFont typeface="Arial" panose="020B0604020202020204" pitchFamily="34" charset="0"/>
+              <a:buChar char="•"/>
+            </a:pPr>
+            <a:r>
+              <a:rPr lang="zh-CN" altLang="en-US" sz="2400" dirty="0" smtClean="0">
+                <a:solidFill>
+                  <a:srgbClr val="002060"/>
+                </a:solidFill>
+              </a:rPr>
+              <a:t>使用</a:t>
+            </a:r>
+            <a:r>
+              <a:rPr lang="en-US" altLang="zh-CN" sz="2400" dirty="0" smtClean="0">
+                <a:solidFill>
+                  <a:srgbClr val="002060"/>
+                </a:solidFill>
+              </a:rPr>
+              <a:t>token</a:t>
+            </a:r>
+            <a:r>
+              <a:rPr lang="zh-CN" altLang="en-US" sz="2400" dirty="0" smtClean="0">
+                <a:solidFill>
+                  <a:srgbClr val="002060"/>
+                </a:solidFill>
+              </a:rPr>
+              <a:t>调用接口</a:t>
+            </a:r>
+          </a:p>
+        </p:txBody>
+      </p:sp>
+      <p:sp>
+        <p:nvSpPr>
+          <p:cNvPr id="8" name="文本框 7"/>
+          <p:cNvSpPr txBox="1"/>
+          <p:nvPr/>
+        </p:nvSpPr>
+        <p:spPr>
+          <a:xfrm>
+            <a:off x="5796136" y="4149080"/>
+            <a:ext cx="3096344" cy="1872208"/>
+          </a:xfrm>
+          <a:prstGeom prst="rect">
+            <a:avLst/>
+          </a:prstGeom>
+          <a:solidFill>
+            <a:schemeClr val="bg1"/>
+          </a:solidFill>
+          <a:ln w="28575" algn="ctr">
+            <a:noFill/>
+            <a:prstDash val="dash"/>
+            <a:miter lim="800000"/>
+            <a:headEnd/>
+            <a:tailEnd type="arrow" w="med" len="med"/>
+          </a:ln>
+          <a:effectLst/>
+        </p:spPr>
+        <p:txBody>
+          <a:bodyPr wrap="none" lIns="0" tIns="0" rIns="0" bIns="0" rtlCol="0" anchor="ctr" anchorCtr="0">
+            <a:noAutofit/>
+          </a:bodyPr>
+          <a:lstStyle/>
+          <a:p>
+            <a:pPr marL="0" indent="0"/>
+            <a:r>
+              <a:rPr lang="zh-CN" altLang="en-US" sz="2400" b="1" dirty="0" smtClean="0">
+                <a:solidFill>
+                  <a:srgbClr val="002060"/>
+                </a:solidFill>
+              </a:rPr>
+              <a:t>使用轮询获取最新消息</a:t>
+            </a:r>
+            <a:endParaRPr lang="en-US" altLang="zh-CN" sz="2400" b="1" dirty="0" smtClean="0">
+              <a:solidFill>
+                <a:srgbClr val="002060"/>
+              </a:solidFill>
+            </a:endParaRPr>
+          </a:p>
+          <a:p>
+            <a:pPr marL="342900" indent="-342900">
+              <a:buFont typeface="Arial" panose="020B0604020202020204" pitchFamily="34" charset="0"/>
+              <a:buChar char="•"/>
+            </a:pPr>
+            <a:endParaRPr lang="en-US" altLang="zh-CN" sz="2400" b="1" dirty="0" smtClean="0">
+              <a:solidFill>
+                <a:srgbClr val="002060"/>
+              </a:solidFill>
+            </a:endParaRPr>
+          </a:p>
+          <a:p>
+            <a:pPr marL="342900" indent="-342900">
+              <a:buFont typeface="Arial" panose="020B0604020202020204" pitchFamily="34" charset="0"/>
+              <a:buChar char="•"/>
+            </a:pPr>
+            <a:r>
+              <a:rPr lang="zh-CN" altLang="en-US" sz="2400" dirty="0" smtClean="0">
+                <a:solidFill>
+                  <a:srgbClr val="002060"/>
+                </a:solidFill>
+              </a:rPr>
+              <a:t>获取最新消息</a:t>
+            </a:r>
+            <a:endParaRPr lang="en-US" altLang="zh-CN" sz="2400" dirty="0" smtClean="0">
+              <a:solidFill>
+                <a:srgbClr val="002060"/>
+              </a:solidFill>
+            </a:endParaRPr>
+          </a:p>
+          <a:p>
+            <a:pPr marL="342900" indent="-342900">
+              <a:buFont typeface="Arial" panose="020B0604020202020204" pitchFamily="34" charset="0"/>
+              <a:buChar char="•"/>
+            </a:pPr>
+            <a:r>
+              <a:rPr lang="zh-CN" altLang="en-US" sz="2400" dirty="0" smtClean="0">
+                <a:solidFill>
+                  <a:srgbClr val="002060"/>
+                </a:solidFill>
+              </a:rPr>
+              <a:t>获取队友信息</a:t>
+            </a:r>
+            <a:endParaRPr lang="en-US" altLang="zh-CN" sz="2400" dirty="0" smtClean="0">
+              <a:solidFill>
+                <a:srgbClr val="002060"/>
+              </a:solidFill>
+            </a:endParaRPr>
+          </a:p>
+          <a:p>
+            <a:pPr marL="342900" indent="-342900">
+              <a:buFont typeface="Arial" panose="020B0604020202020204" pitchFamily="34" charset="0"/>
+              <a:buChar char="•"/>
+            </a:pPr>
+            <a:r>
+              <a:rPr lang="zh-CN" altLang="en-US" sz="2400" dirty="0" smtClean="0">
+                <a:solidFill>
+                  <a:srgbClr val="002060"/>
+                </a:solidFill>
+              </a:rPr>
+              <a:t>获取环境状态</a:t>
+            </a:r>
+          </a:p>
+        </p:txBody>
+      </p:sp>
+    </p:spTree>
+    <p:extLst>
+      <p:ext uri="{BB962C8B-B14F-4D97-AF65-F5344CB8AC3E}">
+        <p14:creationId xmlns:p14="http://schemas.microsoft.com/office/powerpoint/2010/main" val="2721055318"/>
+      </p:ext>
+    </p:extLst>
+  </p:cSld>
+  <p:clrMapOvr>
+    <a:masterClrMapping/>
+  </p:clrMapOvr>
+  <mc:AlternateContent xmlns:mc="http://schemas.openxmlformats.org/markup-compatibility/2006" xmlns:p14="http://schemas.microsoft.com/office/powerpoint/2010/main">
+    <mc:Choice Requires="p14">
+      <p:transition p14:dur="10"/>
+    </mc:Choice>
+    <mc:Fallback xmlns="">
+      <p:transition/>
+    </mc:Fallback>
+  </mc:AlternateContent>
+  <p:timing>
+    <p:tnLst>
+      <p:par>
+        <p:cTn id="1" dur="indefinite" restart="never" nodeType="tmRoot"/>
+      </p:par>
+    </p:tnLst>
+  </p:timing>
+</p:sld>
+</file>
+
+<file path=ppt/slides/slide5.xml><?xml version="1.0" encoding="utf-8"?>
+<p:sld xmlns:a="http://schemas.openxmlformats.org/drawingml/2006/main" xmlns:r="http://schemas.openxmlformats.org/officeDocument/2006/relationships" xmlns:p="http://schemas.openxmlformats.org/presentationml/2006/main">
+  <p:cSld>
+    <p:spTree>
+      <p:nvGrpSpPr>
+        <p:cNvPr id="1" name=""/>
+        <p:cNvGrpSpPr/>
+        <p:nvPr/>
+      </p:nvGrpSpPr>
+      <p:grpSpPr>
+        <a:xfrm>
+          <a:off x="0" y="0"/>
+          <a:ext cx="0" cy="0"/>
+          <a:chOff x="0" y="0"/>
+          <a:chExt cx="0" cy="0"/>
+        </a:xfrm>
+      </p:grpSpPr>
+      <p:sp>
+        <p:nvSpPr>
+          <p:cNvPr id="66" name="Rectangle 16">
+            <a:extLst>
+              <a:ext uri="{FF2B5EF4-FFF2-40B4-BE49-F238E27FC236}">
+                <a16:creationId xmlns:a16="http://schemas.microsoft.com/office/drawing/2014/main" id="{4AF15A40-D027-4B1B-9E09-A2FA1923521E}"/>
+              </a:ext>
+            </a:extLst>
+          </p:cNvPr>
+          <p:cNvSpPr>
+            <a:spLocks noChangeArrowheads="1"/>
+          </p:cNvSpPr>
+          <p:nvPr/>
+        </p:nvSpPr>
+        <p:spPr bwMode="auto">
+          <a:xfrm>
+            <a:off x="755650" y="-8397"/>
+            <a:ext cx="7632700" cy="763533"/>
+          </a:xfrm>
+          <a:prstGeom prst="rect">
+            <a:avLst/>
+          </a:prstGeom>
+          <a:noFill/>
+          <a:ln>
+            <a:noFill/>
+          </a:ln>
+          <a:extLst>
+            <a:ext uri="{909E8E84-426E-40DD-AFC4-6F175D3DCCD1}">
+              <a14:hiddenFill xmlns:a14="http://schemas.microsoft.com/office/drawing/2010/main">
+                <a:solidFill>
+                  <a:srgbClr val="FFFFFF"/>
+                </a:solidFill>
+              </a14:hiddenFill>
+            </a:ext>
+            <a:ext uri="{91240B29-F687-4F45-9708-019B960494DF}">
+              <a14:hiddenLine xmlns:a14="http://schemas.microsoft.com/office/drawing/2010/main" w="9525">
+                <a:solidFill>
+                  <a:srgbClr val="000000"/>
+                </a:solidFill>
+                <a:miter lim="800000"/>
+                <a:headEnd/>
+                <a:tailEnd/>
+              </a14:hiddenLine>
+            </a:ext>
+          </a:extLst>
+        </p:spPr>
+        <p:txBody>
+          <a:bodyPr vert="horz" wrap="square" lIns="91440" tIns="45720" rIns="91440" bIns="45720" numCol="1" anchor="ctr" anchorCtr="0" compatLnSpc="1">
+            <a:prstTxWarp prst="textNoShape">
+              <a:avLst/>
+            </a:prstTxWarp>
+          </a:bodyPr>
+          <a:lstStyle/>
+          <a:p>
+            <a:pPr algn="ctr"/>
+            <a:r>
+              <a:rPr lang="zh-CN" altLang="en-US" sz="4000" b="1" dirty="0" smtClean="0">
+                <a:solidFill>
+                  <a:srgbClr val="002060"/>
+                </a:solidFill>
+                <a:latin typeface="微软雅黑" pitchFamily="34" charset="-122"/>
+                <a:ea typeface="微软雅黑" pitchFamily="34" charset="-122"/>
+                <a:cs typeface="+mj-cs"/>
+              </a:rPr>
+              <a:t>算法流程设计</a:t>
+            </a:r>
+            <a:endParaRPr lang="zh-CN" altLang="en-US" sz="4000" b="1" dirty="0">
+              <a:solidFill>
+                <a:srgbClr val="002060"/>
+              </a:solidFill>
+              <a:latin typeface="微软雅黑" pitchFamily="34" charset="-122"/>
+              <a:ea typeface="微软雅黑" pitchFamily="34" charset="-122"/>
+              <a:cs typeface="+mj-cs"/>
+            </a:endParaRPr>
+          </a:p>
+        </p:txBody>
+      </p:sp>
+      <p:pic>
+        <p:nvPicPr>
+          <p:cNvPr id="5" name="图片 4"/>
+          <p:cNvPicPr>
+            <a:picLocks noChangeAspect="1"/>
+          </p:cNvPicPr>
+          <p:nvPr/>
+        </p:nvPicPr>
+        <p:blipFill>
+          <a:blip r:embed="rId3">
+            <a:extLst>
+              <a:ext uri="{28A0092B-C50C-407E-A947-70E740481C1C}">
+                <a14:useLocalDpi xmlns:a14="http://schemas.microsoft.com/office/drawing/2010/main" val="0"/>
+              </a:ext>
+            </a:extLst>
+          </a:blip>
+          <a:stretch>
+            <a:fillRect/>
+          </a:stretch>
+        </p:blipFill>
+        <p:spPr>
+          <a:xfrm>
+            <a:off x="899592" y="923097"/>
+            <a:ext cx="8021169" cy="5934903"/>
+          </a:xfrm>
+          <a:prstGeom prst="rect">
+            <a:avLst/>
+          </a:prstGeom>
+        </p:spPr>
+      </p:pic>
+      <p:sp>
+        <p:nvSpPr>
+          <p:cNvPr id="7" name="文本框 6"/>
+          <p:cNvSpPr txBox="1"/>
+          <p:nvPr/>
+        </p:nvSpPr>
+        <p:spPr>
+          <a:xfrm>
+            <a:off x="395536" y="3068960"/>
+            <a:ext cx="601216" cy="1800200"/>
+          </a:xfrm>
+          <a:prstGeom prst="rect">
+            <a:avLst/>
+          </a:prstGeom>
+          <a:noFill/>
+          <a:ln w="28575" algn="ctr">
+            <a:noFill/>
+            <a:prstDash val="dash"/>
+            <a:miter lim="800000"/>
+            <a:headEnd/>
+            <a:tailEnd type="arrow" w="med" len="med"/>
+          </a:ln>
+          <a:effectLst/>
+        </p:spPr>
+        <p:txBody>
+          <a:bodyPr vert="eaVert" wrap="none" lIns="0" tIns="0" rIns="0" bIns="0" rtlCol="0" anchor="ctr" anchorCtr="0">
+            <a:noAutofit/>
+          </a:bodyPr>
+          <a:lstStyle/>
+          <a:p>
+            <a:pPr marL="0" indent="0"/>
+            <a:r>
+              <a:rPr lang="zh-CN" altLang="en-US" sz="3600" b="1" dirty="0" smtClean="0">
+                <a:solidFill>
+                  <a:srgbClr val="002060"/>
+                </a:solidFill>
+              </a:rPr>
+              <a:t>身份认证</a:t>
+            </a:r>
+          </a:p>
+        </p:txBody>
+      </p:sp>
+    </p:spTree>
+    <p:extLst>
+      <p:ext uri="{BB962C8B-B14F-4D97-AF65-F5344CB8AC3E}">
+        <p14:creationId xmlns:p14="http://schemas.microsoft.com/office/powerpoint/2010/main" val="1740332605"/>
+      </p:ext>
+    </p:extLst>
+  </p:cSld>
+  <p:clrMapOvr>
+    <a:masterClrMapping/>
+  </p:clrMapOvr>
+  <mc:AlternateContent xmlns:mc="http://schemas.openxmlformats.org/markup-compatibility/2006" xmlns:p14="http://schemas.microsoft.com/office/powerpoint/2010/main">
+    <mc:Choice Requires="p14">
+      <p:transition p14:dur="10"/>
+    </mc:Choice>
+    <mc:Fallback xmlns="">
+      <p:transition/>
+    </mc:Fallback>
+  </mc:AlternateContent>
+  <p:timing>
+    <p:tnLst>
+      <p:par>
+        <p:cTn id="1" dur="indefinite" restart="never" nodeType="tmRoot"/>
+      </p:par>
+    </p:tnLst>
+  </p:timing>
+</p:sld>
+</file>
+
+<file path=ppt/slides/slide6.xml><?xml version="1.0" encoding="utf-8"?>
+<p:sld xmlns:a="http://schemas.openxmlformats.org/drawingml/2006/main" xmlns:r="http://schemas.openxmlformats.org/officeDocument/2006/relationships" xmlns:p="http://schemas.openxmlformats.org/presentationml/2006/main">
+  <p:cSld>
+    <p:spTree>
+      <p:nvGrpSpPr>
+        <p:cNvPr id="1" name=""/>
+        <p:cNvGrpSpPr/>
+        <p:nvPr/>
+      </p:nvGrpSpPr>
+      <p:grpSpPr>
+        <a:xfrm>
+          <a:off x="0" y="0"/>
+          <a:ext cx="0" cy="0"/>
+          <a:chOff x="0" y="0"/>
+          <a:chExt cx="0" cy="0"/>
+        </a:xfrm>
+      </p:grpSpPr>
+      <p:sp>
+        <p:nvSpPr>
+          <p:cNvPr id="66" name="Rectangle 16">
+            <a:extLst>
+              <a:ext uri="{FF2B5EF4-FFF2-40B4-BE49-F238E27FC236}">
+                <a16:creationId xmlns:a16="http://schemas.microsoft.com/office/drawing/2014/main" id="{4AF15A40-D027-4B1B-9E09-A2FA1923521E}"/>
+              </a:ext>
+            </a:extLst>
+          </p:cNvPr>
+          <p:cNvSpPr>
+            <a:spLocks noChangeArrowheads="1"/>
+          </p:cNvSpPr>
+          <p:nvPr/>
+        </p:nvSpPr>
+        <p:spPr bwMode="auto">
+          <a:xfrm>
+            <a:off x="755650" y="-8397"/>
+            <a:ext cx="7632700" cy="763533"/>
+          </a:xfrm>
+          <a:prstGeom prst="rect">
+            <a:avLst/>
+          </a:prstGeom>
+          <a:noFill/>
+          <a:ln>
+            <a:noFill/>
+          </a:ln>
+          <a:extLst>
+            <a:ext uri="{909E8E84-426E-40DD-AFC4-6F175D3DCCD1}">
+              <a14:hiddenFill xmlns:a14="http://schemas.microsoft.com/office/drawing/2010/main">
+                <a:solidFill>
+                  <a:srgbClr val="FFFFFF"/>
+                </a:solidFill>
+              </a14:hiddenFill>
+            </a:ext>
+            <a:ext uri="{91240B29-F687-4F45-9708-019B960494DF}">
+              <a14:hiddenLine xmlns:a14="http://schemas.microsoft.com/office/drawing/2010/main" w="9525">
+                <a:solidFill>
+                  <a:srgbClr val="000000"/>
+                </a:solidFill>
+                <a:miter lim="800000"/>
+                <a:headEnd/>
+                <a:tailEnd/>
+              </a14:hiddenLine>
+            </a:ext>
+          </a:extLst>
+        </p:spPr>
+        <p:txBody>
+          <a:bodyPr vert="horz" wrap="square" lIns="91440" tIns="45720" rIns="91440" bIns="45720" numCol="1" anchor="ctr" anchorCtr="0" compatLnSpc="1">
+            <a:prstTxWarp prst="textNoShape">
+              <a:avLst/>
+            </a:prstTxWarp>
+          </a:bodyPr>
+          <a:lstStyle/>
+          <a:p>
+            <a:pPr algn="ctr"/>
+            <a:r>
+              <a:rPr lang="zh-CN" altLang="en-US" sz="4000" b="1" dirty="0" smtClean="0">
+                <a:solidFill>
+                  <a:srgbClr val="002060"/>
+                </a:solidFill>
+                <a:latin typeface="微软雅黑" pitchFamily="34" charset="-122"/>
+                <a:ea typeface="微软雅黑" pitchFamily="34" charset="-122"/>
+                <a:cs typeface="+mj-cs"/>
+              </a:rPr>
+              <a:t>算法流程设计</a:t>
+            </a:r>
+            <a:endParaRPr lang="zh-CN" altLang="en-US" sz="4000" b="1" dirty="0">
+              <a:solidFill>
+                <a:srgbClr val="002060"/>
+              </a:solidFill>
+              <a:latin typeface="微软雅黑" pitchFamily="34" charset="-122"/>
+              <a:ea typeface="微软雅黑" pitchFamily="34" charset="-122"/>
+              <a:cs typeface="+mj-cs"/>
+            </a:endParaRPr>
+          </a:p>
+        </p:txBody>
+      </p:sp>
+      <p:pic>
+        <p:nvPicPr>
+          <p:cNvPr id="2" name="图片 1"/>
+          <p:cNvPicPr>
+            <a:picLocks noChangeAspect="1"/>
+          </p:cNvPicPr>
+          <p:nvPr/>
+        </p:nvPicPr>
+        <p:blipFill>
+          <a:blip r:embed="rId3">
+            <a:extLst>
+              <a:ext uri="{28A0092B-C50C-407E-A947-70E740481C1C}">
+                <a14:useLocalDpi xmlns:a14="http://schemas.microsoft.com/office/drawing/2010/main" val="0"/>
+              </a:ext>
+            </a:extLst>
+          </a:blip>
+          <a:stretch>
+            <a:fillRect/>
+          </a:stretch>
+        </p:blipFill>
+        <p:spPr>
+          <a:xfrm>
+            <a:off x="1085555" y="980728"/>
+            <a:ext cx="7302795" cy="5760640"/>
+          </a:xfrm>
+          <a:prstGeom prst="rect">
+            <a:avLst/>
+          </a:prstGeom>
+        </p:spPr>
+      </p:pic>
+      <p:sp>
+        <p:nvSpPr>
+          <p:cNvPr id="6" name="文本框 5"/>
+          <p:cNvSpPr txBox="1"/>
+          <p:nvPr/>
+        </p:nvSpPr>
+        <p:spPr>
+          <a:xfrm>
+            <a:off x="395536" y="3068960"/>
+            <a:ext cx="601216" cy="1800200"/>
+          </a:xfrm>
+          <a:prstGeom prst="rect">
+            <a:avLst/>
+          </a:prstGeom>
+          <a:noFill/>
+          <a:ln w="28575" algn="ctr">
+            <a:noFill/>
+            <a:prstDash val="dash"/>
+            <a:miter lim="800000"/>
+            <a:headEnd/>
+            <a:tailEnd type="arrow" w="med" len="med"/>
+          </a:ln>
+          <a:effectLst/>
+        </p:spPr>
+        <p:txBody>
+          <a:bodyPr vert="eaVert" wrap="none" lIns="0" tIns="0" rIns="0" bIns="0" rtlCol="0" anchor="ctr" anchorCtr="0">
+            <a:noAutofit/>
+          </a:bodyPr>
+          <a:lstStyle/>
+          <a:p>
+            <a:pPr marL="0" indent="0"/>
+            <a:r>
+              <a:rPr lang="zh-CN" altLang="en-US" sz="3600" b="1" dirty="0" smtClean="0">
+                <a:solidFill>
+                  <a:srgbClr val="002060"/>
+                </a:solidFill>
+              </a:rPr>
+              <a:t>选举队长</a:t>
+            </a:r>
+          </a:p>
+        </p:txBody>
+      </p:sp>
+    </p:spTree>
+    <p:extLst>
+      <p:ext uri="{BB962C8B-B14F-4D97-AF65-F5344CB8AC3E}">
+        <p14:creationId xmlns:p14="http://schemas.microsoft.com/office/powerpoint/2010/main" val="4074907467"/>
+      </p:ext>
+    </p:extLst>
+  </p:cSld>
+  <p:clrMapOvr>
+    <a:masterClrMapping/>
+  </p:clrMapOvr>
+  <mc:AlternateContent xmlns:mc="http://schemas.openxmlformats.org/markup-compatibility/2006" xmlns:p14="http://schemas.microsoft.com/office/powerpoint/2010/main">
+    <mc:Choice Requires="p14">
+      <p:transition p14:dur="10"/>
+    </mc:Choice>
+    <mc:Fallback xmlns="">
+      <p:transition/>
+    </mc:Fallback>
+  </mc:AlternateContent>
+  <p:timing>
+    <p:tnLst>
+      <p:par>
+        <p:cTn id="1" dur="indefinite" restart="never" nodeType="tmRoot"/>
+      </p:par>
+    </p:tnLst>
+  </p:timing>
+</p:sld>
+</file>
+
+<file path=ppt/slides/slide7.xml><?xml version="1.0" encoding="utf-8"?>
+<p:sld xmlns:a="http://schemas.openxmlformats.org/drawingml/2006/main" xmlns:r="http://schemas.openxmlformats.org/officeDocument/2006/relationships" xmlns:p="http://schemas.openxmlformats.org/presentationml/2006/main">
+  <p:cSld>
+    <p:spTree>
+      <p:nvGrpSpPr>
+        <p:cNvPr id="1" name=""/>
+        <p:cNvGrpSpPr/>
+        <p:nvPr/>
+      </p:nvGrpSpPr>
+      <p:grpSpPr>
+        <a:xfrm>
+          <a:off x="0" y="0"/>
+          <a:ext cx="0" cy="0"/>
+          <a:chOff x="0" y="0"/>
+          <a:chExt cx="0" cy="0"/>
+        </a:xfrm>
+      </p:grpSpPr>
+      <p:sp>
+        <p:nvSpPr>
+          <p:cNvPr id="66" name="Rectangle 16">
+            <a:extLst>
+              <a:ext uri="{FF2B5EF4-FFF2-40B4-BE49-F238E27FC236}">
+                <a16:creationId xmlns:a16="http://schemas.microsoft.com/office/drawing/2014/main" id="{4AF15A40-D027-4B1B-9E09-A2FA1923521E}"/>
+              </a:ext>
+            </a:extLst>
+          </p:cNvPr>
+          <p:cNvSpPr>
+            <a:spLocks noChangeArrowheads="1"/>
+          </p:cNvSpPr>
+          <p:nvPr/>
+        </p:nvSpPr>
+        <p:spPr bwMode="auto">
+          <a:xfrm>
+            <a:off x="755650" y="-8397"/>
+            <a:ext cx="7632700" cy="763533"/>
+          </a:xfrm>
+          <a:prstGeom prst="rect">
+            <a:avLst/>
+          </a:prstGeom>
+          <a:noFill/>
+          <a:ln>
+            <a:noFill/>
+          </a:ln>
+          <a:extLst>
+            <a:ext uri="{909E8E84-426E-40DD-AFC4-6F175D3DCCD1}">
+              <a14:hiddenFill xmlns:a14="http://schemas.microsoft.com/office/drawing/2010/main">
+                <a:solidFill>
+                  <a:srgbClr val="FFFFFF"/>
+                </a:solidFill>
+              </a14:hiddenFill>
+            </a:ext>
+            <a:ext uri="{91240B29-F687-4F45-9708-019B960494DF}">
+              <a14:hiddenLine xmlns:a14="http://schemas.microsoft.com/office/drawing/2010/main" w="9525">
+                <a:solidFill>
+                  <a:srgbClr val="000000"/>
+                </a:solidFill>
+                <a:miter lim="800000"/>
+                <a:headEnd/>
+                <a:tailEnd/>
+              </a14:hiddenLine>
+            </a:ext>
+          </a:extLst>
+        </p:spPr>
+        <p:txBody>
+          <a:bodyPr vert="horz" wrap="square" lIns="91440" tIns="45720" rIns="91440" bIns="45720" numCol="1" anchor="ctr" anchorCtr="0" compatLnSpc="1">
+            <a:prstTxWarp prst="textNoShape">
+              <a:avLst/>
+            </a:prstTxWarp>
+          </a:bodyPr>
+          <a:lstStyle/>
+          <a:p>
+            <a:pPr algn="ctr"/>
+            <a:r>
+              <a:rPr lang="zh-CN" altLang="en-US" sz="4000" b="1" dirty="0" smtClean="0">
+                <a:solidFill>
+                  <a:srgbClr val="002060"/>
+                </a:solidFill>
+                <a:latin typeface="微软雅黑" pitchFamily="34" charset="-122"/>
+                <a:ea typeface="微软雅黑" pitchFamily="34" charset="-122"/>
+                <a:cs typeface="+mj-cs"/>
+              </a:rPr>
+              <a:t>系统特色</a:t>
+            </a:r>
+            <a:endParaRPr lang="zh-CN" altLang="en-US" sz="4000" b="1" dirty="0">
+              <a:solidFill>
+                <a:srgbClr val="002060"/>
+              </a:solidFill>
+              <a:latin typeface="微软雅黑" pitchFamily="34" charset="-122"/>
+              <a:ea typeface="微软雅黑" pitchFamily="34" charset="-122"/>
+              <a:cs typeface="+mj-cs"/>
+            </a:endParaRPr>
+          </a:p>
+        </p:txBody>
+      </p:sp>
+      <p:sp>
+        <p:nvSpPr>
+          <p:cNvPr id="19" name="矩形 18"/>
+          <p:cNvSpPr/>
+          <p:nvPr/>
+        </p:nvSpPr>
+        <p:spPr bwMode="auto">
+          <a:xfrm>
+            <a:off x="83990" y="1039244"/>
+            <a:ext cx="2736304" cy="792088"/>
+          </a:xfrm>
+          <a:prstGeom prst="rect">
+            <a:avLst/>
+          </a:prstGeom>
+          <a:noFill/>
+          <a:ln w="38100">
+            <a:solidFill>
+              <a:srgbClr val="FF0000"/>
+            </a:solidFill>
+          </a:ln>
+          <a:extLst/>
+        </p:spPr>
+        <p:style>
+          <a:lnRef idx="2">
+            <a:schemeClr val="dk1"/>
+          </a:lnRef>
+          <a:fillRef idx="1">
+            <a:schemeClr val="lt1"/>
+          </a:fillRef>
+          <a:effectRef idx="0">
+            <a:schemeClr val="dk1"/>
+          </a:effectRef>
+          <a:fontRef idx="minor">
+            <a:schemeClr val="dk1"/>
+          </a:fontRef>
+        </p:style>
+        <p:txBody>
+          <a:bodyPr wrap="square" rtlCol="0" anchor="ctr">
+            <a:spAutoFit/>
+          </a:bodyPr>
+          <a:lstStyle/>
+          <a:p>
+            <a:pPr algn="ctr"/>
+            <a:endParaRPr lang="zh-CN" altLang="en-US" sz="2000" b="1" dirty="0" smtClean="0">
+              <a:ln>
+                <a:solidFill>
+                  <a:srgbClr val="FF0000"/>
+                </a:solidFill>
+              </a:ln>
+              <a:solidFill>
+                <a:srgbClr val="FF0000"/>
+              </a:solidFill>
+              <a:latin typeface="黑体" pitchFamily="49" charset="-122"/>
+              <a:ea typeface="黑体" pitchFamily="49" charset="-122"/>
+            </a:endParaRPr>
+          </a:p>
+        </p:txBody>
+      </p:sp>
+      <p:sp>
+        <p:nvSpPr>
+          <p:cNvPr id="6" name="矩形 5"/>
+          <p:cNvSpPr/>
+          <p:nvPr/>
+        </p:nvSpPr>
+        <p:spPr bwMode="auto">
+          <a:xfrm>
+            <a:off x="3059832" y="1118956"/>
+            <a:ext cx="5760640" cy="5348803"/>
+          </a:xfrm>
+          <a:prstGeom prst="rect">
+            <a:avLst/>
+          </a:prstGeom>
+          <a:noFill/>
+          <a:ln w="28575">
+            <a:solidFill>
+              <a:srgbClr val="7030A0"/>
+            </a:solidFill>
+            <a:prstDash val="sysDash"/>
+            <a:miter lim="800000"/>
+            <a:headEnd/>
+            <a:tailEnd/>
+          </a:ln>
+          <a:extLst>
+            <a:ext uri="{909E8E84-426E-40DD-AFC4-6F175D3DCCD1}">
+              <a14:hiddenFill xmlns:a14="http://schemas.microsoft.com/office/drawing/2010/main">
+                <a:solidFill>
+                  <a:srgbClr val="FFFFFF"/>
+                </a:solidFill>
+              </a14:hiddenFill>
+            </a:ext>
+          </a:extLst>
+        </p:spPr>
+        <p:txBody>
+          <a:bodyPr wrap="square" rtlCol="0" anchor="ctr">
+            <a:spAutoFit/>
+          </a:bodyPr>
+          <a:lstStyle/>
+          <a:p>
+            <a:pPr algn="ctr"/>
+            <a:endParaRPr lang="zh-CN" altLang="en-US" sz="2000" b="1" dirty="0" smtClean="0">
+              <a:latin typeface="黑体" pitchFamily="49" charset="-122"/>
+              <a:ea typeface="黑体" pitchFamily="49" charset="-122"/>
+            </a:endParaRPr>
+          </a:p>
+        </p:txBody>
+      </p:sp>
+      <p:sp>
+        <p:nvSpPr>
+          <p:cNvPr id="20" name="矩形 19"/>
+          <p:cNvSpPr/>
+          <p:nvPr/>
+        </p:nvSpPr>
+        <p:spPr>
+          <a:xfrm>
+            <a:off x="3197992" y="1204456"/>
+            <a:ext cx="5622052" cy="461665"/>
+          </a:xfrm>
+          <a:prstGeom prst="rect">
+            <a:avLst/>
+          </a:prstGeom>
+        </p:spPr>
+        <p:txBody>
+          <a:bodyPr wrap="none">
+            <a:spAutoFit/>
+          </a:bodyPr>
+          <a:lstStyle/>
+          <a:p>
+            <a:pPr marL="0" indent="0"/>
+            <a:r>
+              <a:rPr lang="en-US" altLang="zh-CN" b="1" dirty="0" smtClean="0">
+                <a:solidFill>
+                  <a:srgbClr val="002060"/>
+                </a:solidFill>
+              </a:rPr>
+              <a:t>https</a:t>
+            </a:r>
+            <a:r>
+              <a:rPr lang="en-US" altLang="zh-CN" b="1" dirty="0">
+                <a:solidFill>
+                  <a:srgbClr val="002060"/>
+                </a:solidFill>
+              </a:rPr>
+              <a:t>://39.106.7.201/swagger-ui.html</a:t>
+            </a:r>
+            <a:endParaRPr lang="en-US" altLang="zh-CN" b="1" dirty="0">
+              <a:solidFill>
+                <a:srgbClr val="002060"/>
+              </a:solidFill>
+            </a:endParaRPr>
+          </a:p>
+        </p:txBody>
+      </p:sp>
+      <p:pic>
+        <p:nvPicPr>
+          <p:cNvPr id="11" name="图片 10"/>
+          <p:cNvPicPr>
+            <a:picLocks noChangeAspect="1"/>
+          </p:cNvPicPr>
+          <p:nvPr/>
+        </p:nvPicPr>
+        <p:blipFill>
+          <a:blip r:embed="rId3"/>
+          <a:stretch>
+            <a:fillRect/>
+          </a:stretch>
+        </p:blipFill>
+        <p:spPr>
+          <a:xfrm>
+            <a:off x="3133471" y="1751620"/>
+            <a:ext cx="5613361" cy="3821382"/>
+          </a:xfrm>
+          <a:prstGeom prst="rect">
+            <a:avLst/>
+          </a:prstGeom>
+        </p:spPr>
+      </p:pic>
+      <p:sp>
+        <p:nvSpPr>
+          <p:cNvPr id="21" name="矩形 20"/>
+          <p:cNvSpPr/>
+          <p:nvPr/>
+        </p:nvSpPr>
+        <p:spPr>
+          <a:xfrm>
+            <a:off x="3403238" y="5747891"/>
+            <a:ext cx="5073825" cy="461665"/>
+          </a:xfrm>
+          <a:prstGeom prst="rect">
+            <a:avLst/>
+          </a:prstGeom>
+        </p:spPr>
+        <p:txBody>
+          <a:bodyPr wrap="none">
+            <a:spAutoFit/>
+          </a:bodyPr>
+          <a:lstStyle/>
+          <a:p>
+            <a:pPr marL="0" indent="0"/>
+            <a:r>
+              <a:rPr lang="zh-CN" altLang="en-US" b="1" dirty="0" smtClean="0">
+                <a:solidFill>
+                  <a:srgbClr val="002060"/>
+                </a:solidFill>
+              </a:rPr>
+              <a:t>使用</a:t>
+            </a:r>
+            <a:r>
+              <a:rPr lang="en-US" altLang="zh-CN" b="1" dirty="0" smtClean="0">
+                <a:solidFill>
+                  <a:srgbClr val="002060"/>
+                </a:solidFill>
+              </a:rPr>
+              <a:t>Swagger</a:t>
+            </a:r>
+            <a:r>
+              <a:rPr lang="zh-CN" altLang="en-US" b="1" dirty="0" smtClean="0">
+                <a:solidFill>
+                  <a:srgbClr val="002060"/>
+                </a:solidFill>
+              </a:rPr>
+              <a:t>构建开放平台</a:t>
+            </a:r>
+            <a:r>
+              <a:rPr lang="en-US" altLang="zh-CN" b="1" dirty="0" smtClean="0">
+                <a:solidFill>
+                  <a:srgbClr val="002060"/>
+                </a:solidFill>
+              </a:rPr>
+              <a:t>API</a:t>
+            </a:r>
+            <a:r>
+              <a:rPr lang="zh-CN" altLang="en-US" b="1" dirty="0" smtClean="0">
+                <a:solidFill>
+                  <a:srgbClr val="002060"/>
+                </a:solidFill>
+              </a:rPr>
+              <a:t>文档</a:t>
+            </a:r>
+            <a:endParaRPr lang="en-US" altLang="zh-CN" b="1" dirty="0">
+              <a:solidFill>
+                <a:srgbClr val="002060"/>
+              </a:solidFill>
+            </a:endParaRPr>
+          </a:p>
+        </p:txBody>
+      </p:sp>
+      <p:pic>
+        <p:nvPicPr>
+          <p:cNvPr id="22" name="图片 21"/>
+          <p:cNvPicPr>
+            <a:picLocks noChangeAspect="1"/>
+          </p:cNvPicPr>
+          <p:nvPr/>
+        </p:nvPicPr>
+        <p:blipFill>
+          <a:blip r:embed="rId4"/>
+          <a:stretch>
+            <a:fillRect/>
+          </a:stretch>
+        </p:blipFill>
+        <p:spPr>
+          <a:xfrm>
+            <a:off x="185572" y="1109614"/>
+            <a:ext cx="2565278" cy="5631082"/>
+          </a:xfrm>
+          <a:prstGeom prst="rect">
+            <a:avLst/>
+          </a:prstGeom>
+        </p:spPr>
+      </p:pic>
+    </p:spTree>
+    <p:extLst>
+      <p:ext uri="{BB962C8B-B14F-4D97-AF65-F5344CB8AC3E}">
+        <p14:creationId xmlns:p14="http://schemas.microsoft.com/office/powerpoint/2010/main" val="3996389170"/>
+      </p:ext>
+    </p:extLst>
+  </p:cSld>
+  <p:clrMapOvr>
+    <a:masterClrMapping/>
+  </p:clrMapOvr>
+  <mc:AlternateContent xmlns:mc="http://schemas.openxmlformats.org/markup-compatibility/2006" xmlns:p14="http://schemas.microsoft.com/office/powerpoint/2010/main">
+    <mc:Choice Requires="p14">
+      <p:transition p14:dur="10"/>
+    </mc:Choice>
+    <mc:Fallback xmlns="">
+      <p:transition/>
+    </mc:Fallback>
+  </mc:AlternateContent>
+  <p:timing>
+    <p:tnLst>
+      <p:par>
+        <p:cTn id="1" dur="indefinite" restart="never" nodeType="tmRoot"/>
+      </p:par>
+    </p:tnLst>
+  </p:timing>
+</p:sld>
+</file>
+
+<file path=ppt/slides/slide8.xml><?xml version="1.0" encoding="utf-8"?>
+<p:sld xmlns:a="http://schemas.openxmlformats.org/drawingml/2006/main" xmlns:r="http://schemas.openxmlformats.org/officeDocument/2006/relationships" xmlns:p="http://schemas.openxmlformats.org/presentationml/2006/main">
+  <p:cSld>
+    <p:spTree>
+      <p:nvGrpSpPr>
+        <p:cNvPr id="1" name=""/>
+        <p:cNvGrpSpPr/>
+        <p:nvPr/>
+      </p:nvGrpSpPr>
+      <p:grpSpPr>
+        <a:xfrm>
+          <a:off x="0" y="0"/>
+          <a:ext cx="0" cy="0"/>
+          <a:chOff x="0" y="0"/>
+          <a:chExt cx="0" cy="0"/>
+        </a:xfrm>
+      </p:grpSpPr>
+      <p:sp>
+        <p:nvSpPr>
+          <p:cNvPr id="66" name="Rectangle 16">
+            <a:extLst>
+              <a:ext uri="{FF2B5EF4-FFF2-40B4-BE49-F238E27FC236}">
+                <a16:creationId xmlns:a16="http://schemas.microsoft.com/office/drawing/2014/main" id="{4AF15A40-D027-4B1B-9E09-A2FA1923521E}"/>
+              </a:ext>
+            </a:extLst>
+          </p:cNvPr>
+          <p:cNvSpPr>
+            <a:spLocks noChangeArrowheads="1"/>
+          </p:cNvSpPr>
+          <p:nvPr/>
+        </p:nvSpPr>
+        <p:spPr bwMode="auto">
+          <a:xfrm>
+            <a:off x="755650" y="-8397"/>
+            <a:ext cx="7632700" cy="763533"/>
+          </a:xfrm>
+          <a:prstGeom prst="rect">
+            <a:avLst/>
+          </a:prstGeom>
+          <a:noFill/>
+          <a:ln>
+            <a:noFill/>
+          </a:ln>
+          <a:extLst>
+            <a:ext uri="{909E8E84-426E-40DD-AFC4-6F175D3DCCD1}">
+              <a14:hiddenFill xmlns:a14="http://schemas.microsoft.com/office/drawing/2010/main">
+                <a:solidFill>
+                  <a:srgbClr val="FFFFFF"/>
+                </a:solidFill>
+              </a14:hiddenFill>
+            </a:ext>
+            <a:ext uri="{91240B29-F687-4F45-9708-019B960494DF}">
+              <a14:hiddenLine xmlns:a14="http://schemas.microsoft.com/office/drawing/2010/main" w="9525">
+                <a:solidFill>
+                  <a:srgbClr val="000000"/>
+                </a:solidFill>
+                <a:miter lim="800000"/>
+                <a:headEnd/>
+                <a:tailEnd/>
+              </a14:hiddenLine>
+            </a:ext>
+          </a:extLst>
+        </p:spPr>
+        <p:txBody>
+          <a:bodyPr vert="horz" wrap="square" lIns="91440" tIns="45720" rIns="91440" bIns="45720" numCol="1" anchor="ctr" anchorCtr="0" compatLnSpc="1">
+            <a:prstTxWarp prst="textNoShape">
+              <a:avLst/>
+            </a:prstTxWarp>
+          </a:bodyPr>
+          <a:lstStyle/>
+          <a:p>
+            <a:pPr algn="ctr"/>
+            <a:r>
+              <a:rPr lang="zh-CN" altLang="en-US" sz="4000" b="1" dirty="0" smtClean="0">
+                <a:solidFill>
+                  <a:srgbClr val="002060"/>
+                </a:solidFill>
+                <a:latin typeface="微软雅黑" pitchFamily="34" charset="-122"/>
+                <a:ea typeface="微软雅黑" pitchFamily="34" charset="-122"/>
+                <a:cs typeface="+mj-cs"/>
+              </a:rPr>
+              <a:t>系统特色</a:t>
+            </a:r>
+            <a:endParaRPr lang="zh-CN" altLang="en-US" sz="4000" b="1" dirty="0">
+              <a:solidFill>
+                <a:srgbClr val="002060"/>
+              </a:solidFill>
+              <a:latin typeface="微软雅黑" pitchFamily="34" charset="-122"/>
+              <a:ea typeface="微软雅黑" pitchFamily="34" charset="-122"/>
+              <a:cs typeface="+mj-cs"/>
+            </a:endParaRPr>
+          </a:p>
+        </p:txBody>
+      </p:sp>
+      <p:sp>
+        <p:nvSpPr>
+          <p:cNvPr id="19" name="矩形 18"/>
+          <p:cNvSpPr/>
+          <p:nvPr/>
+        </p:nvSpPr>
+        <p:spPr bwMode="auto">
+          <a:xfrm>
+            <a:off x="119994" y="1844824"/>
+            <a:ext cx="2736304" cy="792088"/>
+          </a:xfrm>
+          <a:prstGeom prst="rect">
+            <a:avLst/>
+          </a:prstGeom>
+          <a:noFill/>
+          <a:ln w="38100">
+            <a:solidFill>
+              <a:srgbClr val="FF0000"/>
+            </a:solidFill>
+          </a:ln>
+          <a:extLst/>
+        </p:spPr>
+        <p:style>
+          <a:lnRef idx="2">
+            <a:schemeClr val="dk1"/>
+          </a:lnRef>
+          <a:fillRef idx="1">
+            <a:schemeClr val="lt1"/>
+          </a:fillRef>
+          <a:effectRef idx="0">
+            <a:schemeClr val="dk1"/>
+          </a:effectRef>
+          <a:fontRef idx="minor">
+            <a:schemeClr val="dk1"/>
+          </a:fontRef>
+        </p:style>
+        <p:txBody>
+          <a:bodyPr wrap="square" rtlCol="0" anchor="ctr">
+            <a:spAutoFit/>
+          </a:bodyPr>
+          <a:lstStyle/>
+          <a:p>
+            <a:pPr algn="ctr"/>
+            <a:endParaRPr lang="zh-CN" altLang="en-US" sz="2000" b="1" dirty="0" smtClean="0">
+              <a:ln>
+                <a:solidFill>
+                  <a:srgbClr val="FF0000"/>
+                </a:solidFill>
+              </a:ln>
+              <a:solidFill>
+                <a:srgbClr val="FF0000"/>
+              </a:solidFill>
+              <a:latin typeface="黑体" pitchFamily="49" charset="-122"/>
+              <a:ea typeface="黑体" pitchFamily="49" charset="-122"/>
+            </a:endParaRPr>
+          </a:p>
+        </p:txBody>
+      </p:sp>
+      <p:sp>
+        <p:nvSpPr>
+          <p:cNvPr id="6" name="矩形 5"/>
+          <p:cNvSpPr/>
+          <p:nvPr/>
+        </p:nvSpPr>
+        <p:spPr bwMode="auto">
+          <a:xfrm>
+            <a:off x="3059832" y="1118956"/>
+            <a:ext cx="5760640" cy="5348803"/>
+          </a:xfrm>
+          <a:prstGeom prst="rect">
+            <a:avLst/>
+          </a:prstGeom>
+          <a:noFill/>
+          <a:ln w="28575">
+            <a:solidFill>
+              <a:srgbClr val="7030A0"/>
+            </a:solidFill>
+            <a:prstDash val="sysDash"/>
+            <a:miter lim="800000"/>
+            <a:headEnd/>
+            <a:tailEnd/>
+          </a:ln>
+          <a:extLst>
+            <a:ext uri="{909E8E84-426E-40DD-AFC4-6F175D3DCCD1}">
+              <a14:hiddenFill xmlns:a14="http://schemas.microsoft.com/office/drawing/2010/main">
+                <a:solidFill>
+                  <a:srgbClr val="FFFFFF"/>
+                </a:solidFill>
+              </a14:hiddenFill>
+            </a:ext>
+          </a:extLst>
+        </p:spPr>
+        <p:txBody>
+          <a:bodyPr wrap="square" rtlCol="0" anchor="ctr">
+            <a:spAutoFit/>
+          </a:bodyPr>
+          <a:lstStyle/>
+          <a:p>
+            <a:pPr algn="ctr"/>
+            <a:endParaRPr lang="zh-CN" altLang="en-US" sz="2000" b="1" dirty="0" smtClean="0">
+              <a:latin typeface="黑体" pitchFamily="49" charset="-122"/>
+              <a:ea typeface="黑体" pitchFamily="49" charset="-122"/>
+            </a:endParaRPr>
+          </a:p>
+        </p:txBody>
+      </p:sp>
+      <p:sp>
+        <p:nvSpPr>
+          <p:cNvPr id="20" name="矩形 19"/>
+          <p:cNvSpPr/>
+          <p:nvPr/>
+        </p:nvSpPr>
+        <p:spPr>
+          <a:xfrm>
+            <a:off x="3197992" y="1204456"/>
+            <a:ext cx="3836756" cy="461665"/>
+          </a:xfrm>
+          <a:prstGeom prst="rect">
+            <a:avLst/>
+          </a:prstGeom>
+        </p:spPr>
+        <p:txBody>
+          <a:bodyPr wrap="none">
+            <a:spAutoFit/>
+          </a:bodyPr>
+          <a:lstStyle/>
+          <a:p>
+            <a:pPr marL="0" indent="0"/>
+            <a:r>
+              <a:rPr lang="zh-CN" altLang="en-US" b="1" dirty="0" smtClean="0">
+                <a:solidFill>
+                  <a:srgbClr val="002060"/>
+                </a:solidFill>
+              </a:rPr>
+              <a:t>登陆获取</a:t>
+            </a:r>
+            <a:r>
+              <a:rPr lang="en-US" altLang="zh-CN" b="1" dirty="0" err="1" smtClean="0">
+                <a:solidFill>
+                  <a:srgbClr val="002060"/>
+                </a:solidFill>
+              </a:rPr>
+              <a:t>Json</a:t>
+            </a:r>
+            <a:r>
+              <a:rPr lang="en-US" altLang="zh-CN" b="1" dirty="0" smtClean="0">
+                <a:solidFill>
+                  <a:srgbClr val="002060"/>
+                </a:solidFill>
+              </a:rPr>
+              <a:t> Web Token</a:t>
+            </a:r>
+            <a:endParaRPr lang="en-US" altLang="zh-CN" b="1" dirty="0">
+              <a:solidFill>
+                <a:srgbClr val="002060"/>
+              </a:solidFill>
+            </a:endParaRPr>
+          </a:p>
+        </p:txBody>
+      </p:sp>
+      <p:sp>
+        <p:nvSpPr>
+          <p:cNvPr id="21" name="矩形 20"/>
+          <p:cNvSpPr/>
+          <p:nvPr/>
+        </p:nvSpPr>
+        <p:spPr>
+          <a:xfrm>
+            <a:off x="3222901" y="5949280"/>
+            <a:ext cx="5434501" cy="400110"/>
+          </a:xfrm>
+          <a:prstGeom prst="rect">
+            <a:avLst/>
+          </a:prstGeom>
+        </p:spPr>
+        <p:txBody>
+          <a:bodyPr wrap="none">
+            <a:spAutoFit/>
+          </a:bodyPr>
+          <a:lstStyle/>
+          <a:p>
+            <a:pPr marL="0" indent="0"/>
+            <a:r>
+              <a:rPr lang="zh-CN" altLang="en-US" sz="2000" b="1" dirty="0" smtClean="0">
+                <a:solidFill>
+                  <a:srgbClr val="002060"/>
+                </a:solidFill>
+              </a:rPr>
+              <a:t>使用</a:t>
+            </a:r>
+            <a:r>
+              <a:rPr lang="en-US" altLang="zh-CN" sz="2000" b="1" dirty="0" smtClean="0">
+                <a:solidFill>
+                  <a:srgbClr val="002060"/>
+                </a:solidFill>
+              </a:rPr>
+              <a:t>Spring Security</a:t>
+            </a:r>
+            <a:r>
+              <a:rPr lang="zh-CN" altLang="en-US" sz="2000" b="1" dirty="0" smtClean="0">
+                <a:solidFill>
+                  <a:srgbClr val="002060"/>
+                </a:solidFill>
+              </a:rPr>
+              <a:t>进行身份认证和权限控制</a:t>
+            </a:r>
+            <a:endParaRPr lang="en-US" altLang="zh-CN" sz="2000" b="1" dirty="0">
+              <a:solidFill>
+                <a:srgbClr val="002060"/>
+              </a:solidFill>
+            </a:endParaRPr>
+          </a:p>
+        </p:txBody>
+      </p:sp>
+      <p:sp>
+        <p:nvSpPr>
+          <p:cNvPr id="2" name="矩形 1"/>
+          <p:cNvSpPr/>
+          <p:nvPr/>
+        </p:nvSpPr>
+        <p:spPr>
+          <a:xfrm>
+            <a:off x="3197992" y="1666121"/>
+            <a:ext cx="5574218" cy="1323439"/>
+          </a:xfrm>
+          <a:prstGeom prst="rect">
+            <a:avLst/>
+          </a:prstGeom>
+        </p:spPr>
+        <p:txBody>
+          <a:bodyPr wrap="none">
+            <a:spAutoFit/>
+          </a:bodyPr>
+          <a:lstStyle/>
+          <a:p>
+            <a:pPr marL="0" indent="0"/>
+            <a:r>
+              <a:rPr lang="en-US" altLang="zh-CN" sz="2000" b="1" dirty="0" smtClean="0">
+                <a:solidFill>
+                  <a:srgbClr val="002060"/>
+                </a:solidFill>
+              </a:rPr>
+              <a:t>JWT</a:t>
+            </a:r>
+            <a:r>
+              <a:rPr lang="zh-CN" altLang="en-US" sz="2000" b="1" dirty="0" smtClean="0">
+                <a:solidFill>
+                  <a:srgbClr val="002060"/>
+                </a:solidFill>
+              </a:rPr>
+              <a:t>是一个轻巧的</a:t>
+            </a:r>
+            <a:r>
+              <a:rPr lang="en-US" altLang="zh-CN" sz="2000" b="1" dirty="0" smtClean="0">
+                <a:solidFill>
+                  <a:srgbClr val="002060"/>
+                </a:solidFill>
+              </a:rPr>
+              <a:t>Token</a:t>
+            </a:r>
+            <a:r>
+              <a:rPr lang="zh-CN" altLang="en-US" sz="2000" b="1" dirty="0" smtClean="0">
+                <a:solidFill>
+                  <a:srgbClr val="002060"/>
+                </a:solidFill>
+              </a:rPr>
+              <a:t>验证规范：</a:t>
+            </a:r>
+            <a:endParaRPr lang="en-US" altLang="zh-CN" sz="2000" b="1" dirty="0" smtClean="0">
+              <a:solidFill>
+                <a:srgbClr val="002060"/>
+              </a:solidFill>
+            </a:endParaRPr>
+          </a:p>
+          <a:p>
+            <a:pPr marL="342900" indent="-342900">
+              <a:buFont typeface="Arial" panose="020B0604020202020204" pitchFamily="34" charset="0"/>
+              <a:buChar char="•"/>
+            </a:pPr>
+            <a:r>
+              <a:rPr lang="en-US" altLang="zh-CN" sz="2000" b="1" dirty="0" smtClean="0">
+                <a:solidFill>
+                  <a:srgbClr val="002060"/>
+                </a:solidFill>
+              </a:rPr>
+              <a:t>Header</a:t>
+            </a:r>
+            <a:r>
+              <a:rPr lang="zh-CN" altLang="en-US" sz="2000" b="1" dirty="0" smtClean="0">
+                <a:solidFill>
+                  <a:srgbClr val="002060"/>
+                </a:solidFill>
+              </a:rPr>
+              <a:t>：包含使用算法名，不加密</a:t>
+            </a:r>
+            <a:endParaRPr lang="en-US" altLang="zh-CN" sz="2000" b="1" dirty="0" smtClean="0">
+              <a:solidFill>
+                <a:srgbClr val="002060"/>
+              </a:solidFill>
+            </a:endParaRPr>
+          </a:p>
+          <a:p>
+            <a:pPr marL="342900" indent="-342900">
+              <a:buFont typeface="Arial" panose="020B0604020202020204" pitchFamily="34" charset="0"/>
+              <a:buChar char="•"/>
+            </a:pPr>
+            <a:r>
+              <a:rPr lang="en-US" altLang="zh-CN" sz="2000" b="1" dirty="0" smtClean="0">
+                <a:solidFill>
+                  <a:srgbClr val="002060"/>
+                </a:solidFill>
+              </a:rPr>
+              <a:t>Payload</a:t>
+            </a:r>
+            <a:r>
+              <a:rPr lang="zh-CN" altLang="en-US" sz="2000" b="1" dirty="0" smtClean="0">
+                <a:solidFill>
+                  <a:srgbClr val="002060"/>
+                </a:solidFill>
+              </a:rPr>
+              <a:t>：标准字段</a:t>
+            </a:r>
+            <a:r>
+              <a:rPr lang="en-US" altLang="zh-CN" sz="2000" b="1" dirty="0" smtClean="0">
+                <a:solidFill>
+                  <a:srgbClr val="002060"/>
+                </a:solidFill>
+              </a:rPr>
+              <a:t>+</a:t>
+            </a:r>
+            <a:r>
+              <a:rPr lang="zh-CN" altLang="en-US" sz="2000" b="1" dirty="0" smtClean="0">
+                <a:solidFill>
+                  <a:srgbClr val="002060"/>
+                </a:solidFill>
+              </a:rPr>
+              <a:t>自定义信息</a:t>
+            </a:r>
+            <a:endParaRPr lang="en-US" altLang="zh-CN" sz="2000" b="1" dirty="0" smtClean="0">
+              <a:solidFill>
+                <a:srgbClr val="002060"/>
+              </a:solidFill>
+            </a:endParaRPr>
+          </a:p>
+          <a:p>
+            <a:pPr marL="342900" indent="-342900">
+              <a:buFont typeface="Arial" panose="020B0604020202020204" pitchFamily="34" charset="0"/>
+              <a:buChar char="•"/>
+            </a:pPr>
+            <a:r>
+              <a:rPr lang="en-US" altLang="zh-CN" sz="2000" b="1" dirty="0" smtClean="0">
+                <a:solidFill>
+                  <a:srgbClr val="002060"/>
+                </a:solidFill>
+              </a:rPr>
+              <a:t>Signature</a:t>
+            </a:r>
+            <a:r>
+              <a:rPr lang="zh-CN" altLang="en-US" sz="2000" b="1" dirty="0" smtClean="0">
+                <a:solidFill>
+                  <a:srgbClr val="002060"/>
+                </a:solidFill>
+              </a:rPr>
+              <a:t>：</a:t>
+            </a:r>
+            <a:r>
+              <a:rPr lang="en-US" altLang="zh-CN" sz="2000" b="1" dirty="0" smtClean="0">
+                <a:solidFill>
+                  <a:srgbClr val="002060"/>
+                </a:solidFill>
+              </a:rPr>
+              <a:t>Base64(</a:t>
+            </a:r>
+            <a:r>
+              <a:rPr lang="en-US" altLang="zh-CN" sz="2000" b="1" dirty="0" err="1" smtClean="0">
+                <a:solidFill>
+                  <a:srgbClr val="002060"/>
+                </a:solidFill>
+              </a:rPr>
+              <a:t>header.payload</a:t>
+            </a:r>
+            <a:r>
+              <a:rPr lang="en-US" altLang="zh-CN" sz="2000" b="1" dirty="0" smtClean="0">
+                <a:solidFill>
+                  <a:srgbClr val="002060"/>
+                </a:solidFill>
+              </a:rPr>
+              <a:t>)+</a:t>
+            </a:r>
+            <a:r>
+              <a:rPr lang="zh-CN" altLang="en-US" sz="2000" b="1" dirty="0" smtClean="0">
+                <a:solidFill>
+                  <a:srgbClr val="002060"/>
+                </a:solidFill>
+              </a:rPr>
+              <a:t>签名</a:t>
+            </a:r>
+            <a:endParaRPr lang="en-US" altLang="zh-CN" sz="2000" b="1" dirty="0">
+              <a:solidFill>
+                <a:srgbClr val="002060"/>
+              </a:solidFill>
+            </a:endParaRPr>
+          </a:p>
+        </p:txBody>
+      </p:sp>
+      <p:pic>
+        <p:nvPicPr>
+          <p:cNvPr id="4" name="图片 3"/>
+          <p:cNvPicPr>
+            <a:picLocks noChangeAspect="1"/>
+          </p:cNvPicPr>
+          <p:nvPr/>
+        </p:nvPicPr>
+        <p:blipFill>
+          <a:blip r:embed="rId3">
+            <a:extLst>
+              <a:ext uri="{28A0092B-C50C-407E-A947-70E740481C1C}">
+                <a14:useLocalDpi xmlns:a14="http://schemas.microsoft.com/office/drawing/2010/main" val="0"/>
+              </a:ext>
+            </a:extLst>
+          </a:blip>
+          <a:stretch>
+            <a:fillRect/>
+          </a:stretch>
+        </p:blipFill>
+        <p:spPr>
+          <a:xfrm>
+            <a:off x="3132049" y="2864590"/>
+            <a:ext cx="5672343" cy="3398371"/>
+          </a:xfrm>
+          <a:prstGeom prst="rect">
+            <a:avLst/>
+          </a:prstGeom>
+        </p:spPr>
+      </p:pic>
+      <p:pic>
+        <p:nvPicPr>
+          <p:cNvPr id="12" name="图片 11"/>
+          <p:cNvPicPr>
+            <a:picLocks noChangeAspect="1"/>
+          </p:cNvPicPr>
+          <p:nvPr/>
+        </p:nvPicPr>
+        <p:blipFill>
+          <a:blip r:embed="rId4"/>
+          <a:stretch>
+            <a:fillRect/>
+          </a:stretch>
+        </p:blipFill>
+        <p:spPr>
+          <a:xfrm>
+            <a:off x="177891" y="1052736"/>
+            <a:ext cx="2565278" cy="5631082"/>
+          </a:xfrm>
+          <a:prstGeom prst="rect">
+            <a:avLst/>
+          </a:prstGeom>
+        </p:spPr>
+      </p:pic>
+    </p:spTree>
+    <p:extLst>
+      <p:ext uri="{BB962C8B-B14F-4D97-AF65-F5344CB8AC3E}">
+        <p14:creationId xmlns:p14="http://schemas.microsoft.com/office/powerpoint/2010/main" val="1939674663"/>
+      </p:ext>
+    </p:extLst>
+  </p:cSld>
+  <p:clrMapOvr>
+    <a:masterClrMapping/>
+  </p:clrMapOvr>
+  <mc:AlternateContent xmlns:mc="http://schemas.openxmlformats.org/markup-compatibility/2006" xmlns:p14="http://schemas.microsoft.com/office/powerpoint/2010/main">
+    <mc:Choice Requires="p14">
+      <p:transition p14:dur="10"/>
+    </mc:Choice>
+    <mc:Fallback xmlns="">
+      <p:transition/>
+    </mc:Fallback>
+  </mc:AlternateContent>
+  <p:timing>
+    <p:tnLst>
+      <p:par>
+        <p:cTn id="1" dur="indefinite" restart="never" nodeType="tmRoot"/>
+      </p:par>
+    </p:tnLst>
+  </p:timing>
+</p:sld>
+</file>
+
+<file path=ppt/slides/slide9.xml><?xml version="1.0" encoding="utf-8"?>
+<p:sld xmlns:a="http://schemas.openxmlformats.org/drawingml/2006/main" xmlns:r="http://schemas.openxmlformats.org/officeDocument/2006/relationships" xmlns:p="http://schemas.openxmlformats.org/presentationml/2006/main">
+  <p:cSld>
+    <p:spTree>
+      <p:nvGrpSpPr>
+        <p:cNvPr id="1" name=""/>
+        <p:cNvGrpSpPr/>
+        <p:nvPr/>
+      </p:nvGrpSpPr>
+      <p:grpSpPr>
+        <a:xfrm>
+          <a:off x="0" y="0"/>
+          <a:ext cx="0" cy="0"/>
+          <a:chOff x="0" y="0"/>
+          <a:chExt cx="0" cy="0"/>
+        </a:xfrm>
+      </p:grpSpPr>
+      <p:sp>
+        <p:nvSpPr>
+          <p:cNvPr id="66" name="Rectangle 16">
+            <a:extLst>
+              <a:ext uri="{FF2B5EF4-FFF2-40B4-BE49-F238E27FC236}">
+                <a16:creationId xmlns:a16="http://schemas.microsoft.com/office/drawing/2014/main" id="{4AF15A40-D027-4B1B-9E09-A2FA1923521E}"/>
+              </a:ext>
+            </a:extLst>
+          </p:cNvPr>
+          <p:cNvSpPr>
+            <a:spLocks noChangeArrowheads="1"/>
+          </p:cNvSpPr>
+          <p:nvPr/>
+        </p:nvSpPr>
+        <p:spPr bwMode="auto">
+          <a:xfrm>
+            <a:off x="755650" y="-8397"/>
+            <a:ext cx="7632700" cy="763533"/>
+          </a:xfrm>
+          <a:prstGeom prst="rect">
+            <a:avLst/>
+          </a:prstGeom>
+          <a:noFill/>
+          <a:ln>
+            <a:noFill/>
+          </a:ln>
+          <a:extLst>
+            <a:ext uri="{909E8E84-426E-40DD-AFC4-6F175D3DCCD1}">
+              <a14:hiddenFill xmlns:a14="http://schemas.microsoft.com/office/drawing/2010/main">
+                <a:solidFill>
+                  <a:srgbClr val="FFFFFF"/>
+                </a:solidFill>
+              </a14:hiddenFill>
+            </a:ext>
+            <a:ext uri="{91240B29-F687-4F45-9708-019B960494DF}">
+              <a14:hiddenLine xmlns:a14="http://schemas.microsoft.com/office/drawing/2010/main" w="9525">
+                <a:solidFill>
+                  <a:srgbClr val="000000"/>
+                </a:solidFill>
+                <a:miter lim="800000"/>
+                <a:headEnd/>
+                <a:tailEnd/>
+              </a14:hiddenLine>
+            </a:ext>
+          </a:extLst>
+        </p:spPr>
+        <p:txBody>
+          <a:bodyPr vert="horz" wrap="square" lIns="91440" tIns="45720" rIns="91440" bIns="45720" numCol="1" anchor="ctr" anchorCtr="0" compatLnSpc="1">
+            <a:prstTxWarp prst="textNoShape">
+              <a:avLst/>
+            </a:prstTxWarp>
+          </a:bodyPr>
+          <a:lstStyle/>
+          <a:p>
+            <a:pPr algn="ctr"/>
+            <a:r>
+              <a:rPr lang="zh-CN" altLang="en-US" sz="4000" b="1" dirty="0" smtClean="0">
+                <a:solidFill>
+                  <a:srgbClr val="002060"/>
+                </a:solidFill>
+                <a:latin typeface="微软雅黑" pitchFamily="34" charset="-122"/>
+                <a:ea typeface="微软雅黑" pitchFamily="34" charset="-122"/>
+                <a:cs typeface="+mj-cs"/>
+              </a:rPr>
+              <a:t>系统特色</a:t>
+            </a:r>
+            <a:endParaRPr lang="zh-CN" altLang="en-US" sz="4000" b="1" dirty="0">
+              <a:solidFill>
+                <a:srgbClr val="002060"/>
+              </a:solidFill>
+              <a:latin typeface="微软雅黑" pitchFamily="34" charset="-122"/>
+              <a:ea typeface="微软雅黑" pitchFamily="34" charset="-122"/>
+              <a:cs typeface="+mj-cs"/>
+            </a:endParaRPr>
+          </a:p>
+        </p:txBody>
+      </p:sp>
+      <p:sp>
+        <p:nvSpPr>
+          <p:cNvPr id="19" name="矩形 18"/>
+          <p:cNvSpPr/>
+          <p:nvPr/>
+        </p:nvSpPr>
+        <p:spPr bwMode="auto">
+          <a:xfrm>
+            <a:off x="83990" y="2636912"/>
+            <a:ext cx="2736304" cy="792088"/>
+          </a:xfrm>
+          <a:prstGeom prst="rect">
+            <a:avLst/>
+          </a:prstGeom>
+          <a:noFill/>
+          <a:ln w="38100">
+            <a:solidFill>
+              <a:srgbClr val="FF0000"/>
+            </a:solidFill>
+          </a:ln>
+          <a:extLst/>
+        </p:spPr>
+        <p:style>
+          <a:lnRef idx="2">
+            <a:schemeClr val="dk1"/>
+          </a:lnRef>
+          <a:fillRef idx="1">
+            <a:schemeClr val="lt1"/>
+          </a:fillRef>
+          <a:effectRef idx="0">
+            <a:schemeClr val="dk1"/>
+          </a:effectRef>
+          <a:fontRef idx="minor">
+            <a:schemeClr val="dk1"/>
+          </a:fontRef>
+        </p:style>
+        <p:txBody>
+          <a:bodyPr wrap="square" rtlCol="0" anchor="ctr">
+            <a:spAutoFit/>
+          </a:bodyPr>
+          <a:lstStyle/>
+          <a:p>
+            <a:pPr algn="ctr"/>
+            <a:endParaRPr lang="zh-CN" altLang="en-US" sz="2000" b="1" dirty="0" smtClean="0">
+              <a:ln>
+                <a:solidFill>
+                  <a:srgbClr val="FF0000"/>
+                </a:solidFill>
+              </a:ln>
+              <a:solidFill>
+                <a:srgbClr val="FF0000"/>
+              </a:solidFill>
+              <a:latin typeface="黑体" pitchFamily="49" charset="-122"/>
+              <a:ea typeface="黑体" pitchFamily="49" charset="-122"/>
+            </a:endParaRPr>
+          </a:p>
+        </p:txBody>
+      </p:sp>
+      <p:sp>
+        <p:nvSpPr>
+          <p:cNvPr id="6" name="矩形 5"/>
+          <p:cNvSpPr/>
+          <p:nvPr/>
+        </p:nvSpPr>
+        <p:spPr bwMode="auto">
+          <a:xfrm>
+            <a:off x="3059832" y="1118956"/>
+            <a:ext cx="5760640" cy="5348803"/>
+          </a:xfrm>
+          <a:prstGeom prst="rect">
+            <a:avLst/>
+          </a:prstGeom>
+          <a:noFill/>
+          <a:ln w="28575">
+            <a:solidFill>
+              <a:srgbClr val="7030A0"/>
+            </a:solidFill>
+            <a:prstDash val="sysDash"/>
+            <a:miter lim="800000"/>
+            <a:headEnd/>
+            <a:tailEnd/>
+          </a:ln>
+          <a:extLst>
+            <a:ext uri="{909E8E84-426E-40DD-AFC4-6F175D3DCCD1}">
+              <a14:hiddenFill xmlns:a14="http://schemas.microsoft.com/office/drawing/2010/main">
+                <a:solidFill>
+                  <a:srgbClr val="FFFFFF"/>
+                </a:solidFill>
+              </a14:hiddenFill>
+            </a:ext>
+          </a:extLst>
+        </p:spPr>
+        <p:txBody>
+          <a:bodyPr wrap="square" rtlCol="0" anchor="ctr">
+            <a:spAutoFit/>
+          </a:bodyPr>
+          <a:lstStyle/>
+          <a:p>
+            <a:pPr algn="ctr"/>
+            <a:endParaRPr lang="zh-CN" altLang="en-US" sz="2000" b="1" dirty="0" smtClean="0">
+              <a:latin typeface="黑体" pitchFamily="49" charset="-122"/>
+              <a:ea typeface="黑体" pitchFamily="49" charset="-122"/>
+            </a:endParaRPr>
+          </a:p>
+        </p:txBody>
+      </p:sp>
+      <p:pic>
+        <p:nvPicPr>
+          <p:cNvPr id="3" name="图片 2"/>
+          <p:cNvPicPr>
+            <a:picLocks noChangeAspect="1"/>
+          </p:cNvPicPr>
+          <p:nvPr/>
+        </p:nvPicPr>
+        <p:blipFill>
+          <a:blip r:embed="rId3"/>
+          <a:stretch>
+            <a:fillRect/>
+          </a:stretch>
+        </p:blipFill>
+        <p:spPr>
+          <a:xfrm>
+            <a:off x="177891" y="1052736"/>
+            <a:ext cx="2565278" cy="5631082"/>
+          </a:xfrm>
+          <a:prstGeom prst="rect">
+            <a:avLst/>
+          </a:prstGeom>
+        </p:spPr>
+      </p:pic>
+      <p:sp>
+        <p:nvSpPr>
+          <p:cNvPr id="11" name="矩形 10"/>
+          <p:cNvSpPr/>
+          <p:nvPr/>
+        </p:nvSpPr>
+        <p:spPr>
+          <a:xfrm>
+            <a:off x="3197992" y="1204456"/>
+            <a:ext cx="3691075" cy="461665"/>
+          </a:xfrm>
+          <a:prstGeom prst="rect">
+            <a:avLst/>
+          </a:prstGeom>
+        </p:spPr>
+        <p:txBody>
+          <a:bodyPr wrap="none">
+            <a:spAutoFit/>
+          </a:bodyPr>
+          <a:lstStyle/>
+          <a:p>
+            <a:pPr marL="0" indent="0"/>
+            <a:r>
+              <a:rPr lang="en-US" altLang="zh-CN" b="1" dirty="0" smtClean="0">
+                <a:solidFill>
+                  <a:srgbClr val="002060"/>
+                </a:solidFill>
+              </a:rPr>
+              <a:t>JSR-303 Bean </a:t>
+            </a:r>
+            <a:r>
+              <a:rPr lang="en-US" altLang="zh-CN" b="1" dirty="0" err="1" smtClean="0">
+                <a:solidFill>
+                  <a:srgbClr val="002060"/>
+                </a:solidFill>
+              </a:rPr>
+              <a:t>Valitation</a:t>
+            </a:r>
+            <a:endParaRPr lang="en-US" altLang="zh-CN" b="1" dirty="0">
+              <a:solidFill>
+                <a:srgbClr val="002060"/>
+              </a:solidFill>
+            </a:endParaRPr>
+          </a:p>
+        </p:txBody>
+      </p:sp>
+      <p:pic>
+        <p:nvPicPr>
+          <p:cNvPr id="8" name="图片 7"/>
+          <p:cNvPicPr>
+            <a:picLocks noChangeAspect="1"/>
+          </p:cNvPicPr>
+          <p:nvPr/>
+        </p:nvPicPr>
+        <p:blipFill>
+          <a:blip r:embed="rId4"/>
+          <a:stretch>
+            <a:fillRect/>
+          </a:stretch>
+        </p:blipFill>
+        <p:spPr>
+          <a:xfrm>
+            <a:off x="3154158" y="2018570"/>
+            <a:ext cx="5571987" cy="3163020"/>
+          </a:xfrm>
+          <a:prstGeom prst="rect">
+            <a:avLst/>
+          </a:prstGeom>
+        </p:spPr>
+      </p:pic>
+      <p:sp>
+        <p:nvSpPr>
+          <p:cNvPr id="14" name="矩形 13"/>
+          <p:cNvSpPr/>
+          <p:nvPr/>
+        </p:nvSpPr>
+        <p:spPr bwMode="auto">
+          <a:xfrm>
+            <a:off x="3059831" y="1897294"/>
+            <a:ext cx="2448272" cy="3405571"/>
+          </a:xfrm>
+          <a:prstGeom prst="rect">
+            <a:avLst/>
+          </a:prstGeom>
+          <a:noFill/>
+          <a:ln w="38100">
+            <a:solidFill>
+              <a:srgbClr val="FF0000"/>
+            </a:solidFill>
+          </a:ln>
+          <a:extLst/>
+        </p:spPr>
+        <p:style>
+          <a:lnRef idx="2">
+            <a:schemeClr val="dk1"/>
+          </a:lnRef>
+          <a:fillRef idx="1">
+            <a:schemeClr val="lt1"/>
+          </a:fillRef>
+          <a:effectRef idx="0">
+            <a:schemeClr val="dk1"/>
+          </a:effectRef>
+          <a:fontRef idx="minor">
+            <a:schemeClr val="dk1"/>
+          </a:fontRef>
+        </p:style>
+        <p:txBody>
+          <a:bodyPr wrap="square" rtlCol="0" anchor="ctr">
+            <a:spAutoFit/>
+          </a:bodyPr>
+          <a:lstStyle/>
+          <a:p>
+            <a:pPr algn="ctr"/>
+            <a:endParaRPr lang="zh-CN" altLang="en-US" sz="2000" b="1" dirty="0" smtClean="0">
+              <a:ln>
+                <a:solidFill>
+                  <a:srgbClr val="FF0000"/>
+                </a:solidFill>
+              </a:ln>
+              <a:solidFill>
+                <a:srgbClr val="FF0000"/>
+              </a:solidFill>
+              <a:latin typeface="黑体" pitchFamily="49" charset="-122"/>
+              <a:ea typeface="黑体" pitchFamily="49" charset="-122"/>
+            </a:endParaRPr>
+          </a:p>
+        </p:txBody>
+      </p:sp>
+      <p:sp>
+        <p:nvSpPr>
+          <p:cNvPr id="15" name="矩形 14"/>
+          <p:cNvSpPr/>
+          <p:nvPr/>
+        </p:nvSpPr>
+        <p:spPr>
+          <a:xfrm>
+            <a:off x="3264825" y="5581643"/>
+            <a:ext cx="5444119" cy="461665"/>
+          </a:xfrm>
+          <a:prstGeom prst="rect">
+            <a:avLst/>
+          </a:prstGeom>
+        </p:spPr>
+        <p:txBody>
+          <a:bodyPr wrap="none">
+            <a:spAutoFit/>
+          </a:bodyPr>
+          <a:lstStyle/>
+          <a:p>
+            <a:pPr marL="0" indent="0"/>
+            <a:r>
+              <a:rPr lang="zh-CN" altLang="en-US" b="1" dirty="0" smtClean="0">
+                <a:solidFill>
+                  <a:srgbClr val="002060"/>
+                </a:solidFill>
+              </a:rPr>
+              <a:t>使用注解的方式在服务端二次校验参数</a:t>
+            </a:r>
+            <a:endParaRPr lang="en-US" altLang="zh-CN" b="1" dirty="0">
+              <a:solidFill>
+                <a:srgbClr val="002060"/>
+              </a:solidFill>
+            </a:endParaRPr>
+          </a:p>
+        </p:txBody>
+      </p:sp>
+    </p:spTree>
+    <p:extLst>
+      <p:ext uri="{BB962C8B-B14F-4D97-AF65-F5344CB8AC3E}">
+        <p14:creationId xmlns:p14="http://schemas.microsoft.com/office/powerpoint/2010/main" val="2331694612"/>
+      </p:ext>
+    </p:extLst>
+  </p:cSld>
+  <p:clrMapOvr>
+    <a:masterClrMapping/>
+  </p:clrMapOvr>
+  <mc:AlternateContent xmlns:mc="http://schemas.openxmlformats.org/markup-compatibility/2006" xmlns:p14="http://schemas.microsoft.com/office/powerpoint/2010/main">
+    <mc:Choice Requires="p14">
+      <p:transition p14:dur="10"/>
+    </mc:Choice>
+    <mc:Fallback xmlns="">
+      <p:transition/>
+    </mc:Fallback>
+  </mc:AlternateContent>
   <p:timing>
     <p:tnLst>
       <p:par>
